--- a/PPT-C++.pptx
+++ b/PPT-C++.pptx
@@ -2,7 +2,7 @@
 <file path=ppt/presentation.xml><?xml version="1.0" encoding="utf-8"?>
 <p:presentation xmlns:a="http://schemas.openxmlformats.org/drawingml/2006/main" xmlns:r="http://schemas.openxmlformats.org/officeDocument/2006/relationships" xmlns:p="http://schemas.openxmlformats.org/presentationml/2006/main" saveSubsetFonts="1">
   <p:sldMasterIdLst>
-    <p:sldMasterId id="2147483660" r:id="rId1"/>
+    <p:sldMasterId id="2147483672" r:id="rId1"/>
   </p:sldMasterIdLst>
   <p:sldIdLst>
     <p:sldId id="256" r:id="rId2"/>
@@ -12,8 +12,9 @@
     <p:sldId id="261" r:id="rId6"/>
     <p:sldId id="262" r:id="rId7"/>
     <p:sldId id="263" r:id="rId8"/>
-    <p:sldId id="257" r:id="rId9"/>
-    <p:sldId id="264" r:id="rId10"/>
+    <p:sldId id="265" r:id="rId9"/>
+    <p:sldId id="257" r:id="rId10"/>
+    <p:sldId id="264" r:id="rId11"/>
   </p:sldIdLst>
   <p:sldSz cx="9144000" cy="6858000" type="screen4x3"/>
   <p:notesSz cx="6858000" cy="9144000"/>
@@ -116,13 +117,8 @@
 </file>
 
 <file path=ppt/slideLayouts/slideLayout1.xml><?xml version="1.0" encoding="utf-8"?>
-<p:sldLayout xmlns:a="http://schemas.openxmlformats.org/drawingml/2006/main" xmlns:r="http://schemas.openxmlformats.org/officeDocument/2006/relationships" xmlns:p="http://schemas.openxmlformats.org/presentationml/2006/main" type="title" preserve="1">
+<p:sldLayout xmlns:a="http://schemas.openxmlformats.org/drawingml/2006/main" xmlns:r="http://schemas.openxmlformats.org/officeDocument/2006/relationships" xmlns:p="http://schemas.openxmlformats.org/presentationml/2006/main" showMasterSp="0" type="title" preserve="1">
   <p:cSld name="Diapositive de titre">
-    <p:bg>
-      <p:bgRef idx="1002">
-        <a:schemeClr val="bg2"/>
-      </p:bgRef>
-    </p:bg>
     <p:spTree>
       <p:nvGrpSpPr>
         <p:cNvPr id="1" name=""/>
@@ -139,67 +135,119 @@
       </p:grpSpPr>
       <p:sp>
         <p:nvSpPr>
-          <p:cNvPr id="9" name="Titre 8"/>
-          <p:cNvSpPr>
-            <a:spLocks noGrp="1"/>
-          </p:cNvSpPr>
-          <p:nvPr>
-            <p:ph type="ctrTitle"/>
-          </p:nvPr>
+          <p:cNvPr id="10" name="Triangle rectangle 9"/>
+          <p:cNvSpPr/>
+          <p:nvPr/>
         </p:nvSpPr>
         <p:spPr>
           <a:xfrm>
-            <a:off x="533400" y="1371600"/>
-            <a:ext cx="7851648" cy="1828800"/>
+            <a:off x="-2" y="4664147"/>
+            <a:ext cx="9151089" cy="0"/>
           </a:xfrm>
-          <a:ln>
+          <a:prstGeom prst="rtTriangle">
+            <a:avLst/>
+          </a:prstGeom>
+          <a:gradFill flip="none" rotWithShape="1">
+            <a:gsLst>
+              <a:gs pos="0">
+                <a:schemeClr val="accent1">
+                  <a:shade val="35000"/>
+                  <a:satMod val="170000"/>
+                  <a:alpha val="100000"/>
+                </a:schemeClr>
+              </a:gs>
+              <a:gs pos="55000">
+                <a:schemeClr val="accent1">
+                  <a:tint val="90000"/>
+                  <a:satMod val="150000"/>
+                  <a:alpha val="100000"/>
+                </a:schemeClr>
+              </a:gs>
+              <a:gs pos="100000">
+                <a:schemeClr val="accent1">
+                  <a:shade val="35000"/>
+                  <a:satMod val="170000"/>
+                  <a:alpha val="100000"/>
+                </a:schemeClr>
+              </a:gs>
+            </a:gsLst>
+            <a:lin ang="3000000" scaled="1"/>
+            <a:tileRect/>
+          </a:gradFill>
+          <a:ln w="12700" cap="rnd" cmpd="thickThin" algn="ctr">
             <a:noFill/>
+            <a:prstDash val="solid"/>
           </a:ln>
+          <a:effectLst/>
         </p:spPr>
-        <p:txBody>
-          <a:bodyPr vert="horz" tIns="0" rIns="18288" bIns="0" anchor="b">
+        <p:style>
+          <a:lnRef idx="3">
+            <a:schemeClr val="lt1"/>
+          </a:lnRef>
+          <a:fillRef idx="1">
+            <a:schemeClr val="accent1"/>
+          </a:fillRef>
+          <a:effectRef idx="1">
+            <a:schemeClr val="accent1"/>
+          </a:effectRef>
+          <a:fontRef idx="minor">
+            <a:schemeClr val="lt1"/>
+          </a:fontRef>
+        </p:style>
+        <p:txBody>
+          <a:bodyPr anchor="ctr"/>
+          <a:lstStyle>
+            <a:extLst/>
+          </a:lstStyle>
+          <a:p>
+            <a:pPr algn="ctr" eaLnBrk="1" latinLnBrk="0" hangingPunct="1"/>
+            <a:endParaRPr kumimoji="0" lang="en-US"/>
+          </a:p>
+        </p:txBody>
+      </p:sp>
+      <p:sp>
+        <p:nvSpPr>
+          <p:cNvPr id="9" name="Titre 8"/>
+          <p:cNvSpPr>
+            <a:spLocks noGrp="1"/>
+          </p:cNvSpPr>
+          <p:nvPr>
+            <p:ph type="ctrTitle"/>
+          </p:nvPr>
+        </p:nvSpPr>
+        <p:spPr>
+          <a:xfrm>
+            <a:off x="685800" y="1752601"/>
+            <a:ext cx="7772400" cy="1829761"/>
+          </a:xfrm>
+        </p:spPr>
+        <p:txBody>
+          <a:bodyPr vert="horz" anchor="b">
             <a:normAutofit/>
             <a:scene3d>
               <a:camera prst="orthographicFront"/>
-              <a:lightRig rig="freezing" dir="t">
-                <a:rot lat="0" lon="0" rev="5640000"/>
-              </a:lightRig>
+              <a:lightRig rig="soft" dir="t"/>
             </a:scene3d>
-            <a:sp3d prstMaterial="flat">
-              <a:bevelT w="38100" h="38100"/>
-              <a:contourClr>
-                <a:schemeClr val="tx2"/>
-              </a:contourClr>
+            <a:sp3d prstMaterial="softEdge">
+              <a:bevelT w="25400" h="25400"/>
             </a:sp3d>
           </a:bodyPr>
           <a:lstStyle>
-            <a:lvl1pPr algn="r" rtl="0">
-              <a:spcBef>
-                <a:spcPct val="0"/>
-              </a:spcBef>
-              <a:buNone/>
-              <a:defRPr sz="5600" b="1">
-                <a:ln>
-                  <a:noFill/>
-                </a:ln>
+            <a:lvl1pPr algn="r">
+              <a:defRPr sz="4800" b="1">
                 <a:solidFill>
-                  <a:schemeClr val="accent3">
-                    <a:tint val="90000"/>
-                    <a:satMod val="120000"/>
-                  </a:schemeClr>
+                  <a:schemeClr val="tx2"/>
                 </a:solidFill>
                 <a:effectLst>
-                  <a:outerShdw blurRad="38100" dist="25400" dir="5400000" algn="tl" rotWithShape="0">
+                  <a:outerShdw blurRad="31750" dist="25400" dir="5400000" algn="tl" rotWithShape="0">
                     <a:srgbClr val="000000">
-                      <a:alpha val="43000"/>
+                      <a:alpha val="25000"/>
                     </a:srgbClr>
                   </a:outerShdw>
                 </a:effectLst>
-                <a:latin typeface="+mj-lt"/>
-                <a:ea typeface="+mj-ea"/>
-                <a:cs typeface="+mj-cs"/>
               </a:defRPr>
             </a:lvl1pPr>
+            <a:extLst/>
           </a:lstStyle>
           <a:p>
             <a:r>
@@ -222,18 +270,18 @@
         </p:nvSpPr>
         <p:spPr>
           <a:xfrm>
-            <a:off x="533400" y="3228536"/>
-            <a:ext cx="7854696" cy="1752600"/>
+            <a:off x="685800" y="3611607"/>
+            <a:ext cx="7772400" cy="1199704"/>
           </a:xfrm>
         </p:spPr>
         <p:txBody>
-          <a:bodyPr lIns="0" rIns="18288"/>
-          <a:lstStyle>
-            <a:lvl1pPr marL="0" marR="45720" indent="0" algn="r">
+          <a:bodyPr lIns="45720" rIns="45720"/>
+          <a:lstStyle>
+            <a:lvl1pPr marL="0" marR="64008" indent="0" algn="r">
               <a:buNone/>
               <a:defRPr>
                 <a:solidFill>
-                  <a:schemeClr val="tx1"/>
+                  <a:schemeClr val="tx2"/>
                 </a:solidFill>
               </a:defRPr>
             </a:lvl1pPr>
@@ -261,6 +309,7 @@
             <a:lvl9pPr marL="3657600" indent="0" algn="ctr">
               <a:buNone/>
             </a:lvl9pPr>
+            <a:extLst/>
           </a:lstStyle>
           <a:p>
             <a:r>
@@ -271,6 +320,401 @@
           </a:p>
         </p:txBody>
       </p:sp>
+      <p:grpSp>
+        <p:nvGrpSpPr>
+          <p:cNvPr id="2" name="Groupe 1"/>
+          <p:cNvGrpSpPr/>
+          <p:nvPr/>
+        </p:nvGrpSpPr>
+        <p:grpSpPr>
+          <a:xfrm>
+            <a:off x="-3765" y="4953000"/>
+            <a:ext cx="9147765" cy="1912088"/>
+            <a:chOff x="-3765" y="4832896"/>
+            <a:chExt cx="9147765" cy="2032192"/>
+          </a:xfrm>
+        </p:grpSpPr>
+        <p:sp>
+          <p:nvSpPr>
+            <p:cNvPr id="7" name="Forme libre 6"/>
+            <p:cNvSpPr>
+              <a:spLocks/>
+            </p:cNvSpPr>
+            <p:nvPr/>
+          </p:nvSpPr>
+          <p:spPr bwMode="auto">
+            <a:xfrm>
+              <a:off x="1687513" y="4832896"/>
+              <a:ext cx="7456487" cy="518816"/>
+            </a:xfrm>
+            <a:custGeom>
+              <a:avLst>
+                <a:gd name="A1" fmla="val 0"/>
+                <a:gd name="A2" fmla="val 0"/>
+                <a:gd name="A3" fmla="val 0"/>
+                <a:gd name="A4" fmla="val 0"/>
+                <a:gd name="A5" fmla="val 0"/>
+                <a:gd name="A6" fmla="val 0"/>
+                <a:gd name="A7" fmla="val 0"/>
+                <a:gd name="A8" fmla="val 0"/>
+              </a:avLst>
+              <a:gdLst/>
+              <a:ahLst/>
+              <a:cxnLst>
+                <a:cxn ang="0">
+                  <a:pos x="4697" y="0"/>
+                </a:cxn>
+                <a:cxn ang="0">
+                  <a:pos x="4697" y="367"/>
+                </a:cxn>
+                <a:cxn ang="0">
+                  <a:pos x="0" y="218"/>
+                </a:cxn>
+                <a:cxn ang="0">
+                  <a:pos x="4697" y="0"/>
+                </a:cxn>
+              </a:cxnLst>
+              <a:rect l="0" t="0" r="0" b="0"/>
+              <a:pathLst>
+                <a:path w="4697" h="367">
+                  <a:moveTo>
+                    <a:pt x="4697" y="0"/>
+                  </a:moveTo>
+                  <a:lnTo>
+                    <a:pt x="4697" y="367"/>
+                  </a:lnTo>
+                  <a:lnTo>
+                    <a:pt x="0" y="218"/>
+                  </a:lnTo>
+                  <a:lnTo>
+                    <a:pt x="4697" y="0"/>
+                  </a:lnTo>
+                  <a:close/>
+                </a:path>
+              </a:pathLst>
+            </a:custGeom>
+            <a:solidFill>
+              <a:schemeClr val="accent1">
+                <a:tint val="65000"/>
+                <a:satMod val="115000"/>
+                <a:alpha val="40000"/>
+              </a:schemeClr>
+            </a:solidFill>
+            <a:ln w="9525" cap="flat" cmpd="sng" algn="ctr">
+              <a:noFill/>
+              <a:prstDash val="solid"/>
+              <a:round/>
+              <a:headEnd type="none" w="med" len="med"/>
+              <a:tailEnd type="none" w="med" len="med"/>
+            </a:ln>
+            <a:effectLst/>
+          </p:spPr>
+          <p:txBody>
+            <a:bodyPr vert="horz" wrap="square" lIns="91440" tIns="45720" rIns="91440" bIns="45720" anchor="t" compatLnSpc="1"/>
+            <a:lstStyle>
+              <a:extLst/>
+            </a:lstStyle>
+            <a:p>
+              <a:endParaRPr kumimoji="0" lang="en-US"/>
+            </a:p>
+          </p:txBody>
+        </p:sp>
+        <p:sp>
+          <p:nvSpPr>
+            <p:cNvPr id="8" name="Forme libre 7"/>
+            <p:cNvSpPr>
+              <a:spLocks/>
+            </p:cNvSpPr>
+            <p:nvPr/>
+          </p:nvSpPr>
+          <p:spPr bwMode="auto">
+            <a:xfrm>
+              <a:off x="35443" y="5135526"/>
+              <a:ext cx="9108557" cy="838200"/>
+            </a:xfrm>
+            <a:custGeom>
+              <a:avLst>
+                <a:gd name="A1" fmla="val 0"/>
+                <a:gd name="A2" fmla="val 0"/>
+                <a:gd name="A3" fmla="val 0"/>
+                <a:gd name="A4" fmla="val 0"/>
+                <a:gd name="A5" fmla="val 0"/>
+                <a:gd name="A6" fmla="val 0"/>
+                <a:gd name="A7" fmla="val 0"/>
+                <a:gd name="A8" fmla="val 0"/>
+              </a:avLst>
+              <a:gdLst/>
+              <a:ahLst/>
+              <a:cxnLst>
+                <a:cxn ang="0">
+                  <a:pos x="0" y="0"/>
+                </a:cxn>
+                <a:cxn ang="0">
+                  <a:pos x="5760" y="0"/>
+                </a:cxn>
+                <a:cxn ang="0">
+                  <a:pos x="5760" y="528"/>
+                </a:cxn>
+                <a:cxn ang="0">
+                  <a:pos x="48" y="0"/>
+                </a:cxn>
+              </a:cxnLst>
+              <a:rect l="0" t="0" r="0" b="0"/>
+              <a:pathLst>
+                <a:path w="5760" h="528">
+                  <a:moveTo>
+                    <a:pt x="0" y="0"/>
+                  </a:moveTo>
+                  <a:lnTo>
+                    <a:pt x="5760" y="0"/>
+                  </a:lnTo>
+                  <a:lnTo>
+                    <a:pt x="5760" y="528"/>
+                  </a:lnTo>
+                  <a:lnTo>
+                    <a:pt x="48" y="0"/>
+                  </a:lnTo>
+                </a:path>
+              </a:pathLst>
+            </a:custGeom>
+            <a:solidFill>
+              <a:srgbClr val="000000">
+                <a:alpha val="100000"/>
+              </a:srgbClr>
+            </a:solidFill>
+            <a:ln w="9525" cap="flat" cmpd="sng" algn="ctr">
+              <a:noFill/>
+              <a:prstDash val="solid"/>
+              <a:round/>
+              <a:headEnd type="none" w="med" len="med"/>
+              <a:tailEnd type="none" w="med" len="med"/>
+            </a:ln>
+            <a:effectLst/>
+          </p:spPr>
+          <p:txBody>
+            <a:bodyPr vert="horz" wrap="square" lIns="91440" tIns="45720" rIns="91440" bIns="45720" anchor="t" compatLnSpc="1"/>
+            <a:lstStyle>
+              <a:extLst/>
+            </a:lstStyle>
+            <a:p>
+              <a:endParaRPr kumimoji="0" lang="en-US"/>
+            </a:p>
+          </p:txBody>
+        </p:sp>
+        <p:sp>
+          <p:nvSpPr>
+            <p:cNvPr id="11" name="Forme libre 10"/>
+            <p:cNvSpPr>
+              <a:spLocks/>
+            </p:cNvSpPr>
+            <p:nvPr/>
+          </p:nvSpPr>
+          <p:spPr bwMode="auto">
+            <a:xfrm>
+              <a:off x="0" y="4883888"/>
+              <a:ext cx="9144000" cy="1981200"/>
+            </a:xfrm>
+            <a:custGeom>
+              <a:avLst>
+                <a:gd name="A1" fmla="val 0"/>
+                <a:gd name="A2" fmla="val 0"/>
+                <a:gd name="A3" fmla="val 0"/>
+                <a:gd name="A4" fmla="val 0"/>
+                <a:gd name="A5" fmla="val 0"/>
+                <a:gd name="A6" fmla="val 0"/>
+                <a:gd name="A7" fmla="val 0"/>
+                <a:gd name="A8" fmla="val 0"/>
+              </a:avLst>
+              <a:gdLst/>
+              <a:ahLst/>
+              <a:cxnLst>
+                <a:cxn ang="0">
+                  <a:pos x="0" y="0"/>
+                </a:cxn>
+                <a:cxn ang="0">
+                  <a:pos x="0" y="1248"/>
+                </a:cxn>
+                <a:cxn ang="0">
+                  <a:pos x="5760" y="1248"/>
+                </a:cxn>
+                <a:cxn ang="0">
+                  <a:pos x="5760" y="528"/>
+                </a:cxn>
+                <a:cxn ang="0">
+                  <a:pos x="0" y="0"/>
+                </a:cxn>
+              </a:cxnLst>
+              <a:rect l="0" t="0" r="0" b="0"/>
+              <a:pathLst>
+                <a:path w="5760" h="1248">
+                  <a:moveTo>
+                    <a:pt x="0" y="0"/>
+                  </a:moveTo>
+                  <a:lnTo>
+                    <a:pt x="0" y="1248"/>
+                  </a:lnTo>
+                  <a:lnTo>
+                    <a:pt x="5760" y="1248"/>
+                  </a:lnTo>
+                  <a:lnTo>
+                    <a:pt x="5760" y="528"/>
+                  </a:lnTo>
+                  <a:lnTo>
+                    <a:pt x="0" y="0"/>
+                  </a:lnTo>
+                  <a:close/>
+                </a:path>
+              </a:pathLst>
+            </a:custGeom>
+            <a:blipFill>
+              <a:blip r:embed="rId2" cstate="print">
+                <a:alphaModFix amt="50000"/>
+              </a:blip>
+              <a:tile tx="0" ty="0" sx="50000" sy="50000" flip="none" algn="t"/>
+            </a:blipFill>
+            <a:ln w="12700" cap="rnd" cmpd="thickThin" algn="ctr">
+              <a:noFill/>
+              <a:prstDash val="solid"/>
+            </a:ln>
+            <a:effectLst>
+              <a:fillOverlay blend="mult">
+                <a:gradFill flip="none" rotWithShape="1">
+                  <a:gsLst>
+                    <a:gs pos="0">
+                      <a:schemeClr val="accent1">
+                        <a:shade val="20000"/>
+                        <a:satMod val="176000"/>
+                        <a:alpha val="100000"/>
+                      </a:schemeClr>
+                    </a:gs>
+                    <a:gs pos="18000">
+                      <a:schemeClr val="accent1">
+                        <a:shade val="48000"/>
+                        <a:satMod val="153000"/>
+                        <a:alpha val="100000"/>
+                      </a:schemeClr>
+                    </a:gs>
+                    <a:gs pos="43000">
+                      <a:schemeClr val="accent1">
+                        <a:tint val="86000"/>
+                        <a:satMod val="149000"/>
+                        <a:alpha val="100000"/>
+                      </a:schemeClr>
+                    </a:gs>
+                    <a:gs pos="45000">
+                      <a:schemeClr val="accent1">
+                        <a:tint val="85000"/>
+                        <a:satMod val="150000"/>
+                        <a:alpha val="100000"/>
+                      </a:schemeClr>
+                    </a:gs>
+                    <a:gs pos="50000">
+                      <a:schemeClr val="accent1">
+                        <a:tint val="86000"/>
+                        <a:satMod val="149000"/>
+                        <a:alpha val="100000"/>
+                      </a:schemeClr>
+                    </a:gs>
+                    <a:gs pos="79000">
+                      <a:schemeClr val="accent1">
+                        <a:shade val="53000"/>
+                        <a:satMod val="150000"/>
+                        <a:alpha val="100000"/>
+                      </a:schemeClr>
+                    </a:gs>
+                    <a:gs pos="100000">
+                      <a:schemeClr val="accent1">
+                        <a:shade val="25000"/>
+                        <a:satMod val="170000"/>
+                        <a:alpha val="100000"/>
+                      </a:schemeClr>
+                    </a:gs>
+                  </a:gsLst>
+                  <a:lin ang="450000" scaled="1"/>
+                  <a:tileRect/>
+                </a:gradFill>
+              </a:fillOverlay>
+            </a:effectLst>
+          </p:spPr>
+          <p:style>
+            <a:lnRef idx="3">
+              <a:schemeClr val="lt1"/>
+            </a:lnRef>
+            <a:fillRef idx="1">
+              <a:schemeClr val="accent1"/>
+            </a:fillRef>
+            <a:effectRef idx="1">
+              <a:schemeClr val="accent1"/>
+            </a:effectRef>
+            <a:fontRef idx="minor">
+              <a:schemeClr val="lt1"/>
+            </a:fontRef>
+          </p:style>
+          <p:txBody>
+            <a:bodyPr vert="horz" wrap="square" lIns="91440" tIns="45720" rIns="91440" bIns="45720" anchor="ctr" compatLnSpc="1"/>
+            <a:lstStyle>
+              <a:extLst/>
+            </a:lstStyle>
+            <a:p>
+              <a:pPr algn="ctr" eaLnBrk="1" latinLnBrk="0" hangingPunct="1"/>
+              <a:endParaRPr kumimoji="0" lang="en-US"/>
+            </a:p>
+          </p:txBody>
+        </p:sp>
+        <p:cxnSp>
+          <p:nvCxnSpPr>
+            <p:cNvPr id="12" name="Connecteur droit 11"/>
+            <p:cNvCxnSpPr/>
+            <p:nvPr/>
+          </p:nvCxnSpPr>
+          <p:spPr>
+            <a:xfrm>
+              <a:off x="-3765" y="4880373"/>
+              <a:ext cx="9147765" cy="839943"/>
+            </a:xfrm>
+            <a:prstGeom prst="line">
+              <a:avLst/>
+            </a:prstGeom>
+            <a:noFill/>
+            <a:ln w="12065" cap="flat" cmpd="sng" algn="ctr">
+              <a:gradFill>
+                <a:gsLst>
+                  <a:gs pos="45000">
+                    <a:schemeClr val="accent1">
+                      <a:tint val="70000"/>
+                      <a:satMod val="110000"/>
+                    </a:schemeClr>
+                  </a:gs>
+                  <a:gs pos="15000">
+                    <a:schemeClr val="accent1">
+                      <a:shade val="40000"/>
+                      <a:satMod val="110000"/>
+                    </a:schemeClr>
+                  </a:gs>
+                </a:gsLst>
+                <a:lin ang="5400000" scaled="1"/>
+              </a:gradFill>
+              <a:prstDash val="solid"/>
+              <a:miter lim="800000"/>
+            </a:ln>
+            <a:effectLst/>
+          </p:spPr>
+          <p:style>
+            <a:lnRef idx="2">
+              <a:schemeClr val="accent1"/>
+            </a:lnRef>
+            <a:fillRef idx="0">
+              <a:schemeClr val="accent1"/>
+            </a:fillRef>
+            <a:effectRef idx="1">
+              <a:schemeClr val="accent1"/>
+            </a:effectRef>
+            <a:fontRef idx="minor">
+              <a:schemeClr val="tx1"/>
+            </a:fontRef>
+          </p:style>
+        </p:cxnSp>
+      </p:grpSp>
       <p:sp>
         <p:nvSpPr>
           <p:cNvPr id="30" name="Espace réservé de la date 29"/>
@@ -284,7 +728,16 @@
         <p:spPr/>
         <p:txBody>
           <a:bodyPr/>
-          <a:lstStyle/>
+          <a:lstStyle>
+            <a:lvl1pPr>
+              <a:defRPr>
+                <a:solidFill>
+                  <a:srgbClr val="FFFFFF"/>
+                </a:solidFill>
+              </a:defRPr>
+            </a:lvl1pPr>
+            <a:extLst/>
+          </a:lstStyle>
           <a:p>
             <a:fld id="{AA309A6D-C09C-4548-B29A-6CF363A7E532}" type="datetimeFigureOut">
               <a:rPr lang="fr-FR" smtClean="0"/>
@@ -308,7 +761,18 @@
         <p:spPr/>
         <p:txBody>
           <a:bodyPr/>
-          <a:lstStyle/>
+          <a:lstStyle>
+            <a:lvl1pPr>
+              <a:defRPr>
+                <a:solidFill>
+                  <a:schemeClr val="accent1">
+                    <a:tint val="20000"/>
+                  </a:schemeClr>
+                </a:solidFill>
+              </a:defRPr>
+            </a:lvl1pPr>
+            <a:extLst/>
+          </a:lstStyle>
           <a:p>
             <a:endParaRPr lang="fr-BE"/>
           </a:p>
@@ -327,7 +791,16 @@
         <p:spPr/>
         <p:txBody>
           <a:bodyPr/>
-          <a:lstStyle/>
+          <a:lstStyle>
+            <a:lvl1pPr>
+              <a:defRPr>
+                <a:solidFill>
+                  <a:srgbClr val="FFFFFF"/>
+                </a:solidFill>
+              </a:defRPr>
+            </a:lvl1pPr>
+            <a:extLst/>
+          </a:lstStyle>
           <a:p>
             <a:fld id="{CF4668DC-857F-487D-BFFA-8C0CA5037977}" type="slidenum">
               <a:rPr lang="fr-BE" smtClean="0"/>
@@ -341,7 +814,7 @@
     </p:spTree>
   </p:cSld>
   <p:clrMapOvr>
-    <a:overrideClrMapping bg1="dk1" tx1="lt1" bg2="dk2" tx2="lt2" accent1="accent1" accent2="accent2" accent3="accent3" accent4="accent4" accent5="accent5" accent6="accent6" hlink="hlink" folHlink="folHlink"/>
+    <a:masterClrMapping/>
   </p:clrMapOvr>
 </p:sldLayout>
 </file>
@@ -376,7 +849,9 @@
         <p:spPr/>
         <p:txBody>
           <a:bodyPr/>
-          <a:lstStyle/>
+          <a:lstStyle>
+            <a:extLst/>
+          </a:lstStyle>
           <a:p>
             <a:r>
               <a:rPr kumimoji="0" lang="fr-FR" smtClean="0"/>
@@ -396,10 +871,17 @@
             <p:ph type="body" orient="vert" idx="1"/>
           </p:nvPr>
         </p:nvSpPr>
-        <p:spPr/>
+        <p:spPr>
+          <a:xfrm>
+            <a:off x="457200" y="1481329"/>
+            <a:ext cx="8229600" cy="4386071"/>
+          </a:xfrm>
+        </p:spPr>
         <p:txBody>
           <a:bodyPr vert="eaVert"/>
-          <a:lstStyle/>
+          <a:lstStyle>
+            <a:extLst/>
+          </a:lstStyle>
           <a:p>
             <a:pPr lvl="0" eaLnBrk="1" latinLnBrk="0" hangingPunct="1"/>
             <a:r>
@@ -451,7 +933,9 @@
         <p:spPr/>
         <p:txBody>
           <a:bodyPr/>
-          <a:lstStyle/>
+          <a:lstStyle>
+            <a:extLst/>
+          </a:lstStyle>
           <a:p>
             <a:fld id="{AA309A6D-C09C-4548-B29A-6CF363A7E532}" type="datetimeFigureOut">
               <a:rPr lang="fr-FR" smtClean="0"/>
@@ -475,7 +959,9 @@
         <p:spPr/>
         <p:txBody>
           <a:bodyPr/>
-          <a:lstStyle/>
+          <a:lstStyle>
+            <a:extLst/>
+          </a:lstStyle>
           <a:p>
             <a:endParaRPr lang="fr-BE"/>
           </a:p>
@@ -494,7 +980,9 @@
         <p:spPr/>
         <p:txBody>
           <a:bodyPr/>
-          <a:lstStyle/>
+          <a:lstStyle>
+            <a:extLst/>
+          </a:lstStyle>
           <a:p>
             <a:fld id="{CF4668DC-857F-487D-BFFA-8C0CA5037977}" type="slidenum">
               <a:rPr lang="fr-BE" smtClean="0"/>
@@ -542,13 +1030,15 @@
         </p:nvSpPr>
         <p:spPr>
           <a:xfrm>
-            <a:off x="6629400" y="914401"/>
-            <a:ext cx="2057400" cy="5211763"/>
+            <a:off x="6844013" y="274640"/>
+            <a:ext cx="1777470" cy="5592761"/>
           </a:xfrm>
         </p:spPr>
         <p:txBody>
           <a:bodyPr vert="eaVert"/>
-          <a:lstStyle/>
+          <a:lstStyle>
+            <a:extLst/>
+          </a:lstStyle>
           <a:p>
             <a:r>
               <a:rPr kumimoji="0" lang="fr-FR" smtClean="0"/>
@@ -570,13 +1060,15 @@
         </p:nvSpPr>
         <p:spPr>
           <a:xfrm>
-            <a:off x="457200" y="914401"/>
-            <a:ext cx="6019800" cy="5211763"/>
+            <a:off x="457200" y="274641"/>
+            <a:ext cx="6324600" cy="5592760"/>
           </a:xfrm>
         </p:spPr>
         <p:txBody>
           <a:bodyPr vert="eaVert"/>
-          <a:lstStyle/>
+          <a:lstStyle>
+            <a:extLst/>
+          </a:lstStyle>
           <a:p>
             <a:pPr lvl="0" eaLnBrk="1" latinLnBrk="0" hangingPunct="1"/>
             <a:r>
@@ -628,7 +1120,9 @@
         <p:spPr/>
         <p:txBody>
           <a:bodyPr/>
-          <a:lstStyle/>
+          <a:lstStyle>
+            <a:extLst/>
+          </a:lstStyle>
           <a:p>
             <a:fld id="{AA309A6D-C09C-4548-B29A-6CF363A7E532}" type="datetimeFigureOut">
               <a:rPr lang="fr-FR" smtClean="0"/>
@@ -652,7 +1146,9 @@
         <p:spPr/>
         <p:txBody>
           <a:bodyPr/>
-          <a:lstStyle/>
+          <a:lstStyle>
+            <a:extLst/>
+          </a:lstStyle>
           <a:p>
             <a:endParaRPr lang="fr-BE"/>
           </a:p>
@@ -671,7 +1167,9 @@
         <p:spPr/>
         <p:txBody>
           <a:bodyPr/>
-          <a:lstStyle/>
+          <a:lstStyle>
+            <a:extLst/>
+          </a:lstStyle>
           <a:p>
             <a:fld id="{CF4668DC-857F-487D-BFFA-8C0CA5037977}" type="slidenum">
               <a:rPr lang="fr-BE" smtClean="0"/>
@@ -709,41 +1207,20 @@
       </p:grpSpPr>
       <p:sp>
         <p:nvSpPr>
-          <p:cNvPr id="2" name="Titre 1"/>
-          <p:cNvSpPr>
-            <a:spLocks noGrp="1"/>
-          </p:cNvSpPr>
-          <p:nvPr>
-            <p:ph type="title"/>
+          <p:cNvPr id="3" name="Espace réservé du contenu 2"/>
+          <p:cNvSpPr>
+            <a:spLocks noGrp="1"/>
+          </p:cNvSpPr>
+          <p:nvPr>
+            <p:ph idx="1"/>
           </p:nvPr>
         </p:nvSpPr>
         <p:spPr/>
         <p:txBody>
           <a:bodyPr/>
-          <a:lstStyle/>
-          <a:p>
-            <a:r>
-              <a:rPr kumimoji="0" lang="fr-FR" smtClean="0"/>
-              <a:t>Cliquez pour modifier le style du titre</a:t>
-            </a:r>
-            <a:endParaRPr kumimoji="0" lang="en-US"/>
-          </a:p>
-        </p:txBody>
-      </p:sp>
-      <p:sp>
-        <p:nvSpPr>
-          <p:cNvPr id="3" name="Espace réservé du contenu 2"/>
-          <p:cNvSpPr>
-            <a:spLocks noGrp="1"/>
-          </p:cNvSpPr>
-          <p:nvPr>
-            <p:ph idx="1"/>
-          </p:nvPr>
-        </p:nvSpPr>
-        <p:spPr/>
-        <p:txBody>
-          <a:bodyPr/>
-          <a:lstStyle/>
+          <a:lstStyle>
+            <a:extLst/>
+          </a:lstStyle>
           <a:p>
             <a:pPr lvl="0" eaLnBrk="1" latinLnBrk="0" hangingPunct="1"/>
             <a:r>
@@ -795,7 +1272,9 @@
         <p:spPr/>
         <p:txBody>
           <a:bodyPr/>
-          <a:lstStyle/>
+          <a:lstStyle>
+            <a:extLst/>
+          </a:lstStyle>
           <a:p>
             <a:fld id="{AA309A6D-C09C-4548-B29A-6CF363A7E532}" type="datetimeFigureOut">
               <a:rPr lang="fr-FR" smtClean="0"/>
@@ -819,7 +1298,9 @@
         <p:spPr/>
         <p:txBody>
           <a:bodyPr/>
-          <a:lstStyle/>
+          <a:lstStyle>
+            <a:extLst/>
+          </a:lstStyle>
           <a:p>
             <a:endParaRPr lang="fr-BE"/>
           </a:p>
@@ -838,7 +1319,9 @@
         <p:spPr/>
         <p:txBody>
           <a:bodyPr/>
-          <a:lstStyle/>
+          <a:lstStyle>
+            <a:extLst/>
+          </a:lstStyle>
           <a:p>
             <a:fld id="{CF4668DC-857F-487D-BFFA-8C0CA5037977}" type="slidenum">
               <a:rPr lang="fr-BE" smtClean="0"/>
@@ -846,6 +1329,31 @@
               <a:t>‹N°›</a:t>
             </a:fld>
             <a:endParaRPr lang="fr-BE"/>
+          </a:p>
+        </p:txBody>
+      </p:sp>
+      <p:sp>
+        <p:nvSpPr>
+          <p:cNvPr id="7" name="Titre 6"/>
+          <p:cNvSpPr>
+            <a:spLocks noGrp="1"/>
+          </p:cNvSpPr>
+          <p:nvPr>
+            <p:ph type="title"/>
+          </p:nvPr>
+        </p:nvSpPr>
+        <p:spPr/>
+        <p:txBody>
+          <a:bodyPr rtlCol="0"/>
+          <a:lstStyle>
+            <a:extLst/>
+          </a:lstStyle>
+          <a:p>
+            <a:r>
+              <a:rPr kumimoji="0" lang="fr-FR" smtClean="0"/>
+              <a:t>Cliquez pour modifier le style du titre</a:t>
+            </a:r>
+            <a:endParaRPr kumimoji="0" lang="en-US"/>
           </a:p>
         </p:txBody>
       </p:sp>
@@ -862,7 +1370,7 @@
   <p:cSld name="Titre de section">
     <p:bg>
       <p:bgRef idx="1002">
-        <a:schemeClr val="bg2"/>
+        <a:schemeClr val="bg1"/>
       </p:bgRef>
     </p:bg>
     <p:spTree>
@@ -891,54 +1399,35 @@
         </p:nvSpPr>
         <p:spPr>
           <a:xfrm>
-            <a:off x="530352" y="1316736"/>
-            <a:ext cx="7772400" cy="1362456"/>
+            <a:off x="722376" y="1059712"/>
+            <a:ext cx="7772400" cy="1828800"/>
           </a:xfrm>
-          <a:ln>
-            <a:noFill/>
-          </a:ln>
         </p:spPr>
         <p:txBody>
-          <a:bodyPr vert="horz" tIns="0" bIns="0" anchor="b">
-            <a:noAutofit/>
+          <a:bodyPr vert="horz" anchor="b">
+            <a:normAutofit/>
             <a:scene3d>
               <a:camera prst="orthographicFront"/>
-              <a:lightRig rig="freezing" dir="t">
-                <a:rot lat="0" lon="0" rev="5640000"/>
-              </a:lightRig>
+              <a:lightRig rig="soft" dir="t"/>
             </a:scene3d>
-            <a:sp3d prstMaterial="flat">
-              <a:bevelT w="38100" h="38100"/>
+            <a:sp3d prstMaterial="softEdge">
+              <a:bevelT w="25400" h="25400"/>
             </a:sp3d>
           </a:bodyPr>
           <a:lstStyle>
-            <a:lvl1pPr algn="l" rtl="0">
-              <a:spcBef>
-                <a:spcPct val="0"/>
-              </a:spcBef>
+            <a:lvl1pPr algn="r">
               <a:buNone/>
-              <a:defRPr lang="en-US" sz="5600" b="1" cap="none" baseline="0" dirty="0">
-                <a:ln w="635">
-                  <a:noFill/>
-                </a:ln>
-                <a:solidFill>
-                  <a:schemeClr val="accent4">
-                    <a:tint val="90000"/>
-                    <a:satMod val="125000"/>
-                  </a:schemeClr>
-                </a:solidFill>
+              <a:defRPr sz="4800" b="1" cap="none" baseline="0">
                 <a:effectLst>
-                  <a:outerShdw blurRad="38100" dist="25400" dir="5400000" algn="tl" rotWithShape="0">
+                  <a:outerShdw blurRad="31750" dist="25400" dir="5400000" algn="tl" rotWithShape="0">
                     <a:srgbClr val="000000">
-                      <a:alpha val="43000"/>
+                      <a:alpha val="25000"/>
                     </a:srgbClr>
                   </a:outerShdw>
                 </a:effectLst>
-                <a:latin typeface="+mj-lt"/>
-                <a:ea typeface="+mj-ea"/>
-                <a:cs typeface="+mj-cs"/>
               </a:defRPr>
             </a:lvl1pPr>
+            <a:extLst/>
           </a:lstStyle>
           <a:p>
             <a:r>
@@ -961,16 +1450,16 @@
         </p:nvSpPr>
         <p:spPr>
           <a:xfrm>
-            <a:off x="530352" y="2704664"/>
-            <a:ext cx="7772400" cy="1509712"/>
+            <a:off x="3922713" y="2931712"/>
+            <a:ext cx="4572000" cy="1454888"/>
           </a:xfrm>
         </p:spPr>
         <p:txBody>
-          <a:bodyPr lIns="45720" rIns="45720" anchor="t"/>
-          <a:lstStyle>
-            <a:lvl1pPr marL="0" indent="0">
+          <a:bodyPr lIns="91440" rIns="91440" anchor="t"/>
+          <a:lstStyle>
+            <a:lvl1pPr marL="0" indent="0" algn="l">
               <a:buNone/>
-              <a:defRPr sz="2200">
+              <a:defRPr sz="2300">
                 <a:solidFill>
                   <a:schemeClr val="tx1"/>
                 </a:solidFill>
@@ -1016,6 +1505,7 @@
                 </a:solidFill>
               </a:defRPr>
             </a:lvl5pPr>
+            <a:extLst/>
           </a:lstStyle>
           <a:p>
             <a:pPr lvl="0" eaLnBrk="1" latinLnBrk="0" hangingPunct="1"/>
@@ -1039,7 +1529,9 @@
         <p:spPr/>
         <p:txBody>
           <a:bodyPr/>
-          <a:lstStyle/>
+          <a:lstStyle>
+            <a:extLst/>
+          </a:lstStyle>
           <a:p>
             <a:fld id="{AA309A6D-C09C-4548-B29A-6CF363A7E532}" type="datetimeFigureOut">
               <a:rPr lang="fr-FR" smtClean="0"/>
@@ -1063,7 +1555,9 @@
         <p:spPr/>
         <p:txBody>
           <a:bodyPr/>
-          <a:lstStyle/>
+          <a:lstStyle>
+            <a:extLst/>
+          </a:lstStyle>
           <a:p>
             <a:endParaRPr lang="fr-BE"/>
           </a:p>
@@ -1082,7 +1576,9 @@
         <p:spPr/>
         <p:txBody>
           <a:bodyPr/>
-          <a:lstStyle/>
+          <a:lstStyle>
+            <a:extLst/>
+          </a:lstStyle>
           <a:p>
             <a:fld id="{CF4668DC-857F-487D-BFFA-8C0CA5037977}" type="slidenum">
               <a:rPr lang="fr-BE" smtClean="0"/>
@@ -1090,6 +1586,166 @@
               <a:t>‹N°›</a:t>
             </a:fld>
             <a:endParaRPr lang="fr-BE"/>
+          </a:p>
+        </p:txBody>
+      </p:sp>
+      <p:sp>
+        <p:nvSpPr>
+          <p:cNvPr id="7" name="Chevron 6"/>
+          <p:cNvSpPr/>
+          <p:nvPr/>
+        </p:nvSpPr>
+        <p:spPr>
+          <a:xfrm>
+            <a:off x="3636680" y="3005472"/>
+            <a:ext cx="182880" cy="228600"/>
+          </a:xfrm>
+          <a:prstGeom prst="chevron">
+            <a:avLst>
+              <a:gd name="adj" fmla="val 50000"/>
+            </a:avLst>
+          </a:prstGeom>
+          <a:gradFill flip="none" rotWithShape="1">
+            <a:gsLst>
+              <a:gs pos="0">
+                <a:schemeClr val="accent1">
+                  <a:shade val="60000"/>
+                  <a:satMod val="125000"/>
+                </a:schemeClr>
+              </a:gs>
+              <a:gs pos="72000">
+                <a:schemeClr val="accent1">
+                  <a:tint val="90000"/>
+                  <a:satMod val="138000"/>
+                </a:schemeClr>
+              </a:gs>
+              <a:gs pos="100000">
+                <a:schemeClr val="accent1">
+                  <a:tint val="76000"/>
+                  <a:satMod val="136000"/>
+                </a:schemeClr>
+              </a:gs>
+            </a:gsLst>
+            <a:lin ang="16200000" scaled="0"/>
+          </a:gradFill>
+          <a:ln w="3175" cap="rnd" cmpd="sng" algn="ctr">
+            <a:solidFill>
+              <a:schemeClr val="accent1">
+                <a:shade val="50000"/>
+              </a:schemeClr>
+            </a:solidFill>
+            <a:prstDash val="solid"/>
+          </a:ln>
+          <a:effectLst>
+            <a:outerShdw blurRad="50800" dist="25400" dir="5400000">
+              <a:srgbClr val="000000">
+                <a:alpha val="46000"/>
+              </a:srgbClr>
+            </a:outerShdw>
+          </a:effectLst>
+        </p:spPr>
+        <p:style>
+          <a:lnRef idx="1">
+            <a:schemeClr val="accent1"/>
+          </a:lnRef>
+          <a:fillRef idx="3">
+            <a:schemeClr val="accent1"/>
+          </a:fillRef>
+          <a:effectRef idx="2">
+            <a:schemeClr val="accent1"/>
+          </a:effectRef>
+          <a:fontRef idx="minor">
+            <a:schemeClr val="lt1"/>
+          </a:fontRef>
+        </p:style>
+        <p:txBody>
+          <a:bodyPr anchor="ctr"/>
+          <a:lstStyle>
+            <a:extLst/>
+          </a:lstStyle>
+          <a:p>
+            <a:pPr algn="l" eaLnBrk="1" latinLnBrk="0" hangingPunct="1"/>
+            <a:endParaRPr kumimoji="0" lang="en-US"/>
+          </a:p>
+        </p:txBody>
+      </p:sp>
+      <p:sp>
+        <p:nvSpPr>
+          <p:cNvPr id="8" name="Chevron 7"/>
+          <p:cNvSpPr/>
+          <p:nvPr/>
+        </p:nvSpPr>
+        <p:spPr>
+          <a:xfrm>
+            <a:off x="3450264" y="3005472"/>
+            <a:ext cx="182880" cy="228600"/>
+          </a:xfrm>
+          <a:prstGeom prst="chevron">
+            <a:avLst>
+              <a:gd name="adj" fmla="val 50000"/>
+            </a:avLst>
+          </a:prstGeom>
+          <a:gradFill flip="none" rotWithShape="1">
+            <a:gsLst>
+              <a:gs pos="0">
+                <a:schemeClr val="accent1">
+                  <a:shade val="60000"/>
+                  <a:satMod val="125000"/>
+                </a:schemeClr>
+              </a:gs>
+              <a:gs pos="72000">
+                <a:schemeClr val="accent1">
+                  <a:tint val="90000"/>
+                  <a:satMod val="138000"/>
+                </a:schemeClr>
+              </a:gs>
+              <a:gs pos="100000">
+                <a:schemeClr val="accent1">
+                  <a:tint val="76000"/>
+                  <a:satMod val="136000"/>
+                </a:schemeClr>
+              </a:gs>
+            </a:gsLst>
+            <a:lin ang="16200000" scaled="0"/>
+          </a:gradFill>
+          <a:ln w="3175" cap="rnd" cmpd="sng" algn="ctr">
+            <a:solidFill>
+              <a:schemeClr val="accent1">
+                <a:shade val="50000"/>
+              </a:schemeClr>
+            </a:solidFill>
+            <a:prstDash val="solid"/>
+          </a:ln>
+          <a:effectLst>
+            <a:outerShdw blurRad="50800" dist="25400" dir="5400000">
+              <a:srgbClr val="000000">
+                <a:alpha val="46000"/>
+              </a:srgbClr>
+            </a:outerShdw>
+          </a:effectLst>
+        </p:spPr>
+        <p:style>
+          <a:lnRef idx="1">
+            <a:schemeClr val="accent1"/>
+          </a:lnRef>
+          <a:fillRef idx="3">
+            <a:schemeClr val="accent1"/>
+          </a:fillRef>
+          <a:effectRef idx="2">
+            <a:schemeClr val="accent1"/>
+          </a:effectRef>
+          <a:fontRef idx="minor">
+            <a:schemeClr val="lt1"/>
+          </a:fontRef>
+        </p:style>
+        <p:txBody>
+          <a:bodyPr anchor="ctr"/>
+          <a:lstStyle>
+            <a:extLst/>
+          </a:lstStyle>
+          <a:p>
+            <a:pPr algn="l" eaLnBrk="1" latinLnBrk="0" hangingPunct="1"/>
+            <a:endParaRPr kumimoji="0" lang="en-US"/>
           </a:p>
         </p:txBody>
       </p:sp>
@@ -1104,6 +1760,11 @@
 <file path=ppt/slideLayouts/slideLayout4.xml><?xml version="1.0" encoding="utf-8"?>
 <p:sldLayout xmlns:a="http://schemas.openxmlformats.org/drawingml/2006/main" xmlns:r="http://schemas.openxmlformats.org/officeDocument/2006/relationships" xmlns:p="http://schemas.openxmlformats.org/presentationml/2006/main" type="twoObj" preserve="1">
   <p:cSld name="Deux contenus">
+    <p:bg>
+      <p:bgRef idx="1002">
+        <a:schemeClr val="bg1"/>
+      </p:bgRef>
+    </p:bg>
     <p:spTree>
       <p:nvGrpSpPr>
         <p:cNvPr id="1" name=""/>
@@ -1120,53 +1781,25 @@
       </p:grpSpPr>
       <p:sp>
         <p:nvSpPr>
-          <p:cNvPr id="2" name="Titre 1"/>
-          <p:cNvSpPr>
-            <a:spLocks noGrp="1"/>
-          </p:cNvSpPr>
-          <p:nvPr>
-            <p:ph type="title"/>
+          <p:cNvPr id="3" name="Espace réservé du contenu 2"/>
+          <p:cNvSpPr>
+            <a:spLocks noGrp="1"/>
+          </p:cNvSpPr>
+          <p:nvPr>
+            <p:ph sz="half" idx="1"/>
           </p:nvPr>
         </p:nvSpPr>
         <p:spPr>
           <a:xfrm>
-            <a:off x="457200" y="704088"/>
-            <a:ext cx="8229600" cy="1143000"/>
+            <a:off x="457200" y="1481328"/>
+            <a:ext cx="4038600" cy="4525963"/>
           </a:xfrm>
         </p:spPr>
         <p:txBody>
           <a:bodyPr/>
-          <a:lstStyle/>
-          <a:p>
-            <a:r>
-              <a:rPr kumimoji="0" lang="fr-FR" smtClean="0"/>
-              <a:t>Cliquez pour modifier le style du titre</a:t>
-            </a:r>
-            <a:endParaRPr kumimoji="0" lang="en-US"/>
-          </a:p>
-        </p:txBody>
-      </p:sp>
-      <p:sp>
-        <p:nvSpPr>
-          <p:cNvPr id="3" name="Espace réservé du contenu 2"/>
-          <p:cNvSpPr>
-            <a:spLocks noGrp="1"/>
-          </p:cNvSpPr>
-          <p:nvPr>
-            <p:ph sz="half" idx="1"/>
-          </p:nvPr>
-        </p:nvSpPr>
-        <p:spPr>
-          <a:xfrm>
-            <a:off x="457200" y="1920085"/>
-            <a:ext cx="4038600" cy="4434840"/>
-          </a:xfrm>
-        </p:spPr>
-        <p:txBody>
-          <a:bodyPr/>
           <a:lstStyle>
             <a:lvl1pPr>
-              <a:defRPr sz="2600"/>
+              <a:defRPr sz="2800"/>
             </a:lvl1pPr>
             <a:lvl2pPr>
               <a:defRPr sz="2400"/>
@@ -1180,6 +1813,7 @@
             <a:lvl5pPr>
               <a:defRPr sz="1800"/>
             </a:lvl5pPr>
+            <a:extLst/>
           </a:lstStyle>
           <a:p>
             <a:pPr lvl="0" eaLnBrk="1" latinLnBrk="0" hangingPunct="1"/>
@@ -1231,15 +1865,15 @@
         </p:nvSpPr>
         <p:spPr>
           <a:xfrm>
-            <a:off x="4648200" y="1920085"/>
-            <a:ext cx="4038600" cy="4434840"/>
+            <a:off x="4648200" y="1481328"/>
+            <a:ext cx="4038600" cy="4525963"/>
           </a:xfrm>
         </p:spPr>
         <p:txBody>
           <a:bodyPr/>
           <a:lstStyle>
             <a:lvl1pPr>
-              <a:defRPr sz="2600"/>
+              <a:defRPr sz="2800"/>
             </a:lvl1pPr>
             <a:lvl2pPr>
               <a:defRPr sz="2400"/>
@@ -1253,6 +1887,7 @@
             <a:lvl5pPr>
               <a:defRPr sz="1800"/>
             </a:lvl5pPr>
+            <a:extLst/>
           </a:lstStyle>
           <a:p>
             <a:pPr lvl="0" eaLnBrk="1" latinLnBrk="0" hangingPunct="1"/>
@@ -1305,7 +1940,9 @@
         <p:spPr/>
         <p:txBody>
           <a:bodyPr/>
-          <a:lstStyle/>
+          <a:lstStyle>
+            <a:extLst/>
+          </a:lstStyle>
           <a:p>
             <a:fld id="{AA309A6D-C09C-4548-B29A-6CF363A7E532}" type="datetimeFigureOut">
               <a:rPr lang="fr-FR" smtClean="0"/>
@@ -1329,7 +1966,9 @@
         <p:spPr/>
         <p:txBody>
           <a:bodyPr/>
-          <a:lstStyle/>
+          <a:lstStyle>
+            <a:extLst/>
+          </a:lstStyle>
           <a:p>
             <a:endParaRPr lang="fr-BE"/>
           </a:p>
@@ -1348,7 +1987,9 @@
         <p:spPr/>
         <p:txBody>
           <a:bodyPr/>
-          <a:lstStyle/>
+          <a:lstStyle>
+            <a:extLst/>
+          </a:lstStyle>
           <a:p>
             <a:fld id="{CF4668DC-857F-487D-BFFA-8C0CA5037977}" type="slidenum">
               <a:rPr lang="fr-BE" smtClean="0"/>
@@ -1359,17 +2000,47 @@
           </a:p>
         </p:txBody>
       </p:sp>
+      <p:sp>
+        <p:nvSpPr>
+          <p:cNvPr id="8" name="Titre 7"/>
+          <p:cNvSpPr>
+            <a:spLocks noGrp="1"/>
+          </p:cNvSpPr>
+          <p:nvPr>
+            <p:ph type="title"/>
+          </p:nvPr>
+        </p:nvSpPr>
+        <p:spPr/>
+        <p:txBody>
+          <a:bodyPr rtlCol="0"/>
+          <a:lstStyle>
+            <a:extLst/>
+          </a:lstStyle>
+          <a:p>
+            <a:r>
+              <a:rPr kumimoji="0" lang="fr-FR" smtClean="0"/>
+              <a:t>Cliquez pour modifier le style du titre</a:t>
+            </a:r>
+            <a:endParaRPr kumimoji="0" lang="en-US"/>
+          </a:p>
+        </p:txBody>
+      </p:sp>
     </p:spTree>
   </p:cSld>
   <p:clrMapOvr>
-    <a:masterClrMapping/>
+    <a:overrideClrMapping bg1="dk1" tx1="lt1" bg2="dk2" tx2="lt2" accent1="accent1" accent2="accent2" accent3="accent3" accent4="accent4" accent5="accent5" accent6="accent6" hlink="hlink" folHlink="folHlink"/>
   </p:clrMapOvr>
 </p:sldLayout>
 </file>
 
 <file path=ppt/slideLayouts/slideLayout5.xml><?xml version="1.0" encoding="utf-8"?>
-<p:sldLayout xmlns:a="http://schemas.openxmlformats.org/drawingml/2006/main" xmlns:r="http://schemas.openxmlformats.org/officeDocument/2006/relationships" xmlns:p="http://schemas.openxmlformats.org/presentationml/2006/main" type="twoTxTwoObj" preserve="1">
+<p:sldLayout xmlns:a="http://schemas.openxmlformats.org/drawingml/2006/main" xmlns:r="http://schemas.openxmlformats.org/officeDocument/2006/relationships" xmlns:p="http://schemas.openxmlformats.org/presentationml/2006/main" showMasterSp="0" type="twoTxTwoObj" preserve="1">
   <p:cSld name="Comparaison">
+    <p:bg>
+      <p:bgRef idx="1003">
+        <a:schemeClr val="bg1"/>
+      </p:bgRef>
+    </p:bg>
     <p:spTree>
       <p:nvGrpSpPr>
         <p:cNvPr id="1" name=""/>
@@ -1396,16 +2067,17 @@
         </p:nvSpPr>
         <p:spPr>
           <a:xfrm>
-            <a:off x="457200" y="704088"/>
+            <a:off x="457200" y="273050"/>
             <a:ext cx="8229600" cy="1143000"/>
           </a:xfrm>
         </p:spPr>
         <p:txBody>
-          <a:bodyPr tIns="45720" anchor="b"/>
+          <a:bodyPr anchor="ctr"/>
           <a:lstStyle>
             <a:lvl1pPr>
               <a:defRPr/>
             </a:lvl1pPr>
+            <a:extLst/>
           </a:lstStyle>
           <a:p>
             <a:r>
@@ -1428,22 +2100,28 @@
         </p:nvSpPr>
         <p:spPr>
           <a:xfrm>
-            <a:off x="457200" y="1855248"/>
-            <a:ext cx="4040188" cy="659352"/>
+            <a:off x="457200" y="5410200"/>
+            <a:ext cx="4040188" cy="762000"/>
           </a:xfrm>
+          <a:solidFill>
+            <a:schemeClr val="accent1"/>
+          </a:solidFill>
+          <a:ln w="9652">
+            <a:solidFill>
+              <a:schemeClr val="accent1"/>
+            </a:solidFill>
+            <a:miter lim="800000"/>
+          </a:ln>
         </p:spPr>
         <p:txBody>
-          <a:bodyPr lIns="45720" tIns="0" rIns="45720" bIns="0" anchor="ctr">
-            <a:noAutofit/>
-          </a:bodyPr>
+          <a:bodyPr lIns="182880" anchor="ctr"/>
           <a:lstStyle>
             <a:lvl1pPr marL="0" indent="0">
               <a:buNone/>
-              <a:defRPr sz="2400" b="1" cap="none" baseline="0">
+              <a:defRPr sz="2400" b="0">
                 <a:solidFill>
-                  <a:schemeClr val="tx2"/>
+                  <a:schemeClr val="bg1"/>
                 </a:solidFill>
-                <a:effectLst/>
               </a:defRPr>
             </a:lvl1pPr>
             <a:lvl2pPr>
@@ -1462,6 +2140,7 @@
               <a:buNone/>
               <a:defRPr sz="1600" b="1"/>
             </a:lvl5pPr>
+            <a:extLst/>
           </a:lstStyle>
           <a:p>
             <a:pPr lvl="0" eaLnBrk="1" latinLnBrk="0" hangingPunct="1"/>
@@ -1484,20 +2163,28 @@
         </p:nvSpPr>
         <p:spPr>
           <a:xfrm>
-            <a:off x="4645025" y="1859757"/>
-            <a:ext cx="4041775" cy="654843"/>
+            <a:off x="4645026" y="5410200"/>
+            <a:ext cx="4041775" cy="762000"/>
           </a:xfrm>
+          <a:solidFill>
+            <a:schemeClr val="accent1"/>
+          </a:solidFill>
+          <a:ln w="9652">
+            <a:solidFill>
+              <a:schemeClr val="accent1"/>
+            </a:solidFill>
+            <a:miter lim="800000"/>
+          </a:ln>
         </p:spPr>
         <p:txBody>
-          <a:bodyPr lIns="45720" tIns="0" rIns="45720" bIns="0" anchor="ctr"/>
+          <a:bodyPr lIns="182880" anchor="ctr"/>
           <a:lstStyle>
             <a:lvl1pPr marL="0" indent="0">
               <a:buNone/>
-              <a:defRPr sz="2400" b="1" cap="none" baseline="0">
+              <a:defRPr sz="2400" b="0">
                 <a:solidFill>
-                  <a:schemeClr val="tx2"/>
+                  <a:schemeClr val="bg1"/>
                 </a:solidFill>
-                <a:effectLst/>
               </a:defRPr>
             </a:lvl1pPr>
             <a:lvl2pPr>
@@ -1516,6 +2203,7 @@
               <a:buNone/>
               <a:defRPr sz="1600" b="1"/>
             </a:lvl5pPr>
+            <a:extLst/>
           </a:lstStyle>
           <a:p>
             <a:pPr lvl="0" eaLnBrk="1" latinLnBrk="0" hangingPunct="1"/>
@@ -1538,15 +2226,20 @@
         </p:nvSpPr>
         <p:spPr>
           <a:xfrm>
-            <a:off x="457200" y="2514600"/>
-            <a:ext cx="4040188" cy="3845720"/>
+            <a:off x="457200" y="1444294"/>
+            <a:ext cx="4040188" cy="3941763"/>
           </a:xfrm>
+          <a:ln>
+            <a:noFill/>
+            <a:prstDash val="sysDash"/>
+            <a:miter lim="800000"/>
+          </a:ln>
         </p:spPr>
         <p:txBody>
-          <a:bodyPr tIns="0"/>
+          <a:bodyPr/>
           <a:lstStyle>
             <a:lvl1pPr>
-              <a:defRPr sz="2200"/>
+              <a:defRPr sz="2400"/>
             </a:lvl1pPr>
             <a:lvl2pPr>
               <a:defRPr sz="2000"/>
@@ -1560,6 +2253,7 @@
             <a:lvl5pPr>
               <a:defRPr sz="1600"/>
             </a:lvl5pPr>
+            <a:extLst/>
           </a:lstStyle>
           <a:p>
             <a:pPr lvl="0" eaLnBrk="1" latinLnBrk="0" hangingPunct="1"/>
@@ -1611,15 +2305,23 @@
         </p:nvSpPr>
         <p:spPr>
           <a:xfrm>
-            <a:off x="4645025" y="2514600"/>
-            <a:ext cx="4041775" cy="3845720"/>
+            <a:off x="4645025" y="1444294"/>
+            <a:ext cx="4041775" cy="3941763"/>
           </a:xfrm>
+          <a:ln>
+            <a:noFill/>
+            <a:prstDash val="sysDash"/>
+            <a:miter lim="800000"/>
+          </a:ln>
         </p:spPr>
         <p:txBody>
-          <a:bodyPr tIns="0"/>
+          <a:bodyPr/>
           <a:lstStyle>
             <a:lvl1pPr>
-              <a:defRPr sz="2200"/>
+              <a:spcBef>
+                <a:spcPts val="0"/>
+              </a:spcBef>
+              <a:defRPr sz="2400"/>
             </a:lvl1pPr>
             <a:lvl2pPr>
               <a:defRPr sz="2000"/>
@@ -1633,6 +2335,7 @@
             <a:lvl5pPr>
               <a:defRPr sz="1600"/>
             </a:lvl5pPr>
+            <a:extLst/>
           </a:lstStyle>
           <a:p>
             <a:pPr lvl="0" eaLnBrk="1" latinLnBrk="0" hangingPunct="1"/>
@@ -1685,7 +2388,9 @@
         <p:spPr/>
         <p:txBody>
           <a:bodyPr/>
-          <a:lstStyle/>
+          <a:lstStyle>
+            <a:extLst/>
+          </a:lstStyle>
           <a:p>
             <a:fld id="{AA309A6D-C09C-4548-B29A-6CF363A7E532}" type="datetimeFigureOut">
               <a:rPr lang="fr-FR" smtClean="0"/>
@@ -1709,7 +2414,9 @@
         <p:spPr/>
         <p:txBody>
           <a:bodyPr/>
-          <a:lstStyle/>
+          <a:lstStyle>
+            <a:extLst/>
+          </a:lstStyle>
           <a:p>
             <a:endParaRPr lang="fr-BE"/>
           </a:p>
@@ -1728,7 +2435,9 @@
         <p:spPr/>
         <p:txBody>
           <a:bodyPr/>
-          <a:lstStyle/>
+          <a:lstStyle>
+            <a:extLst/>
+          </a:lstStyle>
           <a:p>
             <a:fld id="{CF4668DC-857F-487D-BFFA-8C0CA5037977}" type="slidenum">
               <a:rPr lang="fr-BE" smtClean="0"/>
@@ -1742,7 +2451,7 @@
     </p:spTree>
   </p:cSld>
   <p:clrMapOvr>
-    <a:masterClrMapping/>
+    <a:overrideClrMapping bg1="lt1" tx1="dk1" bg2="lt2" tx2="dk2" accent1="accent1" accent2="accent2" accent3="accent3" accent4="accent4" accent5="accent5" accent6="accent6" hlink="hlink" folHlink="folHlink"/>
   </p:clrMapOvr>
 </p:sldLayout>
 </file>
@@ -1750,6 +2459,11 @@
 <file path=ppt/slideLayouts/slideLayout6.xml><?xml version="1.0" encoding="utf-8"?>
 <p:sldLayout xmlns:a="http://schemas.openxmlformats.org/drawingml/2006/main" xmlns:r="http://schemas.openxmlformats.org/officeDocument/2006/relationships" xmlns:p="http://schemas.openxmlformats.org/presentationml/2006/main" type="titleOnly" preserve="1">
   <p:cSld name="Titre seul">
+    <p:bg>
+      <p:bgRef idx="1002">
+        <a:schemeClr val="bg1"/>
+      </p:bgRef>
+    </p:bg>
     <p:spTree>
       <p:nvGrpSpPr>
         <p:cNvPr id="1" name=""/>
@@ -1766,66 +2480,6 @@
       </p:grpSpPr>
       <p:sp>
         <p:nvSpPr>
-          <p:cNvPr id="2" name="Titre 1"/>
-          <p:cNvSpPr>
-            <a:spLocks noGrp="1"/>
-          </p:cNvSpPr>
-          <p:nvPr>
-            <p:ph type="title"/>
-          </p:nvPr>
-        </p:nvSpPr>
-        <p:spPr>
-          <a:xfrm>
-            <a:off x="457200" y="704088"/>
-            <a:ext cx="8305800" cy="1143000"/>
-          </a:xfrm>
-        </p:spPr>
-        <p:txBody>
-          <a:bodyPr vert="horz" tIns="45720" bIns="0" anchor="b">
-            <a:normAutofit/>
-            <a:scene3d>
-              <a:camera prst="orthographicFront"/>
-              <a:lightRig rig="freezing" dir="t">
-                <a:rot lat="0" lon="0" rev="5640000"/>
-              </a:lightRig>
-            </a:scene3d>
-            <a:sp3d prstMaterial="flat">
-              <a:contourClr>
-                <a:schemeClr val="tx2"/>
-              </a:contourClr>
-            </a:sp3d>
-          </a:bodyPr>
-          <a:lstStyle>
-            <a:lvl1pPr algn="l" rtl="0">
-              <a:spcBef>
-                <a:spcPct val="0"/>
-              </a:spcBef>
-              <a:buNone/>
-              <a:defRPr sz="5000" b="0">
-                <a:ln>
-                  <a:noFill/>
-                </a:ln>
-                <a:solidFill>
-                  <a:schemeClr val="tx2"/>
-                </a:solidFill>
-                <a:effectLst/>
-                <a:latin typeface="+mj-lt"/>
-                <a:ea typeface="+mj-ea"/>
-                <a:cs typeface="+mj-cs"/>
-              </a:defRPr>
-            </a:lvl1pPr>
-          </a:lstStyle>
-          <a:p>
-            <a:r>
-              <a:rPr kumimoji="0" lang="fr-FR" smtClean="0"/>
-              <a:t>Cliquez pour modifier le style du titre</a:t>
-            </a:r>
-            <a:endParaRPr kumimoji="0" lang="en-US"/>
-          </a:p>
-        </p:txBody>
-      </p:sp>
-      <p:sp>
-        <p:nvSpPr>
           <p:cNvPr id="3" name="Espace réservé de la date 2"/>
           <p:cNvSpPr>
             <a:spLocks noGrp="1"/>
@@ -1837,7 +2491,9 @@
         <p:spPr/>
         <p:txBody>
           <a:bodyPr/>
-          <a:lstStyle/>
+          <a:lstStyle>
+            <a:extLst/>
+          </a:lstStyle>
           <a:p>
             <a:fld id="{AA309A6D-C09C-4548-B29A-6CF363A7E532}" type="datetimeFigureOut">
               <a:rPr lang="fr-FR" smtClean="0"/>
@@ -1861,7 +2517,9 @@
         <p:spPr/>
         <p:txBody>
           <a:bodyPr/>
-          <a:lstStyle/>
+          <a:lstStyle>
+            <a:extLst/>
+          </a:lstStyle>
           <a:p>
             <a:endParaRPr lang="fr-BE"/>
           </a:p>
@@ -1880,7 +2538,9 @@
         <p:spPr/>
         <p:txBody>
           <a:bodyPr/>
-          <a:lstStyle/>
+          <a:lstStyle>
+            <a:extLst/>
+          </a:lstStyle>
           <a:p>
             <a:fld id="{CF4668DC-857F-487D-BFFA-8C0CA5037977}" type="slidenum">
               <a:rPr lang="fr-BE" smtClean="0"/>
@@ -1891,10 +2551,35 @@
           </a:p>
         </p:txBody>
       </p:sp>
+      <p:sp>
+        <p:nvSpPr>
+          <p:cNvPr id="6" name="Titre 5"/>
+          <p:cNvSpPr>
+            <a:spLocks noGrp="1"/>
+          </p:cNvSpPr>
+          <p:nvPr>
+            <p:ph type="title"/>
+          </p:nvPr>
+        </p:nvSpPr>
+        <p:spPr/>
+        <p:txBody>
+          <a:bodyPr rtlCol="0"/>
+          <a:lstStyle>
+            <a:extLst/>
+          </a:lstStyle>
+          <a:p>
+            <a:r>
+              <a:rPr kumimoji="0" lang="fr-FR" smtClean="0"/>
+              <a:t>Cliquez pour modifier le style du titre</a:t>
+            </a:r>
+            <a:endParaRPr kumimoji="0" lang="en-US"/>
+          </a:p>
+        </p:txBody>
+      </p:sp>
     </p:spTree>
   </p:cSld>
   <p:clrMapOvr>
-    <a:masterClrMapping/>
+    <a:overrideClrMapping bg1="dk1" tx1="lt1" bg2="dk2" tx2="lt2" accent1="accent1" accent2="accent2" accent3="accent3" accent4="accent4" accent5="accent5" accent6="accent6" hlink="hlink" folHlink="folHlink"/>
   </p:clrMapOvr>
 </p:sldLayout>
 </file>
@@ -1929,7 +2614,9 @@
         <p:spPr/>
         <p:txBody>
           <a:bodyPr/>
-          <a:lstStyle/>
+          <a:lstStyle>
+            <a:extLst/>
+          </a:lstStyle>
           <a:p>
             <a:fld id="{AA309A6D-C09C-4548-B29A-6CF363A7E532}" type="datetimeFigureOut">
               <a:rPr lang="fr-FR" smtClean="0"/>
@@ -1953,7 +2640,9 @@
         <p:spPr/>
         <p:txBody>
           <a:bodyPr/>
-          <a:lstStyle/>
+          <a:lstStyle>
+            <a:extLst/>
+          </a:lstStyle>
           <a:p>
             <a:endParaRPr lang="fr-BE"/>
           </a:p>
@@ -1972,7 +2661,9 @@
         <p:spPr/>
         <p:txBody>
           <a:bodyPr/>
-          <a:lstStyle/>
+          <a:lstStyle>
+            <a:extLst/>
+          </a:lstStyle>
           <a:p>
             <a:fld id="{CF4668DC-857F-487D-BFFA-8C0CA5037977}" type="slidenum">
               <a:rPr lang="fr-BE" smtClean="0"/>
@@ -1992,8 +2683,13 @@
 </file>
 
 <file path=ppt/slideLayouts/slideLayout8.xml><?xml version="1.0" encoding="utf-8"?>
-<p:sldLayout xmlns:a="http://schemas.openxmlformats.org/drawingml/2006/main" xmlns:r="http://schemas.openxmlformats.org/officeDocument/2006/relationships" xmlns:p="http://schemas.openxmlformats.org/presentationml/2006/main" type="objTx" preserve="1">
+<p:sldLayout xmlns:a="http://schemas.openxmlformats.org/drawingml/2006/main" xmlns:r="http://schemas.openxmlformats.org/officeDocument/2006/relationships" xmlns:p="http://schemas.openxmlformats.org/presentationml/2006/main" showMasterSp="0" type="objTx" preserve="1">
   <p:cSld name="Contenu avec légende">
+    <p:bg>
+      <p:bgRef idx="1003">
+        <a:schemeClr val="bg1"/>
+      </p:bgRef>
+    </p:bg>
     <p:spTree>
       <p:nvGrpSpPr>
         <p:cNvPr id="1" name=""/>
@@ -2020,33 +2716,28 @@
         </p:nvSpPr>
         <p:spPr>
           <a:xfrm>
-            <a:off x="685800" y="514352"/>
-            <a:ext cx="2743200" cy="1162050"/>
+            <a:off x="914400" y="4876800"/>
+            <a:ext cx="7481776" cy="457200"/>
           </a:xfrm>
         </p:spPr>
         <p:txBody>
-          <a:bodyPr lIns="0" anchor="b">
+          <a:bodyPr vert="horz" anchor="t">
             <a:noAutofit/>
+            <a:sp3d prstMaterial="softEdge">
+              <a:bevelT w="0" h="0"/>
+            </a:sp3d>
           </a:bodyPr>
           <a:lstStyle>
-            <a:lvl1pPr algn="l" rtl="0">
-              <a:spcBef>
-                <a:spcPct val="0"/>
-              </a:spcBef>
+            <a:lvl1pPr algn="r">
               <a:buNone/>
-              <a:defRPr sz="2600" b="0">
-                <a:ln>
-                  <a:noFill/>
-                </a:ln>
+              <a:defRPr sz="2500" b="0">
                 <a:solidFill>
-                  <a:schemeClr val="tx2"/>
+                  <a:schemeClr val="accent1"/>
                 </a:solidFill>
                 <a:effectLst/>
-                <a:latin typeface="+mj-lt"/>
-                <a:ea typeface="+mj-ea"/>
-                <a:cs typeface="+mj-cs"/>
               </a:defRPr>
             </a:lvl1pPr>
+            <a:extLst/>
           </a:lstStyle>
           <a:p>
             <a:r>
@@ -2069,33 +2760,34 @@
         </p:nvSpPr>
         <p:spPr>
           <a:xfrm>
-            <a:off x="685800" y="1676400"/>
-            <a:ext cx="2743200" cy="4572000"/>
+            <a:off x="4419600" y="5355102"/>
+            <a:ext cx="3974592" cy="914400"/>
           </a:xfrm>
         </p:spPr>
         <p:txBody>
-          <a:bodyPr lIns="18288" rIns="18288"/>
-          <a:lstStyle>
-            <a:lvl1pPr marL="0" indent="0" algn="l">
+          <a:bodyPr/>
+          <a:lstStyle>
+            <a:lvl1pPr marL="0" indent="0" algn="r">
               <a:buNone/>
-              <a:defRPr sz="1400"/>
+              <a:defRPr sz="1600"/>
             </a:lvl1pPr>
-            <a:lvl2pPr indent="0" algn="l">
+            <a:lvl2pPr>
               <a:buNone/>
               <a:defRPr sz="1200"/>
             </a:lvl2pPr>
-            <a:lvl3pPr indent="0" algn="l">
+            <a:lvl3pPr>
               <a:buNone/>
               <a:defRPr sz="1000"/>
             </a:lvl3pPr>
-            <a:lvl4pPr indent="0" algn="l">
+            <a:lvl4pPr>
               <a:buNone/>
               <a:defRPr sz="900"/>
             </a:lvl4pPr>
-            <a:lvl5pPr indent="0" algn="l">
+            <a:lvl5pPr>
               <a:buNone/>
               <a:defRPr sz="900"/>
             </a:lvl5pPr>
+            <a:extLst/>
           </a:lstStyle>
           <a:p>
             <a:pPr lvl="0" eaLnBrk="1" latinLnBrk="0" hangingPunct="1"/>
@@ -2118,18 +2810,18 @@
         </p:nvSpPr>
         <p:spPr>
           <a:xfrm>
-            <a:off x="3575050" y="1676400"/>
-            <a:ext cx="5111750" cy="4572000"/>
+            <a:off x="914400" y="274320"/>
+            <a:ext cx="7479792" cy="4572000"/>
           </a:xfrm>
         </p:spPr>
         <p:txBody>
-          <a:bodyPr tIns="0"/>
+          <a:bodyPr/>
           <a:lstStyle>
             <a:lvl1pPr>
-              <a:defRPr sz="2800"/>
+              <a:defRPr sz="3200"/>
             </a:lvl1pPr>
             <a:lvl2pPr>
-              <a:defRPr sz="2600"/>
+              <a:defRPr sz="2800"/>
             </a:lvl2pPr>
             <a:lvl3pPr>
               <a:defRPr sz="2400"/>
@@ -2138,8 +2830,9 @@
               <a:defRPr sz="2000"/>
             </a:lvl4pPr>
             <a:lvl5pPr>
-              <a:defRPr sz="1800"/>
+              <a:defRPr sz="2000"/>
             </a:lvl5pPr>
+            <a:extLst/>
           </a:lstStyle>
           <a:p>
             <a:pPr lvl="0" eaLnBrk="1" latinLnBrk="0" hangingPunct="1"/>
@@ -2189,10 +2882,17 @@
             <p:ph type="dt" sz="half" idx="10"/>
           </p:nvPr>
         </p:nvSpPr>
-        <p:spPr/>
+        <p:spPr>
+          <a:xfrm>
+            <a:off x="6727032" y="6407944"/>
+            <a:ext cx="1920240" cy="365760"/>
+          </a:xfrm>
+        </p:spPr>
         <p:txBody>
           <a:bodyPr/>
-          <a:lstStyle/>
+          <a:lstStyle>
+            <a:extLst/>
+          </a:lstStyle>
           <a:p>
             <a:fld id="{AA309A6D-C09C-4548-B29A-6CF363A7E532}" type="datetimeFigureOut">
               <a:rPr lang="fr-FR" smtClean="0"/>
@@ -2216,7 +2916,9 @@
         <p:spPr/>
         <p:txBody>
           <a:bodyPr/>
-          <a:lstStyle/>
+          <a:lstStyle>
+            <a:extLst/>
+          </a:lstStyle>
           <a:p>
             <a:endParaRPr lang="fr-BE"/>
           </a:p>
@@ -2235,7 +2937,9 @@
         <p:spPr/>
         <p:txBody>
           <a:bodyPr/>
-          <a:lstStyle/>
+          <a:lstStyle>
+            <a:extLst/>
+          </a:lstStyle>
           <a:p>
             <a:fld id="{CF4668DC-857F-487D-BFFA-8C0CA5037977}" type="slidenum">
               <a:rPr lang="fr-BE" smtClean="0"/>
@@ -2249,7 +2953,7 @@
     </p:spTree>
   </p:cSld>
   <p:clrMapOvr>
-    <a:masterClrMapping/>
+    <a:overrideClrMapping bg1="lt1" tx1="dk1" bg2="lt2" tx2="dk2" accent1="accent1" accent2="accent2" accent3="accent3" accent4="accent4" accent5="accent5" accent6="accent6" hlink="hlink" folHlink="folHlink"/>
   </p:clrMapOvr>
 </p:sldLayout>
 </file>
@@ -2257,6 +2961,11 @@
 <file path=ppt/slideLayouts/slideLayout9.xml><?xml version="1.0" encoding="utf-8"?>
 <p:sldLayout xmlns:a="http://schemas.openxmlformats.org/drawingml/2006/main" xmlns:r="http://schemas.openxmlformats.org/officeDocument/2006/relationships" xmlns:p="http://schemas.openxmlformats.org/presentationml/2006/main" showMasterSp="0" type="picTx" preserve="1">
   <p:cSld name="Image avec légende">
+    <p:bg>
+      <p:bgRef idx="1002">
+        <a:schemeClr val="bg1"/>
+      </p:bgRef>
+    </p:bg>
     <p:spTree>
       <p:nvGrpSpPr>
         <p:cNvPr id="1" name=""/>
@@ -2273,179 +2982,27 @@
       </p:grpSpPr>
       <p:sp>
         <p:nvSpPr>
-          <p:cNvPr id="9" name="Rogner et arrondir un rectangle à un seul coin 8"/>
-          <p:cNvSpPr/>
-          <p:nvPr/>
-        </p:nvSpPr>
-        <p:spPr>
-          <a:xfrm rot="420000" flipV="1">
-            <a:off x="3165753" y="1108077"/>
-            <a:ext cx="5257800" cy="4114800"/>
-          </a:xfrm>
-          <a:prstGeom prst="snipRoundRect">
-            <a:avLst>
-              <a:gd name="adj1" fmla="val 0"/>
-              <a:gd name="adj2" fmla="val 3646"/>
-            </a:avLst>
-          </a:prstGeom>
-          <a:solidFill>
-            <a:srgbClr val="FFFFFF"/>
-          </a:solidFill>
-          <a:ln w="3175" cap="rnd" cmpd="sng" algn="ctr">
-            <a:solidFill>
-              <a:srgbClr val="C0C0C0"/>
-            </a:solidFill>
-            <a:prstDash val="solid"/>
-          </a:ln>
-          <a:effectLst>
-            <a:outerShdw blurRad="63500" dist="38500" dir="7500000" sx="98500" sy="100080" kx="100000" algn="tl" rotWithShape="0">
-              <a:srgbClr val="000000">
-                <a:alpha val="25000"/>
-              </a:srgbClr>
-            </a:outerShdw>
-          </a:effectLst>
-        </p:spPr>
-        <p:style>
-          <a:lnRef idx="2">
-            <a:schemeClr val="accent1"/>
-          </a:lnRef>
-          <a:fillRef idx="1">
-            <a:schemeClr val="accent1"/>
-          </a:fillRef>
-          <a:effectRef idx="0">
-            <a:schemeClr val="accent1"/>
-          </a:effectRef>
-          <a:fontRef idx="minor">
-            <a:schemeClr val="lt1"/>
-          </a:fontRef>
-        </p:style>
-        <p:txBody>
-          <a:bodyPr rtlCol="0" anchor="ctr"/>
-          <a:lstStyle/>
-          <a:p>
-            <a:pPr algn="ctr" eaLnBrk="1" latinLnBrk="0" hangingPunct="1"/>
-            <a:endParaRPr kumimoji="0" lang="en-US"/>
-          </a:p>
-        </p:txBody>
-      </p:sp>
-      <p:sp>
-        <p:nvSpPr>
-          <p:cNvPr id="12" name="Triangle rectangle 11"/>
-          <p:cNvSpPr/>
-          <p:nvPr/>
-        </p:nvSpPr>
-        <p:spPr>
-          <a:xfrm rot="420000" flipV="1">
-            <a:off x="8004134" y="5359769"/>
-            <a:ext cx="155448" cy="155448"/>
-          </a:xfrm>
-          <a:prstGeom prst="rtTriangle">
-            <a:avLst/>
-          </a:prstGeom>
-          <a:solidFill>
-            <a:srgbClr val="FFFFFF"/>
-          </a:solidFill>
-          <a:ln w="12700" cap="flat" cmpd="sng" algn="ctr">
-            <a:solidFill>
-              <a:srgbClr val="FFFFFF"/>
-            </a:solidFill>
-            <a:prstDash val="solid"/>
-            <a:bevel/>
-          </a:ln>
-          <a:effectLst>
-            <a:outerShdw blurRad="19685" dist="6350" dir="12900000" algn="tl" rotWithShape="0">
-              <a:srgbClr val="000000">
-                <a:alpha val="47000"/>
-              </a:srgbClr>
-            </a:outerShdw>
-          </a:effectLst>
-        </p:spPr>
-        <p:style>
-          <a:lnRef idx="2">
-            <a:schemeClr val="accent1"/>
-          </a:lnRef>
-          <a:fillRef idx="1">
-            <a:schemeClr val="accent1"/>
-          </a:fillRef>
-          <a:effectRef idx="0">
-            <a:schemeClr val="accent1"/>
-          </a:effectRef>
-          <a:fontRef idx="minor">
-            <a:schemeClr val="lt1"/>
-          </a:fontRef>
-        </p:style>
-        <p:txBody>
-          <a:bodyPr rtlCol="0" anchor="ctr"/>
-          <a:lstStyle/>
-          <a:p>
-            <a:pPr algn="ctr" eaLnBrk="1" latinLnBrk="0" hangingPunct="1"/>
-            <a:endParaRPr kumimoji="0" lang="en-US"/>
-          </a:p>
-        </p:txBody>
-      </p:sp>
-      <p:sp>
-        <p:nvSpPr>
-          <p:cNvPr id="2" name="Titre 1"/>
-          <p:cNvSpPr>
-            <a:spLocks noGrp="1"/>
-          </p:cNvSpPr>
-          <p:nvPr>
-            <p:ph type="title"/>
+          <p:cNvPr id="4" name="Espace réservé du texte 3"/>
+          <p:cNvSpPr>
+            <a:spLocks noGrp="1"/>
+          </p:cNvSpPr>
+          <p:nvPr>
+            <p:ph type="body" sz="half" idx="2"/>
           </p:nvPr>
         </p:nvSpPr>
         <p:spPr>
           <a:xfrm>
-            <a:off x="609600" y="1176996"/>
-            <a:ext cx="2212848" cy="1582621"/>
+            <a:off x="1141232" y="5443402"/>
+            <a:ext cx="7162800" cy="648232"/>
           </a:xfrm>
+          <a:noFill/>
         </p:spPr>
         <p:txBody>
-          <a:bodyPr vert="horz" lIns="45720" tIns="45720" rIns="45720" bIns="45720" anchor="b"/>
-          <a:lstStyle>
-            <a:lvl1pPr algn="l">
+          <a:bodyPr lIns="91440" tIns="0" rIns="91440" anchor="t"/>
+          <a:lstStyle>
+            <a:lvl1pPr marL="0" marR="18288" indent="0" algn="r">
               <a:buNone/>
-              <a:defRPr sz="2000" b="1">
-                <a:solidFill>
-                  <a:schemeClr val="tx2"/>
-                </a:solidFill>
-              </a:defRPr>
-            </a:lvl1pPr>
-          </a:lstStyle>
-          <a:p>
-            <a:r>
-              <a:rPr kumimoji="0" lang="fr-FR" smtClean="0"/>
-              <a:t>Cliquez pour modifier le style du titre</a:t>
-            </a:r>
-            <a:endParaRPr kumimoji="0" lang="en-US"/>
-          </a:p>
-        </p:txBody>
-      </p:sp>
-      <p:sp>
-        <p:nvSpPr>
-          <p:cNvPr id="4" name="Espace réservé du texte 3"/>
-          <p:cNvSpPr>
-            <a:spLocks noGrp="1"/>
-          </p:cNvSpPr>
-          <p:nvPr>
-            <p:ph type="body" sz="half" idx="2"/>
-          </p:nvPr>
-        </p:nvSpPr>
-        <p:spPr>
-          <a:xfrm>
-            <a:off x="609600" y="2828785"/>
-            <a:ext cx="2209800" cy="2179320"/>
-          </a:xfrm>
-        </p:spPr>
-        <p:txBody>
-          <a:bodyPr lIns="64008" rIns="45720" bIns="45720" anchor="t"/>
-          <a:lstStyle>
-            <a:lvl1pPr marL="0" indent="0" algn="l">
-              <a:spcBef>
-                <a:spcPts val="250"/>
-              </a:spcBef>
-              <a:buFontTx/>
-              <a:buNone/>
-              <a:defRPr sz="1300"/>
+              <a:defRPr sz="1400"/>
             </a:lvl1pPr>
             <a:lvl2pPr>
               <a:defRPr sz="1200"/>
@@ -2459,6 +3016,7 @@
             <a:lvl5pPr>
               <a:defRPr sz="900"/>
             </a:lvl5pPr>
+            <a:extLst/>
           </a:lstStyle>
           <a:p>
             <a:pPr lvl="0" eaLnBrk="1" latinLnBrk="0" hangingPunct="1"/>
@@ -2471,90 +3029,18 @@
       </p:sp>
       <p:sp>
         <p:nvSpPr>
-          <p:cNvPr id="5" name="Espace réservé de la date 4"/>
-          <p:cNvSpPr>
-            <a:spLocks noGrp="1"/>
-          </p:cNvSpPr>
-          <p:nvPr>
-            <p:ph type="dt" sz="half" idx="10"/>
-          </p:nvPr>
-        </p:nvSpPr>
-        <p:spPr/>
-        <p:txBody>
-          <a:bodyPr/>
-          <a:lstStyle/>
-          <a:p>
-            <a:fld id="{AA309A6D-C09C-4548-B29A-6CF363A7E532}" type="datetimeFigureOut">
-              <a:rPr lang="fr-FR" smtClean="0"/>
-              <a:pPr/>
-              <a:t>22/07/2015</a:t>
-            </a:fld>
-            <a:endParaRPr lang="fr-BE"/>
-          </a:p>
-        </p:txBody>
-      </p:sp>
-      <p:sp>
-        <p:nvSpPr>
-          <p:cNvPr id="6" name="Espace réservé du pied de page 5"/>
-          <p:cNvSpPr>
-            <a:spLocks noGrp="1"/>
-          </p:cNvSpPr>
-          <p:nvPr>
-            <p:ph type="ftr" sz="quarter" idx="11"/>
-          </p:nvPr>
-        </p:nvSpPr>
-        <p:spPr/>
-        <p:txBody>
-          <a:bodyPr/>
-          <a:lstStyle/>
-          <a:p>
-            <a:endParaRPr lang="fr-BE"/>
-          </a:p>
-        </p:txBody>
-      </p:sp>
-      <p:sp>
-        <p:nvSpPr>
-          <p:cNvPr id="7" name="Espace réservé du numéro de diapositive 6"/>
-          <p:cNvSpPr>
-            <a:spLocks noGrp="1"/>
-          </p:cNvSpPr>
-          <p:nvPr>
-            <p:ph type="sldNum" sz="quarter" idx="12"/>
+          <p:cNvPr id="3" name="Espace réservé pour une image  2"/>
+          <p:cNvSpPr>
+            <a:spLocks noGrp="1"/>
+          </p:cNvSpPr>
+          <p:nvPr>
+            <p:ph type="pic" idx="1"/>
           </p:nvPr>
         </p:nvSpPr>
         <p:spPr>
           <a:xfrm>
-            <a:off x="8077200" y="6356350"/>
-            <a:ext cx="609600" cy="365125"/>
-          </a:xfrm>
-        </p:spPr>
-        <p:txBody>
-          <a:bodyPr/>
-          <a:lstStyle/>
-          <a:p>
-            <a:fld id="{CF4668DC-857F-487D-BFFA-8C0CA5037977}" type="slidenum">
-              <a:rPr lang="fr-BE" smtClean="0"/>
-              <a:pPr/>
-              <a:t>‹N°›</a:t>
-            </a:fld>
-            <a:endParaRPr lang="fr-BE"/>
-          </a:p>
-        </p:txBody>
-      </p:sp>
-      <p:sp>
-        <p:nvSpPr>
-          <p:cNvPr id="3" name="Espace réservé pour une image  2"/>
-          <p:cNvSpPr>
-            <a:spLocks noGrp="1"/>
-          </p:cNvSpPr>
-          <p:nvPr>
-            <p:ph type="pic" idx="1"/>
-          </p:nvPr>
-        </p:nvSpPr>
-        <p:spPr>
-          <a:xfrm rot="420000">
-            <a:off x="3485793" y="1199517"/>
-            <a:ext cx="4617720" cy="3931920"/>
+            <a:off x="228600" y="189968"/>
+            <a:ext cx="8686800" cy="4389120"/>
           </a:xfrm>
           <a:prstGeom prst="rect">
             <a:avLst/>
@@ -2562,13 +3048,16 @@
           <a:solidFill>
             <a:schemeClr val="bg2"/>
           </a:solidFill>
-          <a:ln w="3000" cap="rnd">
+          <a:ln>
             <a:solidFill>
-              <a:srgbClr val="C0C0C0"/>
+              <a:schemeClr val="bg1"/>
             </a:solidFill>
-            <a:round/>
           </a:ln>
-          <a:effectLst/>
+          <a:effectLst>
+            <a:innerShdw blurRad="95250">
+              <a:srgbClr val="000000"/>
+            </a:innerShdw>
+          </a:effectLst>
         </p:spPr>
         <p:txBody>
           <a:bodyPr/>
@@ -2577,6 +3066,7 @@
               <a:buNone/>
               <a:defRPr sz="3200"/>
             </a:lvl1pPr>
+            <a:extLst/>
           </a:lstStyle>
           <a:p>
             <a:r>
@@ -2589,159 +3079,163 @@
       </p:sp>
       <p:sp>
         <p:nvSpPr>
-          <p:cNvPr id="10" name="Forme libre 9"/>
+          <p:cNvPr id="5" name="Espace réservé de la date 4"/>
+          <p:cNvSpPr>
+            <a:spLocks noGrp="1"/>
+          </p:cNvSpPr>
+          <p:nvPr>
+            <p:ph type="dt" sz="half" idx="10"/>
+          </p:nvPr>
+        </p:nvSpPr>
+        <p:spPr/>
+        <p:txBody>
+          <a:bodyPr/>
+          <a:lstStyle>
+            <a:lvl1pPr>
+              <a:defRPr>
+                <a:solidFill>
+                  <a:schemeClr val="tx1"/>
+                </a:solidFill>
+              </a:defRPr>
+            </a:lvl1pPr>
+            <a:extLst/>
+          </a:lstStyle>
+          <a:p>
+            <a:fld id="{AA309A6D-C09C-4548-B29A-6CF363A7E532}" type="datetimeFigureOut">
+              <a:rPr lang="fr-FR" smtClean="0"/>
+              <a:pPr/>
+              <a:t>22/07/2015</a:t>
+            </a:fld>
+            <a:endParaRPr lang="fr-BE"/>
+          </a:p>
+        </p:txBody>
+      </p:sp>
+      <p:sp>
+        <p:nvSpPr>
+          <p:cNvPr id="6" name="Espace réservé du pied de page 5"/>
+          <p:cNvSpPr>
+            <a:spLocks noGrp="1"/>
+          </p:cNvSpPr>
+          <p:nvPr>
+            <p:ph type="ftr" sz="quarter" idx="11"/>
+          </p:nvPr>
+        </p:nvSpPr>
+        <p:spPr>
+          <a:xfrm>
+            <a:off x="4380072" y="6407944"/>
+            <a:ext cx="2350681" cy="365125"/>
+          </a:xfrm>
+        </p:spPr>
+        <p:txBody>
+          <a:bodyPr/>
+          <a:lstStyle>
+            <a:lvl1pPr>
+              <a:defRPr>
+                <a:solidFill>
+                  <a:schemeClr val="tx1"/>
+                </a:solidFill>
+              </a:defRPr>
+            </a:lvl1pPr>
+            <a:extLst/>
+          </a:lstStyle>
+          <a:p>
+            <a:endParaRPr lang="fr-BE"/>
+          </a:p>
+        </p:txBody>
+      </p:sp>
+      <p:sp>
+        <p:nvSpPr>
+          <p:cNvPr id="7" name="Espace réservé du numéro de diapositive 6"/>
+          <p:cNvSpPr>
+            <a:spLocks noGrp="1"/>
+          </p:cNvSpPr>
+          <p:nvPr>
+            <p:ph type="sldNum" sz="quarter" idx="12"/>
+          </p:nvPr>
+        </p:nvSpPr>
+        <p:spPr/>
+        <p:txBody>
+          <a:bodyPr/>
+          <a:lstStyle>
+            <a:lvl1pPr>
+              <a:defRPr>
+                <a:solidFill>
+                  <a:schemeClr val="tx1"/>
+                </a:solidFill>
+              </a:defRPr>
+            </a:lvl1pPr>
+            <a:extLst/>
+          </a:lstStyle>
+          <a:p>
+            <a:fld id="{CF4668DC-857F-487D-BFFA-8C0CA5037977}" type="slidenum">
+              <a:rPr lang="fr-BE" smtClean="0"/>
+              <a:pPr/>
+              <a:t>‹N°›</a:t>
+            </a:fld>
+            <a:endParaRPr lang="fr-BE"/>
+          </a:p>
+        </p:txBody>
+      </p:sp>
+      <p:sp>
+        <p:nvSpPr>
+          <p:cNvPr id="2" name="Titre 1"/>
+          <p:cNvSpPr>
+            <a:spLocks noGrp="1"/>
+          </p:cNvSpPr>
+          <p:nvPr>
+            <p:ph type="title"/>
+          </p:nvPr>
+        </p:nvSpPr>
+        <p:spPr>
+          <a:xfrm>
+            <a:off x="228600" y="4865122"/>
+            <a:ext cx="8075432" cy="562672"/>
+          </a:xfrm>
+          <a:noFill/>
+        </p:spPr>
+        <p:txBody>
+          <a:bodyPr anchor="t">
+            <a:sp3d prstMaterial="softEdge"/>
+          </a:bodyPr>
+          <a:lstStyle>
+            <a:lvl1pPr marR="0" algn="r">
+              <a:buNone/>
+              <a:defRPr sz="3000" b="0">
+                <a:solidFill>
+                  <a:schemeClr val="accent1"/>
+                </a:solidFill>
+                <a:effectLst>
+                  <a:outerShdw blurRad="50800" dist="25000" dir="5400000" algn="t" rotWithShape="0">
+                    <a:prstClr val="black">
+                      <a:alpha val="45000"/>
+                    </a:prstClr>
+                  </a:outerShdw>
+                </a:effectLst>
+              </a:defRPr>
+            </a:lvl1pPr>
+            <a:extLst/>
+          </a:lstStyle>
+          <a:p>
+            <a:r>
+              <a:rPr kumimoji="0" lang="fr-FR" smtClean="0"/>
+              <a:t>Cliquez pour modifier le style du titre</a:t>
+            </a:r>
+            <a:endParaRPr kumimoji="0" lang="en-US"/>
+          </a:p>
+        </p:txBody>
+      </p:sp>
+      <p:sp>
+        <p:nvSpPr>
+          <p:cNvPr id="8" name="Forme libre 7"/>
           <p:cNvSpPr>
             <a:spLocks/>
           </p:cNvSpPr>
           <p:nvPr/>
         </p:nvSpPr>
         <p:spPr bwMode="auto">
-          <a:xfrm flipV="1">
-            <a:off x="-9525" y="5816600"/>
-            <a:ext cx="9163050" cy="1041400"/>
-          </a:xfrm>
-          <a:custGeom>
-            <a:avLst>
-              <a:gd name="A1" fmla="val 0"/>
-              <a:gd name="A2" fmla="val 0"/>
-              <a:gd name="A3" fmla="val 0"/>
-              <a:gd name="A4" fmla="val 0"/>
-              <a:gd name="A5" fmla="val 0"/>
-              <a:gd name="A6" fmla="val 0"/>
-              <a:gd name="A7" fmla="val 0"/>
-              <a:gd name="A8" fmla="val 0"/>
-            </a:avLst>
-            <a:gdLst/>
-            <a:ahLst/>
-            <a:cxnLst>
-              <a:cxn ang="0">
-                <a:pos x="6" y="2"/>
-              </a:cxn>
-              <a:cxn ang="0">
-                <a:pos x="2542" y="0"/>
-              </a:cxn>
-              <a:cxn ang="0">
-                <a:pos x="4374" y="367"/>
-              </a:cxn>
-              <a:cxn ang="0">
-                <a:pos x="5766" y="55"/>
-              </a:cxn>
-              <a:cxn ang="0">
-                <a:pos x="5772" y="213"/>
-              </a:cxn>
-              <a:cxn ang="0">
-                <a:pos x="4302" y="439"/>
-              </a:cxn>
-              <a:cxn ang="0">
-                <a:pos x="1488" y="201"/>
-              </a:cxn>
-              <a:cxn ang="0">
-                <a:pos x="0" y="656"/>
-              </a:cxn>
-              <a:cxn ang="0">
-                <a:pos x="6" y="2"/>
-              </a:cxn>
-            </a:cxnLst>
-            <a:rect l="0" t="0" r="0" b="0"/>
-            <a:pathLst>
-              <a:path w="5772" h="656">
-                <a:moveTo>
-                  <a:pt x="6" y="2"/>
-                </a:moveTo>
-                <a:lnTo>
-                  <a:pt x="2542" y="0"/>
-                </a:lnTo>
-                <a:cubicBezTo>
-                  <a:pt x="2746" y="101"/>
-                  <a:pt x="3828" y="367"/>
-                  <a:pt x="4374" y="367"/>
-                </a:cubicBezTo>
-                <a:cubicBezTo>
-                  <a:pt x="4920" y="367"/>
-                  <a:pt x="5526" y="152"/>
-                  <a:pt x="5766" y="55"/>
-                </a:cubicBezTo>
-                <a:lnTo>
-                  <a:pt x="5772" y="213"/>
-                </a:lnTo>
-                <a:cubicBezTo>
-                  <a:pt x="5670" y="257"/>
-                  <a:pt x="5016" y="441"/>
-                  <a:pt x="4302" y="439"/>
-                </a:cubicBezTo>
-                <a:cubicBezTo>
-                  <a:pt x="3588" y="437"/>
-                  <a:pt x="2205" y="165"/>
-                  <a:pt x="1488" y="201"/>
-                </a:cubicBezTo>
-                <a:cubicBezTo>
-                  <a:pt x="750" y="209"/>
-                  <a:pt x="270" y="482"/>
-                  <a:pt x="0" y="656"/>
-                </a:cubicBezTo>
-                <a:lnTo>
-                  <a:pt x="6" y="2"/>
-                </a:lnTo>
-                <a:close/>
-              </a:path>
-            </a:pathLst>
-          </a:custGeom>
-          <a:gradFill>
-            <a:gsLst>
-              <a:gs pos="0">
-                <a:schemeClr val="accent2">
-                  <a:shade val="50000"/>
-                  <a:alpha val="45000"/>
-                  <a:satMod val="120000"/>
-                </a:schemeClr>
-              </a:gs>
-              <a:gs pos="100000">
-                <a:schemeClr val="accent3">
-                  <a:shade val="80000"/>
-                  <a:alpha val="55000"/>
-                  <a:satMod val="155000"/>
-                </a:schemeClr>
-              </a:gs>
-            </a:gsLst>
-            <a:lin ang="5400000" scaled="1"/>
-          </a:gradFill>
-          <a:ln w="9525" cap="flat" cmpd="sng" algn="ctr">
-            <a:noFill/>
-            <a:prstDash val="solid"/>
-            <a:round/>
-            <a:headEnd type="none" w="med" len="med"/>
-            <a:tailEnd type="none" w="med" len="med"/>
-          </a:ln>
-          <a:effectLst/>
-        </p:spPr>
-        <p:txBody>
-          <a:bodyPr vert="horz" wrap="square" lIns="91440" tIns="45720" rIns="91440" bIns="45720" anchor="t" compatLnSpc="1"/>
-          <a:lstStyle/>
-          <a:p>
-            <a:pPr marL="0" algn="l" rtl="0" eaLnBrk="1" latinLnBrk="0" hangingPunct="1"/>
-            <a:endParaRPr kumimoji="0" lang="en-US">
-              <a:solidFill>
-                <a:schemeClr val="tx1"/>
-              </a:solidFill>
-              <a:latin typeface="+mn-lt"/>
-              <a:ea typeface="+mn-ea"/>
-              <a:cs typeface="+mn-cs"/>
-            </a:endParaRPr>
-          </a:p>
-        </p:txBody>
-      </p:sp>
-      <p:sp>
-        <p:nvSpPr>
-          <p:cNvPr id="11" name="Forme libre 10"/>
-          <p:cNvSpPr>
-            <a:spLocks/>
-          </p:cNvSpPr>
-          <p:nvPr/>
-        </p:nvSpPr>
-        <p:spPr bwMode="auto">
-          <a:xfrm flipV="1">
-            <a:off x="4381500" y="6219825"/>
-            <a:ext cx="4762500" cy="638175"/>
+          <a:xfrm>
+            <a:off x="499273" y="5944936"/>
+            <a:ext cx="4940624" cy="921076"/>
           </a:xfrm>
           <a:custGeom>
             <a:avLst>
@@ -2761,63 +3255,40 @@
                 <a:pos x="0" y="0"/>
               </a:cxn>
               <a:cxn ang="0">
-                <a:pos x="1668" y="564"/>
+                <a:pos x="5760" y="0"/>
               </a:cxn>
               <a:cxn ang="0">
-                <a:pos x="3000" y="186"/>
+                <a:pos x="5760" y="528"/>
               </a:cxn>
               <a:cxn ang="0">
-                <a:pos x="3000" y="6"/>
-              </a:cxn>
-              <a:cxn ang="0">
-                <a:pos x="0" y="0"/>
+                <a:pos x="48" y="0"/>
               </a:cxn>
             </a:cxnLst>
             <a:rect l="0" t="0" r="0" b="0"/>
             <a:pathLst>
-              <a:path w="3000" h="595">
+              <a:path w="7485" h="337">
                 <a:moveTo>
-                  <a:pt x="0" y="0"/>
+                  <a:pt x="0" y="2"/>
                 </a:moveTo>
-                <a:cubicBezTo>
-                  <a:pt x="174" y="102"/>
-                  <a:pt x="1168" y="533"/>
-                  <a:pt x="1668" y="564"/>
-                </a:cubicBezTo>
-                <a:cubicBezTo>
-                  <a:pt x="2168" y="595"/>
-                  <a:pt x="2778" y="279"/>
-                  <a:pt x="3000" y="186"/>
-                </a:cubicBezTo>
                 <a:lnTo>
-                  <a:pt x="3000" y="6"/>
+                  <a:pt x="7485" y="337"/>
                 </a:lnTo>
                 <a:lnTo>
-                  <a:pt x="0" y="0"/>
+                  <a:pt x="5558" y="337"/>
                 </a:lnTo>
-                <a:close/>
+                <a:lnTo>
+                  <a:pt x="1" y="0"/>
+                </a:lnTo>
               </a:path>
             </a:pathLst>
           </a:custGeom>
-          <a:gradFill>
-            <a:gsLst>
-              <a:gs pos="0">
-                <a:schemeClr val="accent3">
-                  <a:shade val="50000"/>
-                  <a:alpha val="30000"/>
-                  <a:satMod val="130000"/>
-                </a:schemeClr>
-              </a:gs>
-              <a:gs pos="80000">
-                <a:schemeClr val="accent2">
-                  <a:shade val="75000"/>
-                  <a:alpha val="45000"/>
-                  <a:satMod val="140000"/>
-                </a:schemeClr>
-              </a:gs>
-            </a:gsLst>
-            <a:lin ang="5400000" scaled="1"/>
-          </a:gradFill>
+          <a:solidFill>
+            <a:schemeClr val="accent1">
+              <a:tint val="65000"/>
+              <a:satMod val="115000"/>
+              <a:alpha val="40000"/>
+            </a:schemeClr>
+          </a:solidFill>
           <a:ln w="9525" cap="flat" cmpd="sng" algn="ctr">
             <a:noFill/>
             <a:prstDash val="solid"/>
@@ -2829,53 +3300,17 @@
         </p:spPr>
         <p:txBody>
           <a:bodyPr vert="horz" wrap="square" lIns="91440" tIns="45720" rIns="91440" bIns="45720" anchor="t" compatLnSpc="1"/>
-          <a:lstStyle/>
-          <a:p>
-            <a:pPr marL="0" algn="l" rtl="0" eaLnBrk="1" latinLnBrk="0" hangingPunct="1"/>
-            <a:endParaRPr kumimoji="0" lang="en-US">
-              <a:solidFill>
-                <a:schemeClr val="tx1"/>
-              </a:solidFill>
-              <a:latin typeface="+mn-lt"/>
-              <a:ea typeface="+mn-ea"/>
-              <a:cs typeface="+mn-cs"/>
-            </a:endParaRPr>
-          </a:p>
-        </p:txBody>
-      </p:sp>
-    </p:spTree>
-  </p:cSld>
-  <p:clrMapOvr>
-    <a:masterClrMapping/>
-  </p:clrMapOvr>
-</p:sldLayout>
-</file>
-
-<file path=ppt/slideMasters/slideMaster1.xml><?xml version="1.0" encoding="utf-8"?>
-<p:sldMaster xmlns:a="http://schemas.openxmlformats.org/drawingml/2006/main" xmlns:r="http://schemas.openxmlformats.org/officeDocument/2006/relationships" xmlns:p="http://schemas.openxmlformats.org/presentationml/2006/main">
-  <p:cSld>
-    <p:bg>
-      <p:bgRef idx="1003">
-        <a:schemeClr val="bg1"/>
-      </p:bgRef>
-    </p:bg>
-    <p:spTree>
-      <p:nvGrpSpPr>
-        <p:cNvPr id="1" name=""/>
-        <p:cNvGrpSpPr/>
-        <p:nvPr/>
-      </p:nvGrpSpPr>
-      <p:grpSpPr>
-        <a:xfrm>
-          <a:off x="0" y="0"/>
-          <a:ext cx="0" cy="0"/>
-          <a:chOff x="0" y="0"/>
-          <a:chExt cx="0" cy="0"/>
-        </a:xfrm>
-      </p:grpSpPr>
-      <p:sp>
-        <p:nvSpPr>
-          <p:cNvPr id="7" name="Forme libre 6"/>
+          <a:lstStyle>
+            <a:extLst/>
+          </a:lstStyle>
+          <a:p>
+            <a:endParaRPr kumimoji="0" lang="en-US"/>
+          </a:p>
+        </p:txBody>
+      </p:sp>
+      <p:sp>
+        <p:nvSpPr>
+          <p:cNvPr id="9" name="Forme libre 8"/>
           <p:cNvSpPr>
             <a:spLocks/>
           </p:cNvSpPr>
@@ -2883,151 +3318,8 @@
         </p:nvSpPr>
         <p:spPr bwMode="auto">
           <a:xfrm>
-            <a:off x="-9525" y="-7144"/>
-            <a:ext cx="9163050" cy="1041400"/>
-          </a:xfrm>
-          <a:custGeom>
-            <a:avLst>
-              <a:gd name="A1" fmla="val 0"/>
-              <a:gd name="A2" fmla="val 0"/>
-              <a:gd name="A3" fmla="val 0"/>
-              <a:gd name="A4" fmla="val 0"/>
-              <a:gd name="A5" fmla="val 0"/>
-              <a:gd name="A6" fmla="val 0"/>
-              <a:gd name="A7" fmla="val 0"/>
-              <a:gd name="A8" fmla="val 0"/>
-            </a:avLst>
-            <a:gdLst/>
-            <a:ahLst/>
-            <a:cxnLst>
-              <a:cxn ang="0">
-                <a:pos x="6" y="2"/>
-              </a:cxn>
-              <a:cxn ang="0">
-                <a:pos x="2542" y="0"/>
-              </a:cxn>
-              <a:cxn ang="0">
-                <a:pos x="4374" y="367"/>
-              </a:cxn>
-              <a:cxn ang="0">
-                <a:pos x="5766" y="55"/>
-              </a:cxn>
-              <a:cxn ang="0">
-                <a:pos x="5772" y="213"/>
-              </a:cxn>
-              <a:cxn ang="0">
-                <a:pos x="4302" y="439"/>
-              </a:cxn>
-              <a:cxn ang="0">
-                <a:pos x="1488" y="201"/>
-              </a:cxn>
-              <a:cxn ang="0">
-                <a:pos x="0" y="656"/>
-              </a:cxn>
-              <a:cxn ang="0">
-                <a:pos x="6" y="2"/>
-              </a:cxn>
-            </a:cxnLst>
-            <a:rect l="0" t="0" r="0" b="0"/>
-            <a:pathLst>
-              <a:path w="5772" h="656">
-                <a:moveTo>
-                  <a:pt x="6" y="2"/>
-                </a:moveTo>
-                <a:lnTo>
-                  <a:pt x="2542" y="0"/>
-                </a:lnTo>
-                <a:cubicBezTo>
-                  <a:pt x="2746" y="101"/>
-                  <a:pt x="3828" y="367"/>
-                  <a:pt x="4374" y="367"/>
-                </a:cubicBezTo>
-                <a:cubicBezTo>
-                  <a:pt x="4920" y="367"/>
-                  <a:pt x="5526" y="152"/>
-                  <a:pt x="5766" y="55"/>
-                </a:cubicBezTo>
-                <a:lnTo>
-                  <a:pt x="5772" y="213"/>
-                </a:lnTo>
-                <a:cubicBezTo>
-                  <a:pt x="5670" y="257"/>
-                  <a:pt x="5016" y="441"/>
-                  <a:pt x="4302" y="439"/>
-                </a:cubicBezTo>
-                <a:cubicBezTo>
-                  <a:pt x="3588" y="437"/>
-                  <a:pt x="2205" y="165"/>
-                  <a:pt x="1488" y="201"/>
-                </a:cubicBezTo>
-                <a:cubicBezTo>
-                  <a:pt x="750" y="209"/>
-                  <a:pt x="270" y="482"/>
-                  <a:pt x="0" y="656"/>
-                </a:cubicBezTo>
-                <a:lnTo>
-                  <a:pt x="6" y="2"/>
-                </a:lnTo>
-                <a:close/>
-              </a:path>
-            </a:pathLst>
-          </a:custGeom>
-          <a:gradFill>
-            <a:gsLst>
-              <a:gs pos="0">
-                <a:schemeClr val="accent2">
-                  <a:shade val="50000"/>
-                  <a:alpha val="45000"/>
-                  <a:satMod val="120000"/>
-                </a:schemeClr>
-              </a:gs>
-              <a:gs pos="100000">
-                <a:schemeClr val="accent3">
-                  <a:shade val="80000"/>
-                  <a:alpha val="55000"/>
-                  <a:satMod val="155000"/>
-                </a:schemeClr>
-              </a:gs>
-            </a:gsLst>
-            <a:lin ang="5400000" scaled="1"/>
-          </a:gradFill>
-          <a:ln w="9525" cap="flat" cmpd="sng" algn="ctr">
-            <a:noFill/>
-            <a:prstDash val="solid"/>
-            <a:round/>
-            <a:headEnd type="none" w="med" len="med"/>
-            <a:tailEnd type="none" w="med" len="med"/>
-          </a:ln>
-          <a:effectLst/>
-        </p:spPr>
-        <p:txBody>
-          <a:bodyPr vert="horz" wrap="square" lIns="91440" tIns="45720" rIns="91440" bIns="45720" anchor="t" compatLnSpc="1"/>
-          <a:lstStyle/>
-          <a:p>
-            <a:pPr marL="0" algn="l" rtl="0" eaLnBrk="1" latinLnBrk="0" hangingPunct="1"/>
-            <a:endParaRPr kumimoji="0" lang="en-US">
-              <a:solidFill>
-                <a:schemeClr val="tx1"/>
-              </a:solidFill>
-              <a:latin typeface="+mn-lt"/>
-              <a:ea typeface="+mn-ea"/>
-              <a:cs typeface="+mn-cs"/>
-            </a:endParaRPr>
-          </a:p>
-        </p:txBody>
-      </p:sp>
-      <p:sp>
-        <p:nvSpPr>
-          <p:cNvPr id="8" name="Forme libre 7"/>
-          <p:cNvSpPr>
-            <a:spLocks/>
-          </p:cNvSpPr>
-          <p:nvPr/>
-        </p:nvSpPr>
-        <p:spPr bwMode="auto">
-          <a:xfrm>
-            <a:off x="4381500" y="-7144"/>
-            <a:ext cx="4762500" cy="638175"/>
+            <a:off x="485717" y="5939011"/>
+            <a:ext cx="3690451" cy="933450"/>
           </a:xfrm>
           <a:custGeom>
             <a:avLst>
@@ -3047,63 +3339,38 @@
                 <a:pos x="0" y="0"/>
               </a:cxn>
               <a:cxn ang="0">
-                <a:pos x="1668" y="564"/>
+                <a:pos x="5760" y="0"/>
               </a:cxn>
               <a:cxn ang="0">
-                <a:pos x="3000" y="186"/>
+                <a:pos x="5760" y="528"/>
               </a:cxn>
               <a:cxn ang="0">
-                <a:pos x="3000" y="6"/>
-              </a:cxn>
-              <a:cxn ang="0">
-                <a:pos x="0" y="0"/>
+                <a:pos x="48" y="0"/>
               </a:cxn>
             </a:cxnLst>
             <a:rect l="0" t="0" r="0" b="0"/>
             <a:pathLst>
-              <a:path w="3000" h="595">
+              <a:path w="5591" h="588">
                 <a:moveTo>
                   <a:pt x="0" y="0"/>
                 </a:moveTo>
-                <a:cubicBezTo>
-                  <a:pt x="174" y="102"/>
-                  <a:pt x="1168" y="533"/>
-                  <a:pt x="1668" y="564"/>
-                </a:cubicBezTo>
-                <a:cubicBezTo>
-                  <a:pt x="2168" y="595"/>
-                  <a:pt x="2778" y="279"/>
-                  <a:pt x="3000" y="186"/>
-                </a:cubicBezTo>
                 <a:lnTo>
-                  <a:pt x="3000" y="6"/>
+                  <a:pt x="5591" y="585"/>
                 </a:lnTo>
                 <a:lnTo>
-                  <a:pt x="0" y="0"/>
+                  <a:pt x="4415" y="588"/>
                 </a:lnTo>
-                <a:close/>
+                <a:lnTo>
+                  <a:pt x="12" y="4"/>
+                </a:lnTo>
               </a:path>
             </a:pathLst>
           </a:custGeom>
-          <a:gradFill>
-            <a:gsLst>
-              <a:gs pos="0">
-                <a:schemeClr val="accent3">
-                  <a:shade val="50000"/>
-                  <a:alpha val="30000"/>
-                  <a:satMod val="130000"/>
-                </a:schemeClr>
-              </a:gs>
-              <a:gs pos="80000">
-                <a:schemeClr val="accent2">
-                  <a:shade val="75000"/>
-                  <a:alpha val="45000"/>
-                  <a:satMod val="140000"/>
-                </a:schemeClr>
-              </a:gs>
-            </a:gsLst>
-            <a:lin ang="5400000" scaled="1"/>
-          </a:gradFill>
+          <a:solidFill>
+            <a:srgbClr val="000000">
+              <a:alpha val="100000"/>
+            </a:srgbClr>
+          </a:solidFill>
           <a:ln w="9525" cap="flat" cmpd="sng" algn="ctr">
             <a:noFill/>
             <a:prstDash val="solid"/>
@@ -3115,33 +3382,711 @@
         </p:spPr>
         <p:txBody>
           <a:bodyPr vert="horz" wrap="square" lIns="91440" tIns="45720" rIns="91440" bIns="45720" anchor="t" compatLnSpc="1"/>
-          <a:lstStyle/>
-          <a:p>
-            <a:pPr marL="0" algn="l" rtl="0" eaLnBrk="1" latinLnBrk="0" hangingPunct="1"/>
-            <a:endParaRPr kumimoji="0" lang="en-US">
-              <a:solidFill>
-                <a:schemeClr val="tx1"/>
-              </a:solidFill>
-              <a:latin typeface="+mn-lt"/>
-              <a:ea typeface="+mn-ea"/>
-              <a:cs typeface="+mn-cs"/>
-            </a:endParaRPr>
-          </a:p>
-        </p:txBody>
-      </p:sp>
-      <p:sp>
-        <p:nvSpPr>
-          <p:cNvPr id="9" name="Espace réservé du titre 8"/>
-          <p:cNvSpPr>
-            <a:spLocks noGrp="1"/>
-          </p:cNvSpPr>
-          <p:nvPr>
-            <p:ph type="title"/>
-          </p:nvPr>
-        </p:nvSpPr>
+          <a:lstStyle>
+            <a:extLst/>
+          </a:lstStyle>
+          <a:p>
+            <a:endParaRPr kumimoji="0" lang="en-US"/>
+          </a:p>
+        </p:txBody>
+      </p:sp>
+      <p:sp>
+        <p:nvSpPr>
+          <p:cNvPr id="10" name="Triangle rectangle 9"/>
+          <p:cNvSpPr>
+            <a:spLocks/>
+          </p:cNvSpPr>
+          <p:nvPr/>
+        </p:nvSpPr>
+        <p:spPr bwMode="auto">
+          <a:xfrm>
+            <a:off x="-6042" y="5791253"/>
+            <a:ext cx="3402314" cy="1080868"/>
+          </a:xfrm>
+          <a:prstGeom prst="rtTriangle">
+            <a:avLst/>
+          </a:prstGeom>
+          <a:blipFill>
+            <a:blip r:embed="rId2" cstate="print">
+              <a:alphaModFix amt="50000"/>
+            </a:blip>
+            <a:tile tx="0" ty="0" sx="50000" sy="50000" flip="none" algn="t"/>
+          </a:blipFill>
+          <a:ln w="12700" cap="rnd" cmpd="thickThin" algn="ctr">
+            <a:noFill/>
+            <a:prstDash val="solid"/>
+          </a:ln>
+          <a:effectLst>
+            <a:fillOverlay blend="mult">
+              <a:gradFill flip="none" rotWithShape="1">
+                <a:gsLst>
+                  <a:gs pos="0">
+                    <a:schemeClr val="accent1">
+                      <a:shade val="20000"/>
+                      <a:satMod val="176000"/>
+                      <a:alpha val="100000"/>
+                    </a:schemeClr>
+                  </a:gs>
+                  <a:gs pos="18000">
+                    <a:schemeClr val="accent1">
+                      <a:shade val="48000"/>
+                      <a:satMod val="153000"/>
+                      <a:alpha val="100000"/>
+                    </a:schemeClr>
+                  </a:gs>
+                  <a:gs pos="43000">
+                    <a:schemeClr val="accent1">
+                      <a:tint val="86000"/>
+                      <a:satMod val="149000"/>
+                      <a:alpha val="100000"/>
+                    </a:schemeClr>
+                  </a:gs>
+                  <a:gs pos="45000">
+                    <a:schemeClr val="accent1">
+                      <a:tint val="85000"/>
+                      <a:satMod val="150000"/>
+                      <a:alpha val="100000"/>
+                    </a:schemeClr>
+                  </a:gs>
+                  <a:gs pos="50000">
+                    <a:schemeClr val="accent1">
+                      <a:tint val="86000"/>
+                      <a:satMod val="149000"/>
+                      <a:alpha val="100000"/>
+                    </a:schemeClr>
+                  </a:gs>
+                  <a:gs pos="79000">
+                    <a:schemeClr val="accent1">
+                      <a:shade val="53000"/>
+                      <a:satMod val="150000"/>
+                      <a:alpha val="100000"/>
+                    </a:schemeClr>
+                  </a:gs>
+                  <a:gs pos="100000">
+                    <a:schemeClr val="accent1">
+                      <a:shade val="25000"/>
+                      <a:satMod val="170000"/>
+                      <a:alpha val="100000"/>
+                    </a:schemeClr>
+                  </a:gs>
+                </a:gsLst>
+                <a:lin ang="450000" scaled="1"/>
+                <a:tileRect/>
+              </a:gradFill>
+            </a:fillOverlay>
+          </a:effectLst>
+        </p:spPr>
+        <p:style>
+          <a:lnRef idx="3">
+            <a:schemeClr val="lt1"/>
+          </a:lnRef>
+          <a:fillRef idx="1">
+            <a:schemeClr val="accent1"/>
+          </a:fillRef>
+          <a:effectRef idx="1">
+            <a:schemeClr val="accent1"/>
+          </a:effectRef>
+          <a:fontRef idx="minor">
+            <a:schemeClr val="lt1"/>
+          </a:fontRef>
+        </p:style>
+        <p:txBody>
+          <a:bodyPr vert="horz" wrap="square" lIns="91440" tIns="45720" rIns="91440" bIns="45720" anchor="ctr" compatLnSpc="1"/>
+          <a:lstStyle>
+            <a:extLst/>
+          </a:lstStyle>
+          <a:p>
+            <a:pPr algn="ctr" eaLnBrk="1" latinLnBrk="0" hangingPunct="1"/>
+            <a:endParaRPr kumimoji="0" lang="en-US"/>
+          </a:p>
+        </p:txBody>
+      </p:sp>
+      <p:cxnSp>
+        <p:nvCxnSpPr>
+          <p:cNvPr id="11" name="Connecteur droit 10"/>
+          <p:cNvCxnSpPr/>
+          <p:nvPr/>
+        </p:nvCxnSpPr>
         <p:spPr>
           <a:xfrm>
-            <a:off x="457200" y="704088"/>
+            <a:off x="-9237" y="5787738"/>
+            <a:ext cx="3405509" cy="1084383"/>
+          </a:xfrm>
+          <a:prstGeom prst="line">
+            <a:avLst/>
+          </a:prstGeom>
+          <a:noFill/>
+          <a:ln w="12065" cap="flat" cmpd="sng" algn="ctr">
+            <a:gradFill>
+              <a:gsLst>
+                <a:gs pos="45000">
+                  <a:schemeClr val="accent1">
+                    <a:tint val="70000"/>
+                    <a:satMod val="110000"/>
+                  </a:schemeClr>
+                </a:gs>
+                <a:gs pos="15000">
+                  <a:schemeClr val="accent1">
+                    <a:shade val="40000"/>
+                    <a:satMod val="110000"/>
+                  </a:schemeClr>
+                </a:gs>
+              </a:gsLst>
+              <a:lin ang="5400000" scaled="1"/>
+            </a:gradFill>
+            <a:prstDash val="solid"/>
+            <a:miter lim="800000"/>
+          </a:ln>
+          <a:effectLst/>
+        </p:spPr>
+        <p:style>
+          <a:lnRef idx="2">
+            <a:schemeClr val="accent1"/>
+          </a:lnRef>
+          <a:fillRef idx="0">
+            <a:schemeClr val="accent1"/>
+          </a:fillRef>
+          <a:effectRef idx="1">
+            <a:schemeClr val="accent1"/>
+          </a:effectRef>
+          <a:fontRef idx="minor">
+            <a:schemeClr val="tx1"/>
+          </a:fontRef>
+        </p:style>
+      </p:cxnSp>
+      <p:sp>
+        <p:nvSpPr>
+          <p:cNvPr id="12" name="Chevron 11"/>
+          <p:cNvSpPr/>
+          <p:nvPr/>
+        </p:nvSpPr>
+        <p:spPr>
+          <a:xfrm>
+            <a:off x="8664112" y="4988440"/>
+            <a:ext cx="182880" cy="228600"/>
+          </a:xfrm>
+          <a:prstGeom prst="chevron">
+            <a:avLst>
+              <a:gd name="adj" fmla="val 50000"/>
+            </a:avLst>
+          </a:prstGeom>
+          <a:gradFill flip="none" rotWithShape="1">
+            <a:gsLst>
+              <a:gs pos="0">
+                <a:schemeClr val="accent1">
+                  <a:shade val="60000"/>
+                  <a:satMod val="125000"/>
+                </a:schemeClr>
+              </a:gs>
+              <a:gs pos="72000">
+                <a:schemeClr val="accent1">
+                  <a:tint val="90000"/>
+                  <a:satMod val="138000"/>
+                </a:schemeClr>
+              </a:gs>
+              <a:gs pos="100000">
+                <a:schemeClr val="accent1">
+                  <a:tint val="76000"/>
+                  <a:satMod val="136000"/>
+                </a:schemeClr>
+              </a:gs>
+            </a:gsLst>
+            <a:lin ang="16200000" scaled="0"/>
+          </a:gradFill>
+          <a:ln w="3175" cap="rnd" cmpd="sng" algn="ctr">
+            <a:solidFill>
+              <a:schemeClr val="accent1">
+                <a:shade val="50000"/>
+              </a:schemeClr>
+            </a:solidFill>
+            <a:prstDash val="solid"/>
+          </a:ln>
+          <a:effectLst>
+            <a:outerShdw blurRad="50800" dist="25400" dir="5400000">
+              <a:srgbClr val="000000">
+                <a:alpha val="46000"/>
+              </a:srgbClr>
+            </a:outerShdw>
+          </a:effectLst>
+        </p:spPr>
+        <p:style>
+          <a:lnRef idx="1">
+            <a:schemeClr val="accent1"/>
+          </a:lnRef>
+          <a:fillRef idx="3">
+            <a:schemeClr val="accent1"/>
+          </a:fillRef>
+          <a:effectRef idx="2">
+            <a:schemeClr val="accent1"/>
+          </a:effectRef>
+          <a:fontRef idx="minor">
+            <a:schemeClr val="lt1"/>
+          </a:fontRef>
+        </p:style>
+        <p:txBody>
+          <a:bodyPr anchor="ctr"/>
+          <a:lstStyle>
+            <a:extLst/>
+          </a:lstStyle>
+          <a:p>
+            <a:pPr algn="l" eaLnBrk="1" latinLnBrk="0" hangingPunct="1"/>
+            <a:endParaRPr kumimoji="0" lang="en-US"/>
+          </a:p>
+        </p:txBody>
+      </p:sp>
+      <p:sp>
+        <p:nvSpPr>
+          <p:cNvPr id="13" name="Chevron 12"/>
+          <p:cNvSpPr/>
+          <p:nvPr/>
+        </p:nvSpPr>
+        <p:spPr>
+          <a:xfrm>
+            <a:off x="8477696" y="4988440"/>
+            <a:ext cx="182880" cy="228600"/>
+          </a:xfrm>
+          <a:prstGeom prst="chevron">
+            <a:avLst>
+              <a:gd name="adj" fmla="val 50000"/>
+            </a:avLst>
+          </a:prstGeom>
+          <a:gradFill flip="none" rotWithShape="1">
+            <a:gsLst>
+              <a:gs pos="0">
+                <a:schemeClr val="accent1">
+                  <a:shade val="60000"/>
+                  <a:satMod val="125000"/>
+                </a:schemeClr>
+              </a:gs>
+              <a:gs pos="72000">
+                <a:schemeClr val="accent1">
+                  <a:tint val="90000"/>
+                  <a:satMod val="138000"/>
+                </a:schemeClr>
+              </a:gs>
+              <a:gs pos="100000">
+                <a:schemeClr val="accent1">
+                  <a:tint val="76000"/>
+                  <a:satMod val="136000"/>
+                </a:schemeClr>
+              </a:gs>
+            </a:gsLst>
+            <a:lin ang="16200000" scaled="0"/>
+          </a:gradFill>
+          <a:ln w="3175" cap="rnd" cmpd="sng" algn="ctr">
+            <a:solidFill>
+              <a:schemeClr val="accent1">
+                <a:shade val="50000"/>
+              </a:schemeClr>
+            </a:solidFill>
+            <a:prstDash val="solid"/>
+          </a:ln>
+          <a:effectLst>
+            <a:outerShdw blurRad="50800" dist="25400" dir="5400000">
+              <a:srgbClr val="000000">
+                <a:alpha val="46000"/>
+              </a:srgbClr>
+            </a:outerShdw>
+          </a:effectLst>
+        </p:spPr>
+        <p:style>
+          <a:lnRef idx="1">
+            <a:schemeClr val="accent1"/>
+          </a:lnRef>
+          <a:fillRef idx="3">
+            <a:schemeClr val="accent1"/>
+          </a:fillRef>
+          <a:effectRef idx="2">
+            <a:schemeClr val="accent1"/>
+          </a:effectRef>
+          <a:fontRef idx="minor">
+            <a:schemeClr val="lt1"/>
+          </a:fontRef>
+        </p:style>
+        <p:txBody>
+          <a:bodyPr anchor="ctr"/>
+          <a:lstStyle>
+            <a:extLst/>
+          </a:lstStyle>
+          <a:p>
+            <a:pPr algn="l" eaLnBrk="1" latinLnBrk="0" hangingPunct="1"/>
+            <a:endParaRPr kumimoji="0" lang="en-US"/>
+          </a:p>
+        </p:txBody>
+      </p:sp>
+    </p:spTree>
+  </p:cSld>
+  <p:clrMapOvr>
+    <a:overrideClrMapping bg1="dk1" tx1="lt1" bg2="dk2" tx2="lt2" accent1="accent1" accent2="accent2" accent3="accent3" accent4="accent4" accent5="accent5" accent6="accent6" hlink="hlink" folHlink="folHlink"/>
+  </p:clrMapOvr>
+</p:sldLayout>
+</file>
+
+<file path=ppt/slideMasters/slideMaster1.xml><?xml version="1.0" encoding="utf-8"?>
+<p:sldMaster xmlns:a="http://schemas.openxmlformats.org/drawingml/2006/main" xmlns:r="http://schemas.openxmlformats.org/officeDocument/2006/relationships" xmlns:p="http://schemas.openxmlformats.org/presentationml/2006/main">
+  <p:cSld>
+    <p:bg>
+      <p:bgRef idx="1001">
+        <a:schemeClr val="bg1"/>
+      </p:bgRef>
+    </p:bg>
+    <p:spTree>
+      <p:nvGrpSpPr>
+        <p:cNvPr id="1" name=""/>
+        <p:cNvGrpSpPr/>
+        <p:nvPr/>
+      </p:nvGrpSpPr>
+      <p:grpSpPr>
+        <a:xfrm>
+          <a:off x="0" y="0"/>
+          <a:ext cx="0" cy="0"/>
+          <a:chOff x="0" y="0"/>
+          <a:chExt cx="0" cy="0"/>
+        </a:xfrm>
+      </p:grpSpPr>
+      <p:sp>
+        <p:nvSpPr>
+          <p:cNvPr id="13" name="Forme libre 12"/>
+          <p:cNvSpPr>
+            <a:spLocks/>
+          </p:cNvSpPr>
+          <p:nvPr/>
+        </p:nvSpPr>
+        <p:spPr bwMode="auto">
+          <a:xfrm>
+            <a:off x="499273" y="5944936"/>
+            <a:ext cx="4940624" cy="921076"/>
+          </a:xfrm>
+          <a:custGeom>
+            <a:avLst>
+              <a:gd name="A1" fmla="val 0"/>
+              <a:gd name="A2" fmla="val 0"/>
+              <a:gd name="A3" fmla="val 0"/>
+              <a:gd name="A4" fmla="val 0"/>
+              <a:gd name="A5" fmla="val 0"/>
+              <a:gd name="A6" fmla="val 0"/>
+              <a:gd name="A7" fmla="val 0"/>
+              <a:gd name="A8" fmla="val 0"/>
+            </a:avLst>
+            <a:gdLst/>
+            <a:ahLst/>
+            <a:cxnLst>
+              <a:cxn ang="0">
+                <a:pos x="0" y="0"/>
+              </a:cxn>
+              <a:cxn ang="0">
+                <a:pos x="5760" y="0"/>
+              </a:cxn>
+              <a:cxn ang="0">
+                <a:pos x="5760" y="528"/>
+              </a:cxn>
+              <a:cxn ang="0">
+                <a:pos x="48" y="0"/>
+              </a:cxn>
+            </a:cxnLst>
+            <a:rect l="0" t="0" r="0" b="0"/>
+            <a:pathLst>
+              <a:path w="7485" h="337">
+                <a:moveTo>
+                  <a:pt x="0" y="2"/>
+                </a:moveTo>
+                <a:lnTo>
+                  <a:pt x="7485" y="337"/>
+                </a:lnTo>
+                <a:lnTo>
+                  <a:pt x="5558" y="337"/>
+                </a:lnTo>
+                <a:lnTo>
+                  <a:pt x="1" y="0"/>
+                </a:lnTo>
+              </a:path>
+            </a:pathLst>
+          </a:custGeom>
+          <a:solidFill>
+            <a:schemeClr val="accent1">
+              <a:tint val="65000"/>
+              <a:satMod val="115000"/>
+              <a:alpha val="40000"/>
+            </a:schemeClr>
+          </a:solidFill>
+          <a:ln w="9525" cap="flat" cmpd="sng" algn="ctr">
+            <a:noFill/>
+            <a:prstDash val="solid"/>
+            <a:round/>
+            <a:headEnd type="none" w="med" len="med"/>
+            <a:tailEnd type="none" w="med" len="med"/>
+          </a:ln>
+          <a:effectLst/>
+        </p:spPr>
+        <p:txBody>
+          <a:bodyPr vert="horz" wrap="square" lIns="91440" tIns="45720" rIns="91440" bIns="45720" anchor="t" compatLnSpc="1"/>
+          <a:lstStyle>
+            <a:extLst/>
+          </a:lstStyle>
+          <a:p>
+            <a:endParaRPr kumimoji="0" lang="en-US"/>
+          </a:p>
+        </p:txBody>
+      </p:sp>
+      <p:sp>
+        <p:nvSpPr>
+          <p:cNvPr id="12" name="Forme libre 11"/>
+          <p:cNvSpPr>
+            <a:spLocks/>
+          </p:cNvSpPr>
+          <p:nvPr/>
+        </p:nvSpPr>
+        <p:spPr bwMode="auto">
+          <a:xfrm>
+            <a:off x="485717" y="5939011"/>
+            <a:ext cx="3690451" cy="933450"/>
+          </a:xfrm>
+          <a:custGeom>
+            <a:avLst>
+              <a:gd name="A1" fmla="val 0"/>
+              <a:gd name="A2" fmla="val 0"/>
+              <a:gd name="A3" fmla="val 0"/>
+              <a:gd name="A4" fmla="val 0"/>
+              <a:gd name="A5" fmla="val 0"/>
+              <a:gd name="A6" fmla="val 0"/>
+              <a:gd name="A7" fmla="val 0"/>
+              <a:gd name="A8" fmla="val 0"/>
+            </a:avLst>
+            <a:gdLst/>
+            <a:ahLst/>
+            <a:cxnLst>
+              <a:cxn ang="0">
+                <a:pos x="0" y="0"/>
+              </a:cxn>
+              <a:cxn ang="0">
+                <a:pos x="5760" y="0"/>
+              </a:cxn>
+              <a:cxn ang="0">
+                <a:pos x="5760" y="528"/>
+              </a:cxn>
+              <a:cxn ang="0">
+                <a:pos x="48" y="0"/>
+              </a:cxn>
+            </a:cxnLst>
+            <a:rect l="0" t="0" r="0" b="0"/>
+            <a:pathLst>
+              <a:path w="5591" h="588">
+                <a:moveTo>
+                  <a:pt x="0" y="0"/>
+                </a:moveTo>
+                <a:lnTo>
+                  <a:pt x="5591" y="585"/>
+                </a:lnTo>
+                <a:lnTo>
+                  <a:pt x="4415" y="588"/>
+                </a:lnTo>
+                <a:lnTo>
+                  <a:pt x="12" y="4"/>
+                </a:lnTo>
+              </a:path>
+            </a:pathLst>
+          </a:custGeom>
+          <a:solidFill>
+            <a:srgbClr val="000000">
+              <a:alpha val="100000"/>
+            </a:srgbClr>
+          </a:solidFill>
+          <a:ln w="9525" cap="flat" cmpd="sng" algn="ctr">
+            <a:noFill/>
+            <a:prstDash val="solid"/>
+            <a:round/>
+            <a:headEnd type="none" w="med" len="med"/>
+            <a:tailEnd type="none" w="med" len="med"/>
+          </a:ln>
+          <a:effectLst/>
+        </p:spPr>
+        <p:txBody>
+          <a:bodyPr vert="horz" wrap="square" lIns="91440" tIns="45720" rIns="91440" bIns="45720" anchor="t" compatLnSpc="1"/>
+          <a:lstStyle>
+            <a:extLst/>
+          </a:lstStyle>
+          <a:p>
+            <a:endParaRPr kumimoji="0" lang="en-US"/>
+          </a:p>
+        </p:txBody>
+      </p:sp>
+      <p:sp>
+        <p:nvSpPr>
+          <p:cNvPr id="14" name="Triangle rectangle 13"/>
+          <p:cNvSpPr>
+            <a:spLocks/>
+          </p:cNvSpPr>
+          <p:nvPr/>
+        </p:nvSpPr>
+        <p:spPr bwMode="auto">
+          <a:xfrm>
+            <a:off x="-6042" y="5791253"/>
+            <a:ext cx="3402314" cy="1080868"/>
+          </a:xfrm>
+          <a:prstGeom prst="rtTriangle">
+            <a:avLst/>
+          </a:prstGeom>
+          <a:blipFill>
+            <a:blip r:embed="rId13" cstate="print">
+              <a:alphaModFix amt="50000"/>
+            </a:blip>
+            <a:tile tx="0" ty="0" sx="50000" sy="50000" flip="none" algn="t"/>
+          </a:blipFill>
+          <a:ln w="12700" cap="rnd" cmpd="thickThin" algn="ctr">
+            <a:noFill/>
+            <a:prstDash val="solid"/>
+          </a:ln>
+          <a:effectLst>
+            <a:fillOverlay blend="mult">
+              <a:gradFill flip="none" rotWithShape="1">
+                <a:gsLst>
+                  <a:gs pos="0">
+                    <a:schemeClr val="accent1">
+                      <a:shade val="20000"/>
+                      <a:satMod val="176000"/>
+                      <a:alpha val="100000"/>
+                    </a:schemeClr>
+                  </a:gs>
+                  <a:gs pos="18000">
+                    <a:schemeClr val="accent1">
+                      <a:shade val="48000"/>
+                      <a:satMod val="153000"/>
+                      <a:alpha val="100000"/>
+                    </a:schemeClr>
+                  </a:gs>
+                  <a:gs pos="43000">
+                    <a:schemeClr val="accent1">
+                      <a:tint val="86000"/>
+                      <a:satMod val="149000"/>
+                      <a:alpha val="100000"/>
+                    </a:schemeClr>
+                  </a:gs>
+                  <a:gs pos="45000">
+                    <a:schemeClr val="accent1">
+                      <a:tint val="85000"/>
+                      <a:satMod val="150000"/>
+                      <a:alpha val="100000"/>
+                    </a:schemeClr>
+                  </a:gs>
+                  <a:gs pos="50000">
+                    <a:schemeClr val="accent1">
+                      <a:tint val="86000"/>
+                      <a:satMod val="149000"/>
+                      <a:alpha val="100000"/>
+                    </a:schemeClr>
+                  </a:gs>
+                  <a:gs pos="79000">
+                    <a:schemeClr val="accent1">
+                      <a:shade val="53000"/>
+                      <a:satMod val="150000"/>
+                      <a:alpha val="100000"/>
+                    </a:schemeClr>
+                  </a:gs>
+                  <a:gs pos="100000">
+                    <a:schemeClr val="accent1">
+                      <a:shade val="25000"/>
+                      <a:satMod val="170000"/>
+                      <a:alpha val="100000"/>
+                    </a:schemeClr>
+                  </a:gs>
+                </a:gsLst>
+                <a:lin ang="450000" scaled="1"/>
+                <a:tileRect/>
+              </a:gradFill>
+            </a:fillOverlay>
+          </a:effectLst>
+        </p:spPr>
+        <p:style>
+          <a:lnRef idx="3">
+            <a:schemeClr val="lt1"/>
+          </a:lnRef>
+          <a:fillRef idx="1">
+            <a:schemeClr val="accent1"/>
+          </a:fillRef>
+          <a:effectRef idx="1">
+            <a:schemeClr val="accent1"/>
+          </a:effectRef>
+          <a:fontRef idx="minor">
+            <a:schemeClr val="lt1"/>
+          </a:fontRef>
+        </p:style>
+        <p:txBody>
+          <a:bodyPr vert="horz" wrap="square" lIns="91440" tIns="45720" rIns="91440" bIns="45720" anchor="ctr" compatLnSpc="1"/>
+          <a:lstStyle>
+            <a:extLst/>
+          </a:lstStyle>
+          <a:p>
+            <a:pPr algn="ctr" eaLnBrk="1" latinLnBrk="0" hangingPunct="1"/>
+            <a:endParaRPr kumimoji="0" lang="en-US"/>
+          </a:p>
+        </p:txBody>
+      </p:sp>
+      <p:cxnSp>
+        <p:nvCxnSpPr>
+          <p:cNvPr id="15" name="Connecteur droit 14"/>
+          <p:cNvCxnSpPr/>
+          <p:nvPr/>
+        </p:nvCxnSpPr>
+        <p:spPr>
+          <a:xfrm>
+            <a:off x="-9237" y="5787738"/>
+            <a:ext cx="3405509" cy="1084383"/>
+          </a:xfrm>
+          <a:prstGeom prst="line">
+            <a:avLst/>
+          </a:prstGeom>
+          <a:noFill/>
+          <a:ln w="12065" cap="flat" cmpd="sng" algn="ctr">
+            <a:gradFill>
+              <a:gsLst>
+                <a:gs pos="45000">
+                  <a:schemeClr val="accent1">
+                    <a:tint val="70000"/>
+                    <a:satMod val="110000"/>
+                  </a:schemeClr>
+                </a:gs>
+                <a:gs pos="15000">
+                  <a:schemeClr val="accent1">
+                    <a:shade val="40000"/>
+                    <a:satMod val="110000"/>
+                  </a:schemeClr>
+                </a:gs>
+              </a:gsLst>
+              <a:lin ang="5400000" scaled="1"/>
+            </a:gradFill>
+            <a:prstDash val="solid"/>
+            <a:miter lim="800000"/>
+          </a:ln>
+          <a:effectLst/>
+        </p:spPr>
+        <p:style>
+          <a:lnRef idx="2">
+            <a:schemeClr val="accent1"/>
+          </a:lnRef>
+          <a:fillRef idx="0">
+            <a:schemeClr val="accent1"/>
+          </a:fillRef>
+          <a:effectRef idx="1">
+            <a:schemeClr val="accent1"/>
+          </a:effectRef>
+          <a:fontRef idx="minor">
+            <a:schemeClr val="tx1"/>
+          </a:fontRef>
+        </p:style>
+      </p:cxnSp>
+      <p:sp>
+        <p:nvSpPr>
+          <p:cNvPr id="9" name="Espace réservé du titre 8"/>
+          <p:cNvSpPr>
+            <a:spLocks noGrp="1"/>
+          </p:cNvSpPr>
+          <p:nvPr>
+            <p:ph type="title"/>
+          </p:nvPr>
+        </p:nvSpPr>
+        <p:spPr>
+          <a:xfrm>
+            <a:off x="457200" y="274638"/>
             <a:ext cx="8229600" cy="1143000"/>
           </a:xfrm>
           <a:prstGeom prst="rect">
@@ -3149,10 +4094,19 @@
           </a:prstGeom>
         </p:spPr>
         <p:txBody>
-          <a:bodyPr vert="horz" lIns="0" rIns="0" bIns="0" anchor="b">
+          <a:bodyPr vert="horz" anchor="ctr">
             <a:normAutofit/>
+            <a:scene3d>
+              <a:camera prst="orthographicFront"/>
+              <a:lightRig rig="soft" dir="t"/>
+            </a:scene3d>
+            <a:sp3d prstMaterial="softEdge">
+              <a:bevelT w="25400" h="25400"/>
+            </a:sp3d>
           </a:bodyPr>
-          <a:lstStyle/>
+          <a:lstStyle>
+            <a:extLst/>
+          </a:lstStyle>
           <a:p>
             <a:r>
               <a:rPr kumimoji="0" lang="fr-FR" smtClean="0"/>
@@ -3174,8 +4128,8 @@
         </p:nvSpPr>
         <p:spPr>
           <a:xfrm>
-            <a:off x="457200" y="1935480"/>
-            <a:ext cx="8229600" cy="4389120"/>
+            <a:off x="457200" y="1481328"/>
+            <a:ext cx="8229600" cy="4525963"/>
           </a:xfrm>
           <a:prstGeom prst="rect">
             <a:avLst/>
@@ -3185,7 +4139,9 @@
           <a:bodyPr vert="horz">
             <a:normAutofit/>
           </a:bodyPr>
-          <a:lstStyle/>
+          <a:lstStyle>
+            <a:extLst/>
+          </a:lstStyle>
           <a:p>
             <a:pPr lvl="0" eaLnBrk="1" latinLnBrk="0" hangingPunct="1"/>
             <a:r>
@@ -3236,25 +4192,24 @@
         </p:nvSpPr>
         <p:spPr>
           <a:xfrm>
-            <a:off x="457200" y="6356350"/>
-            <a:ext cx="2133600" cy="365125"/>
+            <a:off x="6727032" y="6407944"/>
+            <a:ext cx="1920240" cy="365760"/>
           </a:xfrm>
           <a:prstGeom prst="rect">
             <a:avLst/>
           </a:prstGeom>
         </p:spPr>
         <p:txBody>
-          <a:bodyPr vert="horz" lIns="0" tIns="0" rIns="0" bIns="0" anchor="b"/>
+          <a:bodyPr vert="horz" anchor="b"/>
           <a:lstStyle>
             <a:lvl1pPr algn="l" eaLnBrk="1" latinLnBrk="0" hangingPunct="1">
-              <a:defRPr kumimoji="0" sz="1200">
+              <a:defRPr kumimoji="0" sz="1000">
                 <a:solidFill>
-                  <a:schemeClr val="tx2">
-                    <a:shade val="90000"/>
-                  </a:schemeClr>
+                  <a:schemeClr val="tx1"/>
                 </a:solidFill>
               </a:defRPr>
             </a:lvl1pPr>
+            <a:extLst/>
           </a:lstStyle>
           <a:p>
             <a:fld id="{AA309A6D-C09C-4548-B29A-6CF363A7E532}" type="datetimeFigureOut">
@@ -3278,25 +4233,24 @@
         </p:nvSpPr>
         <p:spPr>
           <a:xfrm>
-            <a:off x="2667000" y="6356350"/>
-            <a:ext cx="3352800" cy="365125"/>
+            <a:off x="4380072" y="6407944"/>
+            <a:ext cx="2350681" cy="365125"/>
           </a:xfrm>
           <a:prstGeom prst="rect">
             <a:avLst/>
           </a:prstGeom>
         </p:spPr>
         <p:txBody>
-          <a:bodyPr vert="horz" lIns="0" tIns="0" rIns="0" bIns="0" anchor="b"/>
-          <a:lstStyle>
-            <a:lvl1pPr algn="l" eaLnBrk="1" latinLnBrk="0" hangingPunct="1">
-              <a:defRPr kumimoji="0" sz="1200">
+          <a:bodyPr vert="horz" anchor="b"/>
+          <a:lstStyle>
+            <a:lvl1pPr algn="r" eaLnBrk="1" latinLnBrk="0" hangingPunct="1">
+              <a:defRPr kumimoji="0" sz="1000">
                 <a:solidFill>
-                  <a:schemeClr val="tx2">
-                    <a:shade val="90000"/>
-                  </a:schemeClr>
+                  <a:schemeClr val="tx1"/>
                 </a:solidFill>
               </a:defRPr>
             </a:lvl1pPr>
+            <a:extLst/>
           </a:lstStyle>
           <a:p>
             <a:endParaRPr lang="fr-BE"/>
@@ -3315,25 +4269,24 @@
         </p:nvSpPr>
         <p:spPr>
           <a:xfrm>
-            <a:off x="7924800" y="6356350"/>
-            <a:ext cx="762000" cy="365125"/>
+            <a:off x="8647272" y="6407944"/>
+            <a:ext cx="365760" cy="365125"/>
           </a:xfrm>
           <a:prstGeom prst="rect">
             <a:avLst/>
           </a:prstGeom>
         </p:spPr>
         <p:txBody>
-          <a:bodyPr vert="horz" lIns="0" tIns="0" rIns="0" bIns="0" anchor="b"/>
+          <a:bodyPr vert="horz" anchor="b"/>
           <a:lstStyle>
             <a:lvl1pPr algn="r" eaLnBrk="1" latinLnBrk="0" hangingPunct="1">
-              <a:defRPr kumimoji="0" sz="1200">
+              <a:defRPr kumimoji="0" sz="1000" b="0">
                 <a:solidFill>
-                  <a:schemeClr val="tx2">
-                    <a:shade val="90000"/>
-                  </a:schemeClr>
+                  <a:schemeClr val="tx1"/>
                 </a:solidFill>
               </a:defRPr>
             </a:lvl1pPr>
+            <a:extLst/>
           </a:lstStyle>
           <a:p>
             <a:fld id="{CF4668DC-857F-487D-BFFA-8C0CA5037977}" type="slidenum">
@@ -3345,235 +4298,21 @@
           </a:p>
         </p:txBody>
       </p:sp>
-      <p:grpSp>
-        <p:nvGrpSpPr>
-          <p:cNvPr id="2" name="Groupe 1"/>
-          <p:cNvGrpSpPr/>
-          <p:nvPr/>
-        </p:nvGrpSpPr>
-        <p:grpSpPr>
-          <a:xfrm>
-            <a:off x="-19017" y="202408"/>
-            <a:ext cx="9180548" cy="649224"/>
-            <a:chOff x="-19045" y="216550"/>
-            <a:chExt cx="9180548" cy="649224"/>
-          </a:xfrm>
-        </p:grpSpPr>
-        <p:sp>
-          <p:nvSpPr>
-            <p:cNvPr id="12" name="Forme libre 11"/>
-            <p:cNvSpPr>
-              <a:spLocks/>
-            </p:cNvSpPr>
-            <p:nvPr/>
-          </p:nvSpPr>
-          <p:spPr bwMode="auto">
-            <a:xfrm rot="21435692">
-              <a:off x="-19045" y="216550"/>
-              <a:ext cx="9163050" cy="649224"/>
-            </a:xfrm>
-            <a:custGeom>
-              <a:avLst>
-                <a:gd name="A1" fmla="val 0"/>
-                <a:gd name="A2" fmla="val 0"/>
-                <a:gd name="A3" fmla="val 0"/>
-                <a:gd name="A4" fmla="val 0"/>
-                <a:gd name="A5" fmla="val 0"/>
-                <a:gd name="A6" fmla="val 0"/>
-                <a:gd name="A7" fmla="val 0"/>
-                <a:gd name="A8" fmla="val 0"/>
-              </a:avLst>
-              <a:gdLst/>
-              <a:ahLst/>
-              <a:cxnLst>
-                <a:cxn ang="0">
-                  <a:pos x="0" y="966"/>
-                </a:cxn>
-                <a:cxn ang="0">
-                  <a:pos x="1608" y="282"/>
-                </a:cxn>
-                <a:cxn ang="0">
-                  <a:pos x="4110" y="1008"/>
-                </a:cxn>
-                <a:cxn ang="0">
-                  <a:pos x="5772" y="0"/>
-                </a:cxn>
-              </a:cxnLst>
-              <a:rect l="0" t="0" r="0" b="0"/>
-              <a:pathLst>
-                <a:path w="5772" h="1055">
-                  <a:moveTo>
-                    <a:pt x="0" y="966"/>
-                  </a:moveTo>
-                  <a:cubicBezTo>
-                    <a:pt x="282" y="738"/>
-                    <a:pt x="923" y="275"/>
-                    <a:pt x="1608" y="282"/>
-                  </a:cubicBezTo>
-                  <a:cubicBezTo>
-                    <a:pt x="2293" y="289"/>
-                    <a:pt x="3416" y="1055"/>
-                    <a:pt x="4110" y="1008"/>
-                  </a:cubicBezTo>
-                  <a:cubicBezTo>
-                    <a:pt x="4804" y="961"/>
-                    <a:pt x="5426" y="210"/>
-                    <a:pt x="5772" y="0"/>
-                  </a:cubicBezTo>
-                </a:path>
-              </a:pathLst>
-            </a:custGeom>
-            <a:noFill/>
-            <a:ln w="10795" cap="flat" cmpd="sng" algn="ctr">
-              <a:gradFill>
-                <a:gsLst>
-                  <a:gs pos="74000">
-                    <a:schemeClr val="accent3">
-                      <a:shade val="75000"/>
-                    </a:schemeClr>
-                  </a:gs>
-                  <a:gs pos="86000">
-                    <a:schemeClr val="tx1">
-                      <a:alpha val="29000"/>
-                    </a:schemeClr>
-                  </a:gs>
-                  <a:gs pos="16000">
-                    <a:schemeClr val="accent2">
-                      <a:shade val="75000"/>
-                      <a:alpha val="56000"/>
-                    </a:schemeClr>
-                  </a:gs>
-                </a:gsLst>
-                <a:lin ang="5400000" scaled="1"/>
-              </a:gradFill>
-              <a:prstDash val="solid"/>
-              <a:round/>
-              <a:headEnd type="none" w="med" len="med"/>
-              <a:tailEnd type="none" w="med" len="med"/>
-            </a:ln>
-            <a:effectLst/>
-          </p:spPr>
-          <p:txBody>
-            <a:bodyPr vert="horz" wrap="square" lIns="91440" tIns="45720" rIns="91440" bIns="45720" anchor="t" compatLnSpc="1"/>
-            <a:lstStyle/>
-            <a:p>
-              <a:endParaRPr kumimoji="0" lang="en-US"/>
-            </a:p>
-          </p:txBody>
-        </p:sp>
-        <p:sp>
-          <p:nvSpPr>
-            <p:cNvPr id="13" name="Forme libre 12"/>
-            <p:cNvSpPr>
-              <a:spLocks/>
-            </p:cNvSpPr>
-            <p:nvPr/>
-          </p:nvSpPr>
-          <p:spPr bwMode="auto">
-            <a:xfrm rot="21435692">
-              <a:off x="-14309" y="290003"/>
-              <a:ext cx="9175812" cy="530352"/>
-            </a:xfrm>
-            <a:custGeom>
-              <a:avLst>
-                <a:gd name="A1" fmla="val 0"/>
-                <a:gd name="A2" fmla="val 0"/>
-                <a:gd name="A3" fmla="val 0"/>
-                <a:gd name="A4" fmla="val 0"/>
-                <a:gd name="A5" fmla="val 0"/>
-                <a:gd name="A6" fmla="val 0"/>
-                <a:gd name="A7" fmla="val 0"/>
-                <a:gd name="A8" fmla="val 0"/>
-              </a:avLst>
-              <a:gdLst/>
-              <a:ahLst/>
-              <a:cxnLst>
-                <a:cxn ang="0">
-                  <a:pos x="0" y="732"/>
-                </a:cxn>
-                <a:cxn ang="0">
-                  <a:pos x="1638" y="228"/>
-                </a:cxn>
-                <a:cxn ang="0">
-                  <a:pos x="4122" y="816"/>
-                </a:cxn>
-                <a:cxn ang="0">
-                  <a:pos x="5766" y="0"/>
-                </a:cxn>
-              </a:cxnLst>
-              <a:rect l="0" t="0" r="0" b="0"/>
-              <a:pathLst>
-                <a:path w="5766" h="854">
-                  <a:moveTo>
-                    <a:pt x="0" y="732"/>
-                  </a:moveTo>
-                  <a:cubicBezTo>
-                    <a:pt x="273" y="647"/>
-                    <a:pt x="951" y="214"/>
-                    <a:pt x="1638" y="228"/>
-                  </a:cubicBezTo>
-                  <a:cubicBezTo>
-                    <a:pt x="2325" y="242"/>
-                    <a:pt x="3434" y="854"/>
-                    <a:pt x="4122" y="816"/>
-                  </a:cubicBezTo>
-                  <a:cubicBezTo>
-                    <a:pt x="4810" y="778"/>
-                    <a:pt x="5424" y="170"/>
-                    <a:pt x="5766" y="0"/>
-                  </a:cubicBezTo>
-                </a:path>
-              </a:pathLst>
-            </a:custGeom>
-            <a:noFill/>
-            <a:ln w="9525" cap="flat" cmpd="sng" algn="ctr">
-              <a:gradFill>
-                <a:gsLst>
-                  <a:gs pos="74000">
-                    <a:schemeClr val="accent4"/>
-                  </a:gs>
-                  <a:gs pos="44000">
-                    <a:schemeClr val="accent1"/>
-                  </a:gs>
-                  <a:gs pos="33000">
-                    <a:schemeClr val="accent2">
-                      <a:alpha val="56000"/>
-                    </a:schemeClr>
-                  </a:gs>
-                </a:gsLst>
-                <a:lin ang="5400000" scaled="1"/>
-              </a:gradFill>
-              <a:prstDash val="solid"/>
-              <a:round/>
-              <a:headEnd type="none" w="med" len="med"/>
-              <a:tailEnd type="none" w="med" len="med"/>
-            </a:ln>
-            <a:effectLst/>
-          </p:spPr>
-          <p:txBody>
-            <a:bodyPr vert="horz" wrap="square" lIns="91440" tIns="45720" rIns="91440" bIns="45720" anchor="t" compatLnSpc="1"/>
-            <a:lstStyle/>
-            <a:p>
-              <a:endParaRPr kumimoji="0" lang="en-US"/>
-            </a:p>
-          </p:txBody>
-        </p:sp>
-      </p:grpSp>
     </p:spTree>
   </p:cSld>
   <p:clrMap bg1="lt1" tx1="dk1" bg2="lt2" tx2="dk2" accent1="accent1" accent2="accent2" accent3="accent3" accent4="accent4" accent5="accent5" accent6="accent6" hlink="hlink" folHlink="folHlink"/>
   <p:sldLayoutIdLst>
-    <p:sldLayoutId id="2147483661" r:id="rId1"/>
-    <p:sldLayoutId id="2147483662" r:id="rId2"/>
-    <p:sldLayoutId id="2147483663" r:id="rId3"/>
-    <p:sldLayoutId id="2147483664" r:id="rId4"/>
-    <p:sldLayoutId id="2147483665" r:id="rId5"/>
-    <p:sldLayoutId id="2147483666" r:id="rId6"/>
-    <p:sldLayoutId id="2147483667" r:id="rId7"/>
-    <p:sldLayoutId id="2147483668" r:id="rId8"/>
-    <p:sldLayoutId id="2147483669" r:id="rId9"/>
-    <p:sldLayoutId id="2147483670" r:id="rId10"/>
-    <p:sldLayoutId id="2147483671" r:id="rId11"/>
+    <p:sldLayoutId id="2147483673" r:id="rId1"/>
+    <p:sldLayoutId id="2147483674" r:id="rId2"/>
+    <p:sldLayoutId id="2147483675" r:id="rId3"/>
+    <p:sldLayoutId id="2147483676" r:id="rId4"/>
+    <p:sldLayoutId id="2147483677" r:id="rId5"/>
+    <p:sldLayoutId id="2147483678" r:id="rId6"/>
+    <p:sldLayoutId id="2147483679" r:id="rId7"/>
+    <p:sldLayoutId id="2147483680" r:id="rId8"/>
+    <p:sldLayoutId id="2147483681" r:id="rId9"/>
+    <p:sldLayoutId id="2147483682" r:id="rId10"/>
+    <p:sldLayoutId id="2147483683" r:id="rId11"/>
   </p:sldLayoutIdLst>
   <p:txStyles>
     <p:titleStyle>
@@ -3582,32 +4321,39 @@
           <a:spcPct val="0"/>
         </a:spcBef>
         <a:buNone/>
-        <a:defRPr kumimoji="0" sz="5000" b="0" kern="1200">
-          <a:ln>
-            <a:noFill/>
-          </a:ln>
+        <a:defRPr kumimoji="0" sz="4100" b="1" kern="1200">
           <a:solidFill>
             <a:schemeClr val="tx2"/>
           </a:solidFill>
-          <a:effectLst/>
+          <a:effectLst>
+            <a:outerShdw blurRad="31750" dist="25400" dir="5400000" algn="tl" rotWithShape="0">
+              <a:srgbClr val="000000">
+                <a:alpha val="25000"/>
+              </a:srgbClr>
+            </a:outerShdw>
+          </a:effectLst>
           <a:latin typeface="+mj-lt"/>
           <a:ea typeface="+mj-ea"/>
           <a:cs typeface="+mj-cs"/>
         </a:defRPr>
       </a:lvl1pPr>
+      <a:extLst/>
     </p:titleStyle>
     <p:bodyStyle>
-      <a:lvl1pPr marL="274320" indent="-274320" algn="l" rtl="0" eaLnBrk="1" latinLnBrk="0" hangingPunct="1">
+      <a:lvl1pPr marL="365760" indent="-256032" algn="l" rtl="0" eaLnBrk="1" latinLnBrk="0" hangingPunct="1">
         <a:spcBef>
-          <a:spcPct val="20000"/>
+          <a:spcPts val="400"/>
         </a:spcBef>
+        <a:spcAft>
+          <a:spcPts val="0"/>
+        </a:spcAft>
         <a:buClr>
-          <a:schemeClr val="accent3"/>
+          <a:schemeClr val="accent1"/>
         </a:buClr>
-        <a:buSzPct val="95000"/>
-        <a:buFont typeface="Wingdings 2"/>
-        <a:buChar char=""/>
-        <a:defRPr kumimoji="0" sz="2600" kern="1200">
+        <a:buSzPct val="68000"/>
+        <a:buFont typeface="Wingdings 3"/>
+        <a:buChar char=""/>
+        <a:defRPr kumimoji="0" sz="2700" kern="1200">
           <a:solidFill>
             <a:schemeClr val="tx1"/>
           </a:solidFill>
@@ -3616,17 +4362,16 @@
           <a:cs typeface="+mn-cs"/>
         </a:defRPr>
       </a:lvl1pPr>
-      <a:lvl2pPr marL="640080" indent="-246888" algn="l" rtl="0" eaLnBrk="1" latinLnBrk="0" hangingPunct="1">
+      <a:lvl2pPr marL="621792" indent="-228600" algn="l" rtl="0" eaLnBrk="1" latinLnBrk="0" hangingPunct="1">
         <a:spcBef>
-          <a:spcPct val="20000"/>
+          <a:spcPts val="324"/>
         </a:spcBef>
         <a:buClr>
           <a:schemeClr val="accent1"/>
         </a:buClr>
-        <a:buSzPct val="85000"/>
-        <a:buFont typeface="Wingdings 2"/>
-        <a:buChar char=""/>
-        <a:defRPr kumimoji="0" sz="2400" kern="1200">
+        <a:buFont typeface="Verdana"/>
+        <a:buChar char="◦"/>
+        <a:defRPr kumimoji="0" sz="2300" kern="1200">
           <a:solidFill>
             <a:schemeClr val="tx1"/>
           </a:solidFill>
@@ -3635,16 +4380,16 @@
           <a:cs typeface="+mn-cs"/>
         </a:defRPr>
       </a:lvl2pPr>
-      <a:lvl3pPr marL="914400" indent="-246888" algn="l" rtl="0" eaLnBrk="1" latinLnBrk="0" hangingPunct="1">
+      <a:lvl3pPr marL="859536" indent="-228600" algn="l" rtl="0" eaLnBrk="1" latinLnBrk="0" hangingPunct="1">
         <a:spcBef>
-          <a:spcPct val="20000"/>
+          <a:spcPts val="350"/>
         </a:spcBef>
         <a:buClr>
           <a:schemeClr val="accent2"/>
         </a:buClr>
-        <a:buSzPct val="70000"/>
+        <a:buSzPct val="100000"/>
         <a:buFont typeface="Wingdings 2"/>
-        <a:buChar char=""/>
+        <a:buChar char=""/>
         <a:defRPr kumimoji="0" sz="2100" kern="1200">
           <a:solidFill>
             <a:schemeClr val="tx1"/>
@@ -3654,17 +4399,16 @@
           <a:cs typeface="+mn-cs"/>
         </a:defRPr>
       </a:lvl3pPr>
-      <a:lvl4pPr marL="1188720" indent="-210312" algn="l" rtl="0" eaLnBrk="1" latinLnBrk="0" hangingPunct="1">
+      <a:lvl4pPr marL="1143000" indent="-228600" algn="l" rtl="0" eaLnBrk="1" latinLnBrk="0" hangingPunct="1">
         <a:spcBef>
-          <a:spcPct val="20000"/>
+          <a:spcPts val="350"/>
         </a:spcBef>
         <a:buClr>
-          <a:schemeClr val="accent3"/>
+          <a:schemeClr val="accent2"/>
         </a:buClr>
-        <a:buSzPct val="65000"/>
         <a:buFont typeface="Wingdings 2"/>
-        <a:buChar char=""/>
-        <a:defRPr kumimoji="0" sz="2000" kern="1200">
+        <a:buChar char=""/>
+        <a:defRPr kumimoji="0" sz="1900" kern="1200">
           <a:solidFill>
             <a:schemeClr val="tx1"/>
           </a:solidFill>
@@ -3673,17 +4417,16 @@
           <a:cs typeface="+mn-cs"/>
         </a:defRPr>
       </a:lvl4pPr>
-      <a:lvl5pPr marL="1463040" indent="-210312" algn="l" rtl="0" eaLnBrk="1" latinLnBrk="0" hangingPunct="1">
+      <a:lvl5pPr marL="1371600" indent="-228600" algn="l" rtl="0" eaLnBrk="1" latinLnBrk="0" hangingPunct="1">
         <a:spcBef>
-          <a:spcPct val="20000"/>
+          <a:spcPts val="350"/>
         </a:spcBef>
         <a:buClr>
-          <a:schemeClr val="accent4"/>
+          <a:schemeClr val="accent2"/>
         </a:buClr>
-        <a:buSzPct val="65000"/>
         <a:buFont typeface="Wingdings 2"/>
-        <a:buChar char=""/>
-        <a:defRPr kumimoji="0" sz="2000" kern="1200">
+        <a:buChar char=""/>
+        <a:defRPr kumimoji="0" sz="1800" kern="1200">
           <a:solidFill>
             <a:schemeClr val="tx1"/>
           </a:solidFill>
@@ -3692,16 +4435,15 @@
           <a:cs typeface="+mn-cs"/>
         </a:defRPr>
       </a:lvl5pPr>
-      <a:lvl6pPr marL="1737360" indent="-210312" algn="l" rtl="0" eaLnBrk="1" latinLnBrk="0" hangingPunct="1">
+      <a:lvl6pPr marL="1600200" indent="-228600" algn="l" rtl="0" eaLnBrk="1" latinLnBrk="0" hangingPunct="1">
         <a:spcBef>
-          <a:spcPct val="20000"/>
+          <a:spcPts val="350"/>
         </a:spcBef>
         <a:buClr>
-          <a:schemeClr val="accent5"/>
+          <a:schemeClr val="accent3"/>
         </a:buClr>
-        <a:buSzPct val="80000"/>
         <a:buFont typeface="Wingdings 2"/>
-        <a:buChar char=""/>
+        <a:buChar char=""/>
         <a:defRPr kumimoji="0" sz="1800" kern="1200">
           <a:solidFill>
             <a:schemeClr val="tx1"/>
@@ -3711,17 +4453,16 @@
           <a:cs typeface="+mn-cs"/>
         </a:defRPr>
       </a:lvl6pPr>
-      <a:lvl7pPr marL="1920240" indent="-182880" algn="l" rtl="0" eaLnBrk="1" latinLnBrk="0" hangingPunct="1">
+      <a:lvl7pPr marL="1828800" indent="-228600" algn="l" rtl="0" eaLnBrk="1" latinLnBrk="0" hangingPunct="1">
         <a:spcBef>
-          <a:spcPct val="20000"/>
+          <a:spcPts val="350"/>
         </a:spcBef>
         <a:buClr>
-          <a:schemeClr val="accent6"/>
+          <a:schemeClr val="accent3"/>
         </a:buClr>
-        <a:buSzPct val="80000"/>
         <a:buFont typeface="Wingdings 2"/>
-        <a:buChar char=""/>
-        <a:defRPr kumimoji="0" sz="1600" kern="1200" baseline="0">
+        <a:buChar char=""/>
+        <a:defRPr kumimoji="0" sz="1600" kern="1200">
           <a:solidFill>
             <a:schemeClr val="tx1"/>
           </a:solidFill>
@@ -3730,14 +4471,15 @@
           <a:cs typeface="+mn-cs"/>
         </a:defRPr>
       </a:lvl7pPr>
-      <a:lvl8pPr marL="2194560" indent="-182880" algn="l" rtl="0" eaLnBrk="1" latinLnBrk="0" hangingPunct="1">
+      <a:lvl8pPr marL="2057400" indent="-228600" algn="l" rtl="0" eaLnBrk="1" latinLnBrk="0" hangingPunct="1">
         <a:spcBef>
-          <a:spcPct val="20000"/>
+          <a:spcPts val="350"/>
         </a:spcBef>
         <a:buClr>
-          <a:schemeClr val="tx2"/>
+          <a:schemeClr val="accent3"/>
         </a:buClr>
-        <a:buChar char="•"/>
+        <a:buFont typeface="Wingdings 2"/>
+        <a:buChar char=""/>
         <a:defRPr kumimoji="0" sz="1600" kern="1200">
           <a:solidFill>
             <a:schemeClr val="tx1"/>
@@ -3747,16 +4489,16 @@
           <a:cs typeface="+mn-cs"/>
         </a:defRPr>
       </a:lvl8pPr>
-      <a:lvl9pPr marL="2468880" indent="-182880" algn="l" rtl="0" eaLnBrk="1" latinLnBrk="0" hangingPunct="1">
+      <a:lvl9pPr marL="2286000" indent="-228600" algn="l" rtl="0" eaLnBrk="1" latinLnBrk="0" hangingPunct="1">
         <a:spcBef>
-          <a:spcPct val="20000"/>
+          <a:spcPts val="350"/>
         </a:spcBef>
         <a:buClr>
-          <a:schemeClr val="tx2"/>
+          <a:schemeClr val="accent3"/>
         </a:buClr>
-        <a:buFontTx/>
-        <a:buChar char="•"/>
-        <a:defRPr kumimoji="0" sz="1400" kern="1200" baseline="0">
+        <a:buFont typeface="Wingdings 2"/>
+        <a:buChar char=""/>
+        <a:defRPr kumimoji="0" sz="1600" kern="1200" baseline="0">
           <a:solidFill>
             <a:schemeClr val="tx1"/>
           </a:solidFill>
@@ -3765,6 +4507,7 @@
           <a:cs typeface="+mn-cs"/>
         </a:defRPr>
       </a:lvl9pPr>
+      <a:extLst/>
     </p:bodyStyle>
     <p:otherStyle>
       <a:lvl1pPr marL="0" algn="l" rtl="0" eaLnBrk="1" latinLnBrk="0" hangingPunct="1">
@@ -3857,6 +4600,7 @@
           <a:cs typeface="+mn-cs"/>
         </a:defRPr>
       </a:lvl9pPr>
+      <a:extLst/>
     </p:otherStyle>
   </p:txStyles>
 </p:sldMaster>
@@ -3921,18 +4665,236 @@
         </p:nvSpPr>
         <p:spPr/>
         <p:txBody>
+          <a:bodyPr>
+            <a:normAutofit fontScale="92500" lnSpcReduction="10000"/>
+          </a:bodyPr>
+          <a:lstStyle/>
+          <a:p>
+            <a:r>
+              <a:rPr lang="fr-FR" dirty="0" smtClean="0"/>
+              <a:t>Kevin WATHTHUHEWA – Jamal BOUIZEM – Pierre BLOQUET</a:t>
+            </a:r>
+          </a:p>
+          <a:p>
+            <a:r>
+              <a:rPr lang="fr-FR" dirty="0" smtClean="0"/>
+              <a:t>ESGI – 4A 3DJV 2</a:t>
+            </a:r>
+            <a:endParaRPr lang="fr-FR" dirty="0"/>
+          </a:p>
+        </p:txBody>
+      </p:sp>
+    </p:spTree>
+  </p:cSld>
+  <p:clrMapOvr>
+    <a:masterClrMapping/>
+  </p:clrMapOvr>
+</p:sld>
+</file>
+
+<file path=ppt/slides/slide10.xml><?xml version="1.0" encoding="utf-8"?>
+<p:sld xmlns:a="http://schemas.openxmlformats.org/drawingml/2006/main" xmlns:r="http://schemas.openxmlformats.org/officeDocument/2006/relationships" xmlns:p="http://schemas.openxmlformats.org/presentationml/2006/main">
+  <p:cSld>
+    <p:spTree>
+      <p:nvGrpSpPr>
+        <p:cNvPr id="1" name=""/>
+        <p:cNvGrpSpPr/>
+        <p:nvPr/>
+      </p:nvGrpSpPr>
+      <p:grpSpPr>
+        <a:xfrm>
+          <a:off x="0" y="0"/>
+          <a:ext cx="0" cy="0"/>
+          <a:chOff x="0" y="0"/>
+          <a:chExt cx="0" cy="0"/>
+        </a:xfrm>
+      </p:grpSpPr>
+      <p:sp>
+        <p:nvSpPr>
+          <p:cNvPr id="3" name="Espace réservé du contenu 2"/>
+          <p:cNvSpPr>
+            <a:spLocks noGrp="1"/>
+          </p:cNvSpPr>
+          <p:nvPr>
+            <p:ph idx="1"/>
+          </p:nvPr>
+        </p:nvSpPr>
+        <p:spPr/>
+        <p:txBody>
+          <a:bodyPr>
+            <a:normAutofit fontScale="92500" lnSpcReduction="20000"/>
+          </a:bodyPr>
+          <a:lstStyle/>
+          <a:p>
+            <a:r>
+              <a:rPr lang="fr-FR" dirty="0" smtClean="0"/>
+              <a:t>Ce qu’on </a:t>
+            </a:r>
+            <a:r>
+              <a:rPr lang="fr-FR" dirty="0" smtClean="0"/>
+              <a:t>a </a:t>
+            </a:r>
+            <a:r>
+              <a:rPr lang="fr-FR" dirty="0" smtClean="0"/>
+              <a:t>utilisé dans ce projet au 2</a:t>
+            </a:r>
+            <a:r>
+              <a:rPr lang="fr-FR" baseline="30000" dirty="0" smtClean="0"/>
+              <a:t>ème</a:t>
+            </a:r>
+            <a:r>
+              <a:rPr lang="fr-FR" dirty="0" smtClean="0"/>
+              <a:t> semestre :</a:t>
+            </a:r>
+          </a:p>
+          <a:p>
+            <a:pPr lvl="1"/>
+            <a:r>
+              <a:rPr lang="fr-FR" dirty="0" smtClean="0"/>
+              <a:t>Smart pointer (Unique et </a:t>
+            </a:r>
+            <a:r>
+              <a:rPr lang="fr-FR" dirty="0" err="1" smtClean="0"/>
+              <a:t>Shared</a:t>
+            </a:r>
+            <a:r>
+              <a:rPr lang="fr-FR" dirty="0" smtClean="0"/>
+              <a:t>)</a:t>
+            </a:r>
+          </a:p>
+          <a:p>
+            <a:pPr lvl="1"/>
+            <a:r>
+              <a:rPr lang="fr-FR" dirty="0" smtClean="0"/>
+              <a:t>Template</a:t>
+            </a:r>
+          </a:p>
+          <a:p>
+            <a:pPr lvl="1"/>
+            <a:r>
+              <a:rPr lang="fr-FR" dirty="0" smtClean="0"/>
+              <a:t>String Stream</a:t>
+            </a:r>
+          </a:p>
+          <a:p>
+            <a:pPr lvl="1"/>
+            <a:r>
+              <a:rPr lang="fr-FR" dirty="0" smtClean="0"/>
+              <a:t>System d’IA complexe</a:t>
+            </a:r>
+          </a:p>
+          <a:p>
+            <a:pPr lvl="2"/>
+            <a:r>
+              <a:rPr lang="fr-FR" dirty="0" smtClean="0"/>
+              <a:t>Création de chaines de caractères complexe</a:t>
+            </a:r>
+          </a:p>
+          <a:p>
+            <a:pPr lvl="2"/>
+            <a:r>
+              <a:rPr lang="fr-FR" dirty="0" smtClean="0"/>
+              <a:t>Création d’arbre IA à partie de la chaine créée</a:t>
+            </a:r>
+          </a:p>
+          <a:p>
+            <a:pPr lvl="1"/>
+            <a:r>
+              <a:rPr lang="fr-FR" dirty="0" err="1" smtClean="0"/>
+              <a:t>Forward</a:t>
+            </a:r>
+            <a:r>
+              <a:rPr lang="fr-FR" dirty="0" smtClean="0"/>
+              <a:t> </a:t>
+            </a:r>
+            <a:r>
+              <a:rPr lang="fr-FR" dirty="0" err="1" smtClean="0"/>
+              <a:t>declaration</a:t>
+            </a:r>
+            <a:endParaRPr lang="fr-FR" dirty="0" smtClean="0"/>
+          </a:p>
+          <a:p>
+            <a:pPr lvl="1"/>
+            <a:r>
+              <a:rPr lang="fr-FR" dirty="0" smtClean="0"/>
+              <a:t>Notion d’</a:t>
+            </a:r>
+            <a:r>
+              <a:rPr lang="fr-FR" dirty="0" err="1" smtClean="0"/>
+              <a:t>include</a:t>
+            </a:r>
+            <a:r>
+              <a:rPr lang="fr-FR" dirty="0" smtClean="0"/>
+              <a:t> entre .h et .</a:t>
+            </a:r>
+            <a:r>
+              <a:rPr lang="fr-FR" dirty="0" err="1" smtClean="0"/>
+              <a:t>cpp</a:t>
+            </a:r>
+            <a:endParaRPr lang="fr-FR" dirty="0" smtClean="0"/>
+          </a:p>
+          <a:p>
+            <a:pPr lvl="1"/>
+            <a:r>
+              <a:rPr lang="fr-FR" dirty="0" smtClean="0"/>
+              <a:t>Fonctions </a:t>
+            </a:r>
+            <a:r>
+              <a:rPr lang="fr-FR" dirty="0" err="1" smtClean="0"/>
+              <a:t>stl</a:t>
+            </a:r>
+            <a:endParaRPr lang="fr-FR" dirty="0" smtClean="0"/>
+          </a:p>
+          <a:p>
+            <a:pPr lvl="2"/>
+            <a:r>
+              <a:rPr lang="fr-FR" dirty="0" smtClean="0"/>
+              <a:t>Utilisation doc c++</a:t>
+            </a:r>
+            <a:endParaRPr lang="fr-FR" dirty="0" smtClean="0"/>
+          </a:p>
+          <a:p>
+            <a:pPr lvl="2"/>
+            <a:r>
+              <a:rPr lang="fr-FR" dirty="0" smtClean="0"/>
+              <a:t>Fonction </a:t>
+            </a:r>
+            <a:r>
+              <a:rPr lang="fr-FR" dirty="0" err="1" smtClean="0"/>
+              <a:t>annonyme</a:t>
+            </a:r>
+            <a:endParaRPr lang="fr-FR" dirty="0" smtClean="0"/>
+          </a:p>
+          <a:p>
+            <a:pPr lvl="1"/>
+            <a:r>
+              <a:rPr lang="fr-FR" dirty="0" smtClean="0"/>
+              <a:t>Sens de lecture des paramètres fonctions</a:t>
+            </a:r>
+          </a:p>
+          <a:p>
+            <a:endParaRPr lang="fr-FR" dirty="0"/>
+          </a:p>
+        </p:txBody>
+      </p:sp>
+      <p:sp>
+        <p:nvSpPr>
+          <p:cNvPr id="2" name="Titre 1"/>
+          <p:cNvSpPr>
+            <a:spLocks noGrp="1"/>
+          </p:cNvSpPr>
+          <p:nvPr>
+            <p:ph type="title"/>
+          </p:nvPr>
+        </p:nvSpPr>
+        <p:spPr/>
+        <p:txBody>
           <a:bodyPr/>
           <a:lstStyle/>
           <a:p>
             <a:r>
               <a:rPr lang="fr-FR" dirty="0" smtClean="0"/>
-              <a:t>Kevin WATHTHUHEWA – Jamal BOUIZEM – Pierre BLOQUET</a:t>
-            </a:r>
-          </a:p>
-          <a:p>
-            <a:r>
-              <a:rPr lang="fr-FR" dirty="0" smtClean="0"/>
-              <a:t>ESGI – 4A 3DJV 2</a:t>
+              <a:t>Conclusion</a:t>
             </a:r>
             <a:endParaRPr lang="fr-FR" dirty="0"/>
           </a:p>
@@ -3965,37 +4927,6 @@
       </p:grpSpPr>
       <p:sp>
         <p:nvSpPr>
-          <p:cNvPr id="2" name="Titre 1"/>
-          <p:cNvSpPr>
-            <a:spLocks noGrp="1"/>
-          </p:cNvSpPr>
-          <p:nvPr>
-            <p:ph type="title"/>
-          </p:nvPr>
-        </p:nvSpPr>
-        <p:spPr/>
-        <p:txBody>
-          <a:bodyPr/>
-          <a:lstStyle/>
-          <a:p>
-            <a:r>
-              <a:rPr lang="fr-FR" dirty="0" smtClean="0"/>
-              <a:t>Ajouts du 2</a:t>
-            </a:r>
-            <a:r>
-              <a:rPr lang="fr-FR" baseline="30000" dirty="0" smtClean="0"/>
-              <a:t>ème</a:t>
-            </a:r>
-            <a:r>
-              <a:rPr lang="fr-FR" dirty="0" smtClean="0"/>
-              <a:t> semestre</a:t>
-            </a:r>
-            <a:endParaRPr lang="fr-FR" dirty="0"/>
-          </a:p>
-        </p:txBody>
-      </p:sp>
-      <p:sp>
-        <p:nvSpPr>
           <p:cNvPr id="3" name="Espace réservé du contenu 2"/>
           <p:cNvSpPr>
             <a:spLocks noGrp="1"/>
@@ -4062,6 +4993,37 @@
               <a:t>Operator</a:t>
             </a:r>
             <a:endParaRPr lang="fr-FR" dirty="0" smtClean="0"/>
+          </a:p>
+        </p:txBody>
+      </p:sp>
+      <p:sp>
+        <p:nvSpPr>
+          <p:cNvPr id="2" name="Titre 1"/>
+          <p:cNvSpPr>
+            <a:spLocks noGrp="1"/>
+          </p:cNvSpPr>
+          <p:nvPr>
+            <p:ph type="title"/>
+          </p:nvPr>
+        </p:nvSpPr>
+        <p:spPr/>
+        <p:txBody>
+          <a:bodyPr/>
+          <a:lstStyle/>
+          <a:p>
+            <a:r>
+              <a:rPr lang="fr-FR" dirty="0" smtClean="0"/>
+              <a:t>Ajouts du 2</a:t>
+            </a:r>
+            <a:r>
+              <a:rPr lang="fr-FR" baseline="30000" dirty="0" smtClean="0"/>
+              <a:t>ème</a:t>
+            </a:r>
+            <a:r>
+              <a:rPr lang="fr-FR" dirty="0" smtClean="0"/>
+              <a:t> semestre</a:t>
+            </a:r>
+            <a:endParaRPr lang="fr-FR" dirty="0"/>
           </a:p>
         </p:txBody>
       </p:sp>
@@ -4092,29 +5054,6 @@
       </p:grpSpPr>
       <p:sp>
         <p:nvSpPr>
-          <p:cNvPr id="2" name="Titre 1"/>
-          <p:cNvSpPr>
-            <a:spLocks noGrp="1"/>
-          </p:cNvSpPr>
-          <p:nvPr>
-            <p:ph type="title"/>
-          </p:nvPr>
-        </p:nvSpPr>
-        <p:spPr/>
-        <p:txBody>
-          <a:bodyPr/>
-          <a:lstStyle/>
-          <a:p>
-            <a:r>
-              <a:rPr lang="fr-FR" dirty="0" smtClean="0"/>
-              <a:t>Chaine Code IA</a:t>
-            </a:r>
-            <a:endParaRPr lang="fr-FR" dirty="0"/>
-          </a:p>
-        </p:txBody>
-      </p:sp>
-      <p:sp>
-        <p:nvSpPr>
           <p:cNvPr id="3" name="Espace réservé du contenu 2"/>
           <p:cNvSpPr>
             <a:spLocks noGrp="1"/>
@@ -4189,19 +5128,19 @@
               <a:t>Création d’un générateur de code avec </a:t>
             </a:r>
             <a:r>
-              <a:rPr lang="fr-FR" smtClean="0">
+              <a:rPr lang="fr-FR" dirty="0" err="1" smtClean="0">
                 <a:sym typeface="Wingdings" pitchFamily="2" charset="2"/>
               </a:rPr>
               <a:t>String</a:t>
             </a:r>
             <a:r>
-              <a:rPr lang="fr-FR" smtClean="0">
+              <a:rPr lang="fr-FR" dirty="0" err="1" smtClean="0">
                 <a:sym typeface="Wingdings" pitchFamily="2" charset="2"/>
               </a:rPr>
               <a:t>S</a:t>
             </a:r>
             <a:r>
-              <a:rPr lang="fr-FR" smtClean="0">
+              <a:rPr lang="fr-FR" dirty="0" err="1" smtClean="0">
                 <a:sym typeface="Wingdings" pitchFamily="2" charset="2"/>
               </a:rPr>
               <a:t>tream</a:t>
@@ -4230,8 +5169,41 @@
               <a:rPr lang="fr-FR" dirty="0" smtClean="0">
                 <a:sym typeface="Wingdings" pitchFamily="2" charset="2"/>
               </a:rPr>
-              <a:t>?MDOPH1O&lt;[14.000000]!AL3O!EBA</a:t>
-            </a:r>
+              <a:t>?MDOPH1O&lt;[14.000000]!</a:t>
+            </a:r>
+            <a:r>
+              <a:rPr lang="fr-FR" dirty="0" smtClean="0">
+                <a:sym typeface="Wingdings" pitchFamily="2" charset="2"/>
+              </a:rPr>
+              <a:t>AL3O!EBA</a:t>
+            </a:r>
+          </a:p>
+        </p:txBody>
+      </p:sp>
+      <p:sp>
+        <p:nvSpPr>
+          <p:cNvPr id="2" name="Titre 1"/>
+          <p:cNvSpPr>
+            <a:spLocks noGrp="1"/>
+          </p:cNvSpPr>
+          <p:nvPr>
+            <p:ph type="title"/>
+          </p:nvPr>
+        </p:nvSpPr>
+        <p:spPr/>
+        <p:txBody>
+          <a:bodyPr/>
+          <a:lstStyle/>
+          <a:p>
+            <a:r>
+              <a:rPr lang="fr-FR" dirty="0" smtClean="0"/>
+              <a:t>Chaine Code </a:t>
+            </a:r>
+            <a:r>
+              <a:rPr lang="fr-FR" dirty="0" smtClean="0"/>
+              <a:t>AI</a:t>
+            </a:r>
+            <a:endParaRPr lang="fr-FR" dirty="0"/>
           </a:p>
         </p:txBody>
       </p:sp>
@@ -4262,29 +5234,6 @@
       </p:grpSpPr>
       <p:sp>
         <p:nvSpPr>
-          <p:cNvPr id="2" name="Titre 1"/>
-          <p:cNvSpPr>
-            <a:spLocks noGrp="1"/>
-          </p:cNvSpPr>
-          <p:nvPr>
-            <p:ph type="title"/>
-          </p:nvPr>
-        </p:nvSpPr>
-        <p:spPr/>
-        <p:txBody>
-          <a:bodyPr/>
-          <a:lstStyle/>
-          <a:p>
-            <a:r>
-              <a:rPr lang="fr-FR" dirty="0" smtClean="0"/>
-              <a:t>Les nœuds</a:t>
-            </a:r>
-            <a:endParaRPr lang="fr-FR" dirty="0"/>
-          </a:p>
-        </p:txBody>
-      </p:sp>
-      <p:sp>
-        <p:nvSpPr>
           <p:cNvPr id="3" name="Espace réservé du contenu 2"/>
           <p:cNvSpPr>
             <a:spLocks noGrp="1"/>
@@ -4399,6 +5348,29 @@
             </a:r>
           </a:p>
           <a:p>
+            <a:endParaRPr lang="fr-FR" dirty="0"/>
+          </a:p>
+        </p:txBody>
+      </p:sp>
+      <p:sp>
+        <p:nvSpPr>
+          <p:cNvPr id="2" name="Titre 1"/>
+          <p:cNvSpPr>
+            <a:spLocks noGrp="1"/>
+          </p:cNvSpPr>
+          <p:nvPr>
+            <p:ph type="title"/>
+          </p:nvPr>
+        </p:nvSpPr>
+        <p:spPr/>
+        <p:txBody>
+          <a:bodyPr/>
+          <a:lstStyle/>
+          <a:p>
+            <a:r>
+              <a:rPr lang="fr-FR" dirty="0" smtClean="0"/>
+              <a:t>Les nœuds</a:t>
+            </a:r>
             <a:endParaRPr lang="fr-FR" dirty="0"/>
           </a:p>
         </p:txBody>
@@ -4419,7 +5391,7 @@
         </p:blipFill>
         <p:spPr>
           <a:xfrm>
-            <a:off x="4572000" y="1196752"/>
+            <a:off x="4572000" y="764704"/>
             <a:ext cx="4572000" cy="3416093"/>
           </a:xfrm>
           <a:prstGeom prst="rect">
@@ -4454,29 +5426,6 @@
       </p:grpSpPr>
       <p:sp>
         <p:nvSpPr>
-          <p:cNvPr id="2" name="Titre 1"/>
-          <p:cNvSpPr>
-            <a:spLocks noGrp="1"/>
-          </p:cNvSpPr>
-          <p:nvPr>
-            <p:ph type="title"/>
-          </p:nvPr>
-        </p:nvSpPr>
-        <p:spPr/>
-        <p:txBody>
-          <a:bodyPr/>
-          <a:lstStyle/>
-          <a:p>
-            <a:r>
-              <a:rPr lang="fr-FR" dirty="0" smtClean="0"/>
-              <a:t>Extracteurs</a:t>
-            </a:r>
-            <a:endParaRPr lang="fr-FR" dirty="0"/>
-          </a:p>
-        </p:txBody>
-      </p:sp>
-      <p:sp>
-        <p:nvSpPr>
           <p:cNvPr id="3" name="Espace réservé du contenu 2"/>
           <p:cNvSpPr>
             <a:spLocks noGrp="1"/>
@@ -4538,7 +5487,11 @@
             </a:r>
             <a:r>
               <a:rPr lang="fr-FR" dirty="0" smtClean="0"/>
-              <a:t> : 8</a:t>
+              <a:t> : </a:t>
+            </a:r>
+            <a:r>
+              <a:rPr lang="fr-FR" dirty="0" smtClean="0"/>
+              <a:t>8</a:t>
             </a:r>
           </a:p>
           <a:p>
@@ -4546,14 +5499,75 @@
             <a:endParaRPr lang="fr-FR" dirty="0" smtClean="0"/>
           </a:p>
           <a:p>
+            <a:pPr lvl="1">
+              <a:buNone/>
+            </a:pPr>
+            <a:endParaRPr lang="fr-FR" dirty="0" smtClean="0"/>
+          </a:p>
+          <a:p>
             <a:pPr lvl="1"/>
-            <a:r>
-              <a:rPr lang="fr-FR" dirty="0" smtClean="0"/>
-              <a:t>Récurions dans les extracteurs (un extracteur peut en contenir plusieurs)</a:t>
-            </a:r>
-          </a:p>
-        </p:txBody>
-      </p:sp>
+            <a:endParaRPr lang="fr-FR" dirty="0" smtClean="0"/>
+          </a:p>
+          <a:p>
+            <a:pPr lvl="1"/>
+            <a:r>
+              <a:rPr lang="fr-FR" dirty="0" smtClean="0"/>
+              <a:t>Récurions </a:t>
+            </a:r>
+            <a:r>
+              <a:rPr lang="fr-FR" dirty="0" smtClean="0"/>
+              <a:t>dans les extracteurs (un extracteur peut en contenir plusieurs)</a:t>
+            </a:r>
+          </a:p>
+        </p:txBody>
+      </p:sp>
+      <p:sp>
+        <p:nvSpPr>
+          <p:cNvPr id="2" name="Titre 1"/>
+          <p:cNvSpPr>
+            <a:spLocks noGrp="1"/>
+          </p:cNvSpPr>
+          <p:nvPr>
+            <p:ph type="title"/>
+          </p:nvPr>
+        </p:nvSpPr>
+        <p:spPr/>
+        <p:txBody>
+          <a:bodyPr/>
+          <a:lstStyle/>
+          <a:p>
+            <a:r>
+              <a:rPr lang="fr-FR" dirty="0" smtClean="0"/>
+              <a:t>Extracteurs</a:t>
+            </a:r>
+            <a:endParaRPr lang="fr-FR" dirty="0"/>
+          </a:p>
+        </p:txBody>
+      </p:sp>
+      <p:pic>
+        <p:nvPicPr>
+          <p:cNvPr id="4" name="Image 3" descr="Extractor.jpg"/>
+          <p:cNvPicPr>
+            <a:picLocks noChangeAspect="1"/>
+          </p:cNvPicPr>
+          <p:nvPr/>
+        </p:nvPicPr>
+        <p:blipFill>
+          <a:blip r:embed="rId2" cstate="print"/>
+          <a:stretch>
+            <a:fillRect/>
+          </a:stretch>
+        </p:blipFill>
+        <p:spPr>
+          <a:xfrm>
+            <a:off x="2987824" y="2132856"/>
+            <a:ext cx="5525616" cy="2123541"/>
+          </a:xfrm>
+          <a:prstGeom prst="rect">
+            <a:avLst/>
+          </a:prstGeom>
+        </p:spPr>
+      </p:pic>
     </p:spTree>
   </p:cSld>
   <p:clrMapOvr>
@@ -4581,33 +5595,6 @@
       </p:grpSpPr>
       <p:sp>
         <p:nvSpPr>
-          <p:cNvPr id="2" name="Titre 1"/>
-          <p:cNvSpPr>
-            <a:spLocks noGrp="1"/>
-          </p:cNvSpPr>
-          <p:nvPr>
-            <p:ph type="title"/>
-          </p:nvPr>
-        </p:nvSpPr>
-        <p:spPr/>
-        <p:txBody>
-          <a:bodyPr/>
-          <a:lstStyle/>
-          <a:p>
-            <a:r>
-              <a:rPr lang="fr-FR" dirty="0" smtClean="0"/>
-              <a:t>Problème d’</a:t>
-            </a:r>
-            <a:r>
-              <a:rPr lang="fr-FR" dirty="0" err="1" smtClean="0"/>
-              <a:t>include</a:t>
-            </a:r>
-            <a:endParaRPr lang="fr-FR" dirty="0"/>
-          </a:p>
-        </p:txBody>
-      </p:sp>
-      <p:sp>
-        <p:nvSpPr>
           <p:cNvPr id="3" name="Espace réservé du contenu 2"/>
           <p:cNvSpPr>
             <a:spLocks noGrp="1"/>
@@ -4629,16 +5616,13 @@
             </a:r>
             <a:r>
               <a:rPr lang="fr-FR" dirty="0" smtClean="0"/>
-              <a:t> cyclique entre Nœud, Action, </a:t>
-            </a:r>
-            <a:r>
-              <a:rPr lang="fr-FR" dirty="0" err="1" smtClean="0"/>
-              <a:t>Army</a:t>
-            </a:r>
-            <a:r>
-              <a:rPr lang="fr-FR" dirty="0" smtClean="0"/>
-              <a:t>, Unit</a:t>
-            </a:r>
+              <a:t> cyclique </a:t>
+            </a:r>
+            <a:r>
+              <a:rPr lang="fr-FR" dirty="0" smtClean="0"/>
+              <a:t>!!!</a:t>
+            </a:r>
+            <a:endParaRPr lang="fr-FR" dirty="0" smtClean="0"/>
           </a:p>
           <a:p>
             <a:pPr lvl="1"/>
@@ -4653,6 +5637,14 @@
             <a:endParaRPr lang="fr-FR" dirty="0" smtClean="0"/>
           </a:p>
           <a:p>
+            <a:pPr lvl="1"/>
+            <a:endParaRPr lang="fr-FR" dirty="0" smtClean="0"/>
+          </a:p>
+          <a:p>
+            <a:pPr lvl="1"/>
+            <a:endParaRPr lang="fr-FR" dirty="0" smtClean="0"/>
+          </a:p>
+          <a:p>
             <a:endParaRPr lang="fr-FR" dirty="0" smtClean="0"/>
           </a:p>
           <a:p>
@@ -4678,6 +5670,33 @@
             <a:r>
               <a:rPr lang="fr-FR" dirty="0" smtClean="0"/>
               <a:t> sur Nœud et Action (vu au TP2 – Carré Rectangle)</a:t>
+            </a:r>
+            <a:endParaRPr lang="fr-FR" dirty="0"/>
+          </a:p>
+        </p:txBody>
+      </p:sp>
+      <p:sp>
+        <p:nvSpPr>
+          <p:cNvPr id="2" name="Titre 1"/>
+          <p:cNvSpPr>
+            <a:spLocks noGrp="1"/>
+          </p:cNvSpPr>
+          <p:nvPr>
+            <p:ph type="title"/>
+          </p:nvPr>
+        </p:nvSpPr>
+        <p:spPr/>
+        <p:txBody>
+          <a:bodyPr/>
+          <a:lstStyle/>
+          <a:p>
+            <a:r>
+              <a:rPr lang="fr-FR" dirty="0" smtClean="0"/>
+              <a:t>Problème d’</a:t>
+            </a:r>
+            <a:r>
+              <a:rPr lang="fr-FR" dirty="0" err="1" smtClean="0"/>
+              <a:t>include</a:t>
             </a:r>
             <a:endParaRPr lang="fr-FR" dirty="0"/>
           </a:p>
@@ -4699,7 +5718,7 @@
         </p:blipFill>
         <p:spPr>
           <a:xfrm>
-            <a:off x="2987824" y="2420888"/>
+            <a:off x="2699792" y="2204864"/>
             <a:ext cx="4038600" cy="2257425"/>
           </a:xfrm>
           <a:prstGeom prst="rect">
@@ -4734,12 +5753,12 @@
       </p:grpSpPr>
       <p:sp>
         <p:nvSpPr>
-          <p:cNvPr id="2" name="Titre 1"/>
-          <p:cNvSpPr>
-            <a:spLocks noGrp="1"/>
-          </p:cNvSpPr>
-          <p:nvPr>
-            <p:ph type="title"/>
+          <p:cNvPr id="3" name="Espace réservé du contenu 2"/>
+          <p:cNvSpPr>
+            <a:spLocks noGrp="1"/>
+          </p:cNvSpPr>
+          <p:nvPr>
+            <p:ph idx="1"/>
           </p:nvPr>
         </p:nvSpPr>
         <p:spPr/>
@@ -4749,20 +5768,45 @@
           <a:p>
             <a:r>
               <a:rPr lang="fr-FR" dirty="0" smtClean="0"/>
-              <a:t>Utilisation nouvelle AI</a:t>
-            </a:r>
-            <a:endParaRPr lang="fr-FR" dirty="0"/>
-          </a:p>
-        </p:txBody>
-      </p:sp>
-      <p:sp>
-        <p:nvSpPr>
-          <p:cNvPr id="3" name="Espace réservé du contenu 2"/>
-          <p:cNvSpPr>
-            <a:spLocks noGrp="1"/>
-          </p:cNvSpPr>
-          <p:nvPr>
-            <p:ph idx="1"/>
+              <a:t>Peu de changement</a:t>
+            </a:r>
+          </a:p>
+          <a:p>
+            <a:pPr lvl="1"/>
+            <a:r>
+              <a:rPr lang="fr-FR" dirty="0" smtClean="0"/>
+              <a:t>Ajout Attribut Nœud dans </a:t>
+            </a:r>
+            <a:r>
+              <a:rPr lang="fr-FR" dirty="0" smtClean="0"/>
+              <a:t>Unit</a:t>
+            </a:r>
+            <a:endParaRPr lang="fr-FR" dirty="0" smtClean="0"/>
+          </a:p>
+          <a:p>
+            <a:pPr lvl="1"/>
+            <a:r>
+              <a:rPr lang="fr-FR" dirty="0" smtClean="0"/>
+              <a:t>Création du code dans constructeur Unit</a:t>
+            </a:r>
+          </a:p>
+          <a:p>
+            <a:pPr lvl="1"/>
+            <a:r>
+              <a:rPr lang="fr-FR" dirty="0" smtClean="0"/>
+              <a:t>Récupération action Unit dans bataille</a:t>
+            </a:r>
+          </a:p>
+        </p:txBody>
+      </p:sp>
+      <p:sp>
+        <p:nvSpPr>
+          <p:cNvPr id="2" name="Titre 1"/>
+          <p:cNvSpPr>
+            <a:spLocks noGrp="1"/>
+          </p:cNvSpPr>
+          <p:nvPr>
+            <p:ph type="title"/>
           </p:nvPr>
         </p:nvSpPr>
         <p:spPr/>
@@ -4772,29 +5816,9 @@
           <a:p>
             <a:r>
               <a:rPr lang="fr-FR" dirty="0" smtClean="0"/>
-              <a:t>Peu de changement</a:t>
-            </a:r>
-          </a:p>
-          <a:p>
-            <a:pPr lvl="1"/>
-            <a:r>
-              <a:rPr lang="fr-FR" dirty="0" smtClean="0"/>
-              <a:t>Ajout Attribut Nœud dans Unit</a:t>
-            </a:r>
-          </a:p>
-          <a:p>
-            <a:pPr lvl="1"/>
-            <a:r>
-              <a:rPr lang="fr-FR" dirty="0" smtClean="0"/>
-              <a:t>Création du code dans constructeur Unit</a:t>
-            </a:r>
-          </a:p>
-          <a:p>
-            <a:pPr lvl="1"/>
-            <a:r>
-              <a:rPr lang="fr-FR" dirty="0" smtClean="0"/>
-              <a:t>Récupération action Unit dans bataille</a:t>
-            </a:r>
+              <a:t>Utilisation nouvelle AI</a:t>
+            </a:r>
+            <a:endParaRPr lang="fr-FR" dirty="0"/>
           </a:p>
         </p:txBody>
       </p:sp>
@@ -4825,12 +5849,12 @@
       </p:grpSpPr>
       <p:sp>
         <p:nvSpPr>
-          <p:cNvPr id="2" name="Titre 1"/>
-          <p:cNvSpPr>
-            <a:spLocks noGrp="1"/>
-          </p:cNvSpPr>
-          <p:nvPr>
-            <p:ph type="title"/>
+          <p:cNvPr id="2" name="Espace réservé du contenu 1"/>
+          <p:cNvSpPr>
+            <a:spLocks noGrp="1"/>
+          </p:cNvSpPr>
+          <p:nvPr>
+            <p:ph idx="1"/>
           </p:nvPr>
         </p:nvSpPr>
         <p:spPr/>
@@ -4839,78 +5863,51 @@
           <a:lstStyle/>
           <a:p>
             <a:r>
-              <a:rPr lang="fr-FR" dirty="0" smtClean="0"/>
-              <a:t>Conclusion</a:t>
+              <a:rPr lang="fr-FR" dirty="0" err="1" smtClean="0"/>
+              <a:t>Crossover</a:t>
+            </a:r>
+            <a:r>
+              <a:rPr lang="fr-FR" dirty="0" smtClean="0"/>
+              <a:t> de l’IA entre 2 unités</a:t>
+            </a:r>
+          </a:p>
+          <a:p>
+            <a:endParaRPr lang="fr-FR" dirty="0" smtClean="0"/>
+          </a:p>
+          <a:p>
+            <a:r>
+              <a:rPr lang="fr-FR" dirty="0" smtClean="0"/>
+              <a:t>Mutation de l’IA d’une unité</a:t>
+            </a:r>
+          </a:p>
+        </p:txBody>
+      </p:sp>
+      <p:sp>
+        <p:nvSpPr>
+          <p:cNvPr id="3" name="Titre 2"/>
+          <p:cNvSpPr>
+            <a:spLocks noGrp="1"/>
+          </p:cNvSpPr>
+          <p:nvPr>
+            <p:ph type="title"/>
+          </p:nvPr>
+        </p:nvSpPr>
+        <p:spPr/>
+        <p:txBody>
+          <a:bodyPr/>
+          <a:lstStyle/>
+          <a:p>
+            <a:r>
+              <a:rPr lang="fr-FR" dirty="0" smtClean="0"/>
+              <a:t>Ce qu’il manque </a:t>
+            </a:r>
+            <a:r>
+              <a:rPr lang="fr-FR" dirty="0" smtClean="0">
+                <a:sym typeface="Wingdings" pitchFamily="2" charset="2"/>
+              </a:rPr>
+              <a:t></a:t>
             </a:r>
             <a:endParaRPr lang="fr-FR" dirty="0"/>
-          </a:p>
-        </p:txBody>
-      </p:sp>
-      <p:sp>
-        <p:nvSpPr>
-          <p:cNvPr id="3" name="Espace réservé du contenu 2"/>
-          <p:cNvSpPr>
-            <a:spLocks noGrp="1"/>
-          </p:cNvSpPr>
-          <p:nvPr>
-            <p:ph idx="1"/>
-          </p:nvPr>
-        </p:nvSpPr>
-        <p:spPr/>
-        <p:txBody>
-          <a:bodyPr>
-            <a:normAutofit/>
-          </a:bodyPr>
-          <a:lstStyle/>
-          <a:p>
-            <a:r>
-              <a:rPr lang="fr-FR" dirty="0" smtClean="0"/>
-              <a:t>Ce qu’on </a:t>
-            </a:r>
-            <a:r>
-              <a:rPr lang="fr-FR" dirty="0" smtClean="0"/>
-              <a:t>a </a:t>
-            </a:r>
-            <a:r>
-              <a:rPr lang="fr-FR" dirty="0" smtClean="0"/>
-              <a:t>utilisé dans ce projet au 1</a:t>
-            </a:r>
-            <a:r>
-              <a:rPr lang="fr-FR" baseline="30000" dirty="0" smtClean="0"/>
-              <a:t>er</a:t>
-            </a:r>
-            <a:r>
-              <a:rPr lang="fr-FR" dirty="0" smtClean="0"/>
-              <a:t> semestre :</a:t>
-            </a:r>
-          </a:p>
-          <a:p>
-            <a:pPr lvl="1"/>
-            <a:r>
-              <a:rPr lang="fr-FR" dirty="0" smtClean="0"/>
-              <a:t>Héritage</a:t>
-            </a:r>
-          </a:p>
-          <a:p>
-            <a:pPr lvl="1"/>
-            <a:r>
-              <a:rPr lang="fr-FR" dirty="0" smtClean="0"/>
-              <a:t>Redéfinition des opérateurs</a:t>
-            </a:r>
-          </a:p>
-          <a:p>
-            <a:pPr lvl="1"/>
-            <a:r>
-              <a:rPr lang="fr-FR" dirty="0" smtClean="0"/>
-              <a:t>Algorithme génétique</a:t>
-            </a:r>
-          </a:p>
-          <a:p>
-            <a:pPr lvl="1"/>
-            <a:r>
-              <a:rPr lang="fr-FR" dirty="0" smtClean="0"/>
-              <a:t>Création et lecture de fichier</a:t>
-            </a:r>
           </a:p>
         </p:txBody>
       </p:sp>
@@ -4941,6 +5938,74 @@
       </p:grpSpPr>
       <p:sp>
         <p:nvSpPr>
+          <p:cNvPr id="3" name="Espace réservé du contenu 2"/>
+          <p:cNvSpPr>
+            <a:spLocks noGrp="1"/>
+          </p:cNvSpPr>
+          <p:nvPr>
+            <p:ph idx="1"/>
+          </p:nvPr>
+        </p:nvSpPr>
+        <p:spPr/>
+        <p:txBody>
+          <a:bodyPr>
+            <a:normAutofit/>
+          </a:bodyPr>
+          <a:lstStyle/>
+          <a:p>
+            <a:r>
+              <a:rPr lang="fr-FR" dirty="0" smtClean="0"/>
+              <a:t>Ce qu’on </a:t>
+            </a:r>
+            <a:r>
+              <a:rPr lang="fr-FR" dirty="0" smtClean="0"/>
+              <a:t>a </a:t>
+            </a:r>
+            <a:r>
+              <a:rPr lang="fr-FR" dirty="0" smtClean="0"/>
+              <a:t>utilisé dans ce projet au 1</a:t>
+            </a:r>
+            <a:r>
+              <a:rPr lang="fr-FR" baseline="30000" dirty="0" smtClean="0"/>
+              <a:t>er</a:t>
+            </a:r>
+            <a:r>
+              <a:rPr lang="fr-FR" dirty="0" smtClean="0"/>
+              <a:t> semestre :</a:t>
+            </a:r>
+          </a:p>
+          <a:p>
+            <a:pPr lvl="1"/>
+            <a:r>
+              <a:rPr lang="fr-FR" dirty="0" smtClean="0"/>
+              <a:t>Héritage</a:t>
+            </a:r>
+          </a:p>
+          <a:p>
+            <a:pPr lvl="1"/>
+            <a:r>
+              <a:rPr lang="fr-FR" dirty="0" smtClean="0"/>
+              <a:t>Redéfinition des opérateurs</a:t>
+            </a:r>
+          </a:p>
+          <a:p>
+            <a:pPr lvl="1"/>
+            <a:r>
+              <a:rPr lang="fr-FR" dirty="0" smtClean="0"/>
+              <a:t>Algorithme génétique</a:t>
+            </a:r>
+          </a:p>
+          <a:p>
+            <a:pPr lvl="1"/>
+            <a:r>
+              <a:rPr lang="fr-FR" dirty="0" smtClean="0"/>
+              <a:t>Création et lecture de fichier</a:t>
+            </a:r>
+          </a:p>
+        </p:txBody>
+      </p:sp>
+      <p:sp>
+        <p:nvSpPr>
           <p:cNvPr id="2" name="Titre 1"/>
           <p:cNvSpPr>
             <a:spLocks noGrp="1"/>
@@ -4958,154 +6023,6 @@
               <a:rPr lang="fr-FR" dirty="0" smtClean="0"/>
               <a:t>Conclusion</a:t>
             </a:r>
-            <a:endParaRPr lang="fr-FR" dirty="0"/>
-          </a:p>
-        </p:txBody>
-      </p:sp>
-      <p:sp>
-        <p:nvSpPr>
-          <p:cNvPr id="3" name="Espace réservé du contenu 2"/>
-          <p:cNvSpPr>
-            <a:spLocks noGrp="1"/>
-          </p:cNvSpPr>
-          <p:nvPr>
-            <p:ph idx="1"/>
-          </p:nvPr>
-        </p:nvSpPr>
-        <p:spPr/>
-        <p:txBody>
-          <a:bodyPr>
-            <a:normAutofit lnSpcReduction="10000"/>
-          </a:bodyPr>
-          <a:lstStyle/>
-          <a:p>
-            <a:r>
-              <a:rPr lang="fr-FR" dirty="0" smtClean="0"/>
-              <a:t>Ce qu’on </a:t>
-            </a:r>
-            <a:r>
-              <a:rPr lang="fr-FR" dirty="0" smtClean="0"/>
-              <a:t>a </a:t>
-            </a:r>
-            <a:r>
-              <a:rPr lang="fr-FR" dirty="0" smtClean="0"/>
-              <a:t>utilisé dans ce projet au 2</a:t>
-            </a:r>
-            <a:r>
-              <a:rPr lang="fr-FR" baseline="30000" dirty="0" smtClean="0"/>
-              <a:t>ème</a:t>
-            </a:r>
-            <a:r>
-              <a:rPr lang="fr-FR" dirty="0" smtClean="0"/>
-              <a:t> semestre :</a:t>
-            </a:r>
-          </a:p>
-          <a:p>
-            <a:pPr lvl="1"/>
-            <a:r>
-              <a:rPr lang="fr-FR" dirty="0" smtClean="0"/>
-              <a:t>Smart pointer (Unique et </a:t>
-            </a:r>
-            <a:r>
-              <a:rPr lang="fr-FR" dirty="0" err="1" smtClean="0"/>
-              <a:t>Shared</a:t>
-            </a:r>
-            <a:r>
-              <a:rPr lang="fr-FR" dirty="0" smtClean="0"/>
-              <a:t>)</a:t>
-            </a:r>
-          </a:p>
-          <a:p>
-            <a:pPr lvl="1"/>
-            <a:r>
-              <a:rPr lang="fr-FR" dirty="0" smtClean="0"/>
-              <a:t>Template</a:t>
-            </a:r>
-          </a:p>
-          <a:p>
-            <a:pPr lvl="1"/>
-            <a:r>
-              <a:rPr lang="fr-FR" dirty="0" smtClean="0"/>
-              <a:t>String Stream</a:t>
-            </a:r>
-          </a:p>
-          <a:p>
-            <a:pPr lvl="1"/>
-            <a:r>
-              <a:rPr lang="fr-FR" dirty="0" smtClean="0"/>
-              <a:t>System d’IA complexe</a:t>
-            </a:r>
-          </a:p>
-          <a:p>
-            <a:pPr lvl="2"/>
-            <a:r>
-              <a:rPr lang="fr-FR" dirty="0" smtClean="0"/>
-              <a:t>Création de chaines de caractères complexe</a:t>
-            </a:r>
-          </a:p>
-          <a:p>
-            <a:pPr lvl="2"/>
-            <a:r>
-              <a:rPr lang="fr-FR" dirty="0" smtClean="0"/>
-              <a:t>Création d’arbre IA à partie de la chaine créée</a:t>
-            </a:r>
-          </a:p>
-          <a:p>
-            <a:pPr lvl="1"/>
-            <a:r>
-              <a:rPr lang="fr-FR" dirty="0" err="1" smtClean="0"/>
-              <a:t>Forward</a:t>
-            </a:r>
-            <a:r>
-              <a:rPr lang="fr-FR" dirty="0" smtClean="0"/>
-              <a:t> </a:t>
-            </a:r>
-            <a:r>
-              <a:rPr lang="fr-FR" dirty="0" err="1" smtClean="0"/>
-              <a:t>declaration</a:t>
-            </a:r>
-            <a:endParaRPr lang="fr-FR" dirty="0" smtClean="0"/>
-          </a:p>
-          <a:p>
-            <a:pPr lvl="1"/>
-            <a:r>
-              <a:rPr lang="fr-FR" dirty="0" smtClean="0"/>
-              <a:t>Notion d’</a:t>
-            </a:r>
-            <a:r>
-              <a:rPr lang="fr-FR" dirty="0" err="1" smtClean="0"/>
-              <a:t>include</a:t>
-            </a:r>
-            <a:r>
-              <a:rPr lang="fr-FR" dirty="0" smtClean="0"/>
-              <a:t> entre .h et .</a:t>
-            </a:r>
-            <a:r>
-              <a:rPr lang="fr-FR" dirty="0" err="1" smtClean="0"/>
-              <a:t>cpp</a:t>
-            </a:r>
-            <a:endParaRPr lang="fr-FR" dirty="0" smtClean="0"/>
-          </a:p>
-          <a:p>
-            <a:pPr lvl="1"/>
-            <a:r>
-              <a:rPr lang="fr-FR" dirty="0" smtClean="0"/>
-              <a:t>Fonctions </a:t>
-            </a:r>
-            <a:r>
-              <a:rPr lang="fr-FR" dirty="0" err="1" smtClean="0"/>
-              <a:t>stl</a:t>
-            </a:r>
-            <a:endParaRPr lang="fr-FR" dirty="0" smtClean="0"/>
-          </a:p>
-          <a:p>
-            <a:pPr lvl="1"/>
-            <a:r>
-              <a:rPr lang="fr-FR" dirty="0" smtClean="0"/>
-              <a:t>Sens de lecture des paramètres fonctions</a:t>
-            </a:r>
-          </a:p>
-          <a:p>
             <a:endParaRPr lang="fr-FR" dirty="0"/>
           </a:p>
         </p:txBody>
@@ -5119,9 +6036,9 @@
 </file>
 
 <file path=ppt/theme/theme1.xml><?xml version="1.0" encoding="utf-8"?>
-<a:theme xmlns:a="http://schemas.openxmlformats.org/drawingml/2006/main" name="Débit">
+<a:theme xmlns:a="http://schemas.openxmlformats.org/drawingml/2006/main" name="Rotonde">
   <a:themeElements>
-    <a:clrScheme name="Débit">
+    <a:clrScheme name="Rotonde">
       <a:dk1>
         <a:sysClr val="windowText" lastClr="000000"/>
       </a:dk1>
@@ -5129,46 +6046,46 @@
         <a:sysClr val="window" lastClr="FFFFFF"/>
       </a:lt1>
       <a:dk2>
-        <a:srgbClr val="04617B"/>
+        <a:srgbClr val="464646"/>
       </a:dk2>
       <a:lt2>
-        <a:srgbClr val="DBF5F9"/>
+        <a:srgbClr val="DEF5FA"/>
       </a:lt2>
       <a:accent1>
-        <a:srgbClr val="0F6FC6"/>
+        <a:srgbClr val="2DA2BF"/>
       </a:accent1>
       <a:accent2>
-        <a:srgbClr val="009DD9"/>
+        <a:srgbClr val="DA1F28"/>
       </a:accent2>
       <a:accent3>
-        <a:srgbClr val="0BD0D9"/>
+        <a:srgbClr val="EB641B"/>
       </a:accent3>
       <a:accent4>
-        <a:srgbClr val="10CF9B"/>
+        <a:srgbClr val="39639D"/>
       </a:accent4>
       <a:accent5>
-        <a:srgbClr val="7CCA62"/>
+        <a:srgbClr val="474B78"/>
       </a:accent5>
       <a:accent6>
-        <a:srgbClr val="A5C249"/>
+        <a:srgbClr val="7D3C4A"/>
       </a:accent6>
       <a:hlink>
-        <a:srgbClr val="E2D700"/>
+        <a:srgbClr val="FF8119"/>
       </a:hlink>
       <a:folHlink>
-        <a:srgbClr val="85DFD0"/>
+        <a:srgbClr val="44B9E8"/>
       </a:folHlink>
     </a:clrScheme>
-    <a:fontScheme name="Débit">
+    <a:fontScheme name="Rotonde">
       <a:majorFont>
-        <a:latin typeface="Calibri"/>
+        <a:latin typeface="Lucida Sans Unicode"/>
         <a:ea typeface=""/>
         <a:cs typeface=""/>
         <a:font script="Jpan" typeface="ＭＳ Ｐゴシック"/>
-        <a:font script="Hang" typeface="HY중고딕"/>
-        <a:font script="Hans" typeface="隶书"/>
+        <a:font script="Hang" typeface="맑은 고딕"/>
+        <a:font script="Hans" typeface="黑体"/>
         <a:font script="Hant" typeface="微軟正黑體"/>
-        <a:font script="Arab" typeface="Traditional Arabic"/>
+        <a:font script="Arab" typeface="Arial"/>
         <a:font script="Hebr" typeface="Arial"/>
         <a:font script="Thai" typeface="Cordia New"/>
         <a:font script="Ethi" typeface="Nyala"/>
@@ -5191,24 +6108,23 @@
         <a:font script="Laoo" typeface="DokChampa"/>
         <a:font script="Sinh" typeface="Iskoola Pota"/>
         <a:font script="Mong" typeface="Mongolian Baiti"/>
-        <a:font script="Viet" typeface="Arial"/>
         <a:font script="Uigh" typeface="Microsoft Uighur"/>
       </a:majorFont>
       <a:minorFont>
-        <a:latin typeface="Constantia"/>
+        <a:latin typeface="Lucida Sans Unicode"/>
         <a:ea typeface=""/>
         <a:cs typeface=""/>
-        <a:font script="Jpan" typeface="HGP明朝E"/>
-        <a:font script="Hang" typeface="HY신명조"/>
-        <a:font script="Hans" typeface="宋体"/>
-        <a:font script="Hant" typeface="新細明體"/>
-        <a:font script="Arab" typeface="Majalla UI"/>
-        <a:font script="Hebr" typeface="David"/>
-        <a:font script="Thai" typeface="Browallia New"/>
+        <a:font script="Jpan" typeface="ＭＳ Ｐゴシック"/>
+        <a:font script="Hang" typeface="맑은 고딕"/>
+        <a:font script="Hans" typeface="黑体"/>
+        <a:font script="Hant" typeface="微軟正黑體"/>
+        <a:font script="Arab" typeface="Arial"/>
+        <a:font script="Hebr" typeface="Arial"/>
+        <a:font script="Thai" typeface="Cordia New"/>
         <a:font script="Ethi" typeface="Nyala"/>
         <a:font script="Beng" typeface="Vrinda"/>
         <a:font script="Gujr" typeface="Shruti"/>
-        <a:font script="Khmr" typeface="MoolBoran"/>
+        <a:font script="Khmr" typeface="DaunPenh"/>
         <a:font script="Knda" typeface="Tunga"/>
         <a:font script="Guru" typeface="Raavi"/>
         <a:font script="Cans" typeface="Euphemia"/>
@@ -5225,11 +6141,10 @@
         <a:font script="Laoo" typeface="DokChampa"/>
         <a:font script="Sinh" typeface="Iskoola Pota"/>
         <a:font script="Mong" typeface="Mongolian Baiti"/>
-        <a:font script="Viet" typeface="Times New Roman"/>
         <a:font script="Uigh" typeface="Microsoft Uighur"/>
       </a:minorFont>
     </a:fontScheme>
-    <a:fmtScheme name="Débit">
+    <a:fmtScheme name="Rotonde">
       <a:fillStyleLst>
         <a:solidFill>
           <a:schemeClr val="phClr"/>
@@ -5238,77 +6153,71 @@
           <a:gsLst>
             <a:gs pos="0">
               <a:schemeClr val="phClr">
-                <a:tint val="70000"/>
-                <a:satMod val="130000"/>
+                <a:tint val="62000"/>
+                <a:satMod val="180000"/>
               </a:schemeClr>
             </a:gs>
-            <a:gs pos="43000">
+            <a:gs pos="65000">
               <a:schemeClr val="phClr">
-                <a:tint val="44000"/>
-                <a:satMod val="165000"/>
-              </a:schemeClr>
-            </a:gs>
-            <a:gs pos="93000">
-              <a:schemeClr val="phClr">
-                <a:tint val="15000"/>
-                <a:satMod val="165000"/>
+                <a:tint val="32000"/>
+                <a:satMod val="250000"/>
               </a:schemeClr>
             </a:gs>
             <a:gs pos="100000">
               <a:schemeClr val="phClr">
-                <a:tint val="5000"/>
-                <a:satMod val="250000"/>
+                <a:tint val="23000"/>
+                <a:satMod val="300000"/>
               </a:schemeClr>
             </a:gs>
           </a:gsLst>
-          <a:path path="circle">
-            <a:fillToRect l="50000" t="130000" r="50000" b="-30000"/>
-          </a:path>
+          <a:lin ang="16200000" scaled="0"/>
         </a:gradFill>
         <a:gradFill rotWithShape="1">
           <a:gsLst>
             <a:gs pos="0">
               <a:schemeClr val="phClr">
-                <a:tint val="98000"/>
-                <a:shade val="25000"/>
-                <a:satMod val="250000"/>
+                <a:shade val="15000"/>
+                <a:satMod val="180000"/>
               </a:schemeClr>
             </a:gs>
-            <a:gs pos="68000">
+            <a:gs pos="50000">
               <a:schemeClr val="phClr">
-                <a:tint val="86000"/>
-                <a:satMod val="115000"/>
+                <a:shade val="45000"/>
+                <a:satMod val="170000"/>
+              </a:schemeClr>
+            </a:gs>
+            <a:gs pos="70000">
+              <a:schemeClr val="phClr">
+                <a:tint val="99000"/>
+                <a:shade val="65000"/>
+                <a:satMod val="155000"/>
               </a:schemeClr>
             </a:gs>
             <a:gs pos="100000">
               <a:schemeClr val="phClr">
-                <a:tint val="50000"/>
-                <a:satMod val="150000"/>
+                <a:tint val="95500"/>
+                <a:shade val="100000"/>
+                <a:satMod val="155000"/>
               </a:schemeClr>
             </a:gs>
           </a:gsLst>
-          <a:path path="circle">
-            <a:fillToRect l="50000" t="130000" r="50000" b="-30000"/>
-          </a:path>
+          <a:lin ang="16200000" scaled="0"/>
         </a:gradFill>
       </a:fillStyleLst>
       <a:lnStyleLst>
         <a:ln w="9525" cap="flat" cmpd="sng" algn="ctr">
           <a:solidFill>
-            <a:schemeClr val="phClr">
-              <a:shade val="50000"/>
-              <a:satMod val="103000"/>
-            </a:schemeClr>
+            <a:schemeClr val="phClr"/>
           </a:solidFill>
           <a:prstDash val="solid"/>
         </a:ln>
-        <a:ln w="25400" cap="flat" cmpd="sng" algn="ctr">
+        <a:ln w="55000" cap="flat" cmpd="thickThin" algn="ctr">
           <a:solidFill>
             <a:schemeClr val="phClr"/>
           </a:solidFill>
           <a:prstDash val="solid"/>
         </a:ln>
-        <a:ln w="38100" cap="flat" cmpd="sng" algn="ctr">
+        <a:ln w="63500" cap="flat" cmpd="thickThin" algn="ctr">
           <a:solidFill>
             <a:schemeClr val="phClr"/>
           </a:solidFill>
@@ -5318,46 +6227,45 @@
       <a:effectStyleLst>
         <a:effectStyle>
           <a:effectLst>
-            <a:outerShdw blurRad="57150" dist="38100" dir="5400000" algn="ctr" rotWithShape="0">
-              <a:schemeClr val="phClr">
-                <a:shade val="9000"/>
-                <a:satMod val="105000"/>
-                <a:alpha val="48000"/>
-              </a:schemeClr>
+            <a:outerShdw blurRad="50800" dist="38100" dir="5400000" rotWithShape="0">
+              <a:srgbClr val="000000">
+                <a:alpha val="35000"/>
+              </a:srgbClr>
             </a:outerShdw>
           </a:effectLst>
         </a:effectStyle>
         <a:effectStyle>
           <a:effectLst>
-            <a:outerShdw blurRad="57150" dist="38100" dir="5400000" algn="ctr" rotWithShape="0">
-              <a:schemeClr val="phClr">
-                <a:shade val="9000"/>
-                <a:satMod val="105000"/>
-                <a:alpha val="48000"/>
-              </a:schemeClr>
+            <a:outerShdw blurRad="50800" dist="38100" dir="5400000" rotWithShape="0">
+              <a:srgbClr val="000000">
+                <a:alpha val="35000"/>
+              </a:srgbClr>
             </a:outerShdw>
           </a:effectLst>
         </a:effectStyle>
         <a:effectStyle>
           <a:effectLst>
-            <a:outerShdw blurRad="57150" dist="38100" dir="5400000" algn="ctr" rotWithShape="0">
-              <a:schemeClr val="phClr">
-                <a:shade val="9000"/>
-                <a:satMod val="105000"/>
-                <a:alpha val="48000"/>
-              </a:schemeClr>
+            <a:outerShdw blurRad="63500" dist="38100" dir="5400000" rotWithShape="0">
+              <a:srgbClr val="000000">
+                <a:alpha val="45000"/>
+              </a:srgbClr>
             </a:outerShdw>
           </a:effectLst>
           <a:scene3d>
             <a:camera prst="orthographicFront" fov="0">
               <a:rot lat="0" lon="0" rev="0"/>
             </a:camera>
-            <a:lightRig rig="glow" dir="tl">
-              <a:rot lat="0" lon="0" rev="900000"/>
+            <a:lightRig rig="glow" dir="t">
+              <a:rot lat="0" lon="0" rev="6360000"/>
             </a:lightRig>
           </a:scene3d>
-          <a:sp3d prstMaterial="powder">
-            <a:bevelT w="25400" h="38100"/>
+          <a:sp3d contourW="1000" prstMaterial="flat">
+            <a:bevelT w="95250" h="101600"/>
+            <a:contourClr>
+              <a:schemeClr val="phClr">
+                <a:satMod val="300000"/>
+              </a:schemeClr>
+            </a:contourClr>
           </a:sp3d>
         </a:effectStyle>
       </a:effectStyleLst>
@@ -5369,41 +6277,40 @@
           <a:gsLst>
             <a:gs pos="0">
               <a:schemeClr val="phClr">
-                <a:tint val="80000"/>
-                <a:satMod val="400000"/>
+                <a:tint val="55000"/>
+                <a:satMod val="300000"/>
               </a:schemeClr>
             </a:gs>
-            <a:gs pos="25000">
+            <a:gs pos="40000">
               <a:schemeClr val="phClr">
-                <a:tint val="83000"/>
-                <a:satMod val="320000"/>
+                <a:tint val="65000"/>
+                <a:satMod val="300000"/>
               </a:schemeClr>
             </a:gs>
             <a:gs pos="100000">
               <a:schemeClr val="phClr">
-                <a:shade val="15000"/>
-                <a:satMod val="320000"/>
+                <a:shade val="65000"/>
+                <a:satMod val="300000"/>
               </a:schemeClr>
             </a:gs>
           </a:gsLst>
           <a:path path="circle">
-            <a:fillToRect l="10000" t="110000" r="10000" b="100000"/>
+            <a:fillToRect l="65000" b="98000"/>
           </a:path>
         </a:gradFill>
         <a:blipFill>
           <a:blip xmlns:r="http://schemas.openxmlformats.org/officeDocument/2006/relationships" r:embed="rId1">
             <a:duotone>
               <a:schemeClr val="phClr">
-                <a:shade val="90000"/>
-                <a:satMod val="150000"/>
+                <a:shade val="60000"/>
+                <a:satMod val="110000"/>
               </a:schemeClr>
               <a:schemeClr val="phClr">
-                <a:tint val="88000"/>
-                <a:satMod val="150000"/>
+                <a:tint val="95000"/>
               </a:schemeClr>
             </a:duotone>
           </a:blip>
-          <a:tile tx="0" ty="0" sx="65000" sy="65000" flip="none" algn="tl"/>
+          <a:tile tx="0" ty="0" sx="50000" sy="50000" flip="none" algn="tl"/>
         </a:blipFill>
       </a:bgFillStyleLst>
     </a:fmtScheme>
